--- a/DA using SQL/PPT/SQL Join.pptx
+++ b/DA using SQL/PPT/SQL Join.pptx
@@ -6,16 +6,19 @@
   </p:sldMasterIdLst>
   <p:sldIdLst>
     <p:sldId id="256" r:id="rId2"/>
-    <p:sldId id="257" r:id="rId3"/>
-    <p:sldId id="258" r:id="rId4"/>
-    <p:sldId id="259" r:id="rId5"/>
-    <p:sldId id="260" r:id="rId6"/>
-    <p:sldId id="261" r:id="rId7"/>
-    <p:sldId id="262" r:id="rId8"/>
-    <p:sldId id="263" r:id="rId9"/>
-    <p:sldId id="264" r:id="rId10"/>
-    <p:sldId id="265" r:id="rId11"/>
-    <p:sldId id="266" r:id="rId12"/>
+    <p:sldId id="267" r:id="rId3"/>
+    <p:sldId id="257" r:id="rId4"/>
+    <p:sldId id="258" r:id="rId5"/>
+    <p:sldId id="259" r:id="rId6"/>
+    <p:sldId id="260" r:id="rId7"/>
+    <p:sldId id="261" r:id="rId8"/>
+    <p:sldId id="262" r:id="rId9"/>
+    <p:sldId id="263" r:id="rId10"/>
+    <p:sldId id="264" r:id="rId11"/>
+    <p:sldId id="268" r:id="rId12"/>
+    <p:sldId id="269" r:id="rId13"/>
+    <p:sldId id="265" r:id="rId14"/>
+    <p:sldId id="266" r:id="rId15"/>
   </p:sldIdLst>
   <p:sldSz cx="12192000" cy="6858000"/>
   <p:notesSz cx="6858000" cy="9144000"/>
@@ -114,7 +117,3189 @@
       </a:defRPr>
     </a:lvl9pPr>
   </p:defaultTextStyle>
+  <p:extLst>
+    <p:ext uri="{EFAFB233-063F-42B5-8137-9DF3F51BA10A}">
+      <p15:sldGuideLst xmlns:p15="http://schemas.microsoft.com/office/powerpoint/2012/main"/>
+    </p:ext>
+  </p:extLst>
 </p:presentation>
+</file>
+
+<file path=ppt/diagrams/colors1.xml><?xml version="1.0" encoding="utf-8"?>
+<dgm:colorsDef xmlns:dgm="http://schemas.openxmlformats.org/drawingml/2006/diagram" xmlns:a="http://schemas.openxmlformats.org/drawingml/2006/main" uniqueId="urn:microsoft.com/office/officeart/2005/8/colors/colorful5">
+  <dgm:title val=""/>
+  <dgm:desc val=""/>
+  <dgm:catLst>
+    <dgm:cat type="colorful" pri="10500"/>
+  </dgm:catLst>
+  <dgm:styleLbl name="node0">
+    <dgm:fillClrLst meth="repeat">
+      <a:schemeClr val="accent4"/>
+    </dgm:fillClrLst>
+    <dgm:linClrLst meth="repeat">
+      <a:schemeClr val="lt1"/>
+    </dgm:linClrLst>
+    <dgm:effectClrLst/>
+    <dgm:txLinClrLst/>
+    <dgm:txFillClrLst/>
+    <dgm:txEffectClrLst/>
+  </dgm:styleLbl>
+  <dgm:styleLbl name="node1">
+    <dgm:fillClrLst>
+      <a:schemeClr val="accent5"/>
+      <a:schemeClr val="accent6"/>
+    </dgm:fillClrLst>
+    <dgm:linClrLst meth="repeat">
+      <a:schemeClr val="lt1"/>
+    </dgm:linClrLst>
+    <dgm:effectClrLst/>
+    <dgm:txLinClrLst/>
+    <dgm:txFillClrLst/>
+    <dgm:txEffectClrLst/>
+  </dgm:styleLbl>
+  <dgm:styleLbl name="alignNode1">
+    <dgm:fillClrLst>
+      <a:schemeClr val="accent5"/>
+      <a:schemeClr val="accent6"/>
+    </dgm:fillClrLst>
+    <dgm:linClrLst>
+      <a:schemeClr val="accent5"/>
+      <a:schemeClr val="accent6"/>
+    </dgm:linClrLst>
+    <dgm:effectClrLst/>
+    <dgm:txLinClrLst/>
+    <dgm:txFillClrLst/>
+    <dgm:txEffectClrLst/>
+  </dgm:styleLbl>
+  <dgm:styleLbl name="lnNode1">
+    <dgm:fillClrLst>
+      <a:schemeClr val="accent5"/>
+      <a:schemeClr val="accent6"/>
+    </dgm:fillClrLst>
+    <dgm:linClrLst meth="repeat">
+      <a:schemeClr val="lt1"/>
+    </dgm:linClrLst>
+    <dgm:effectClrLst/>
+    <dgm:txLinClrLst/>
+    <dgm:txFillClrLst/>
+    <dgm:txEffectClrLst/>
+  </dgm:styleLbl>
+  <dgm:styleLbl name="vennNode1">
+    <dgm:fillClrLst>
+      <a:schemeClr val="accent5">
+        <a:alpha val="50000"/>
+      </a:schemeClr>
+      <a:schemeClr val="accent6">
+        <a:alpha val="50000"/>
+      </a:schemeClr>
+    </dgm:fillClrLst>
+    <dgm:linClrLst meth="repeat">
+      <a:schemeClr val="lt1"/>
+    </dgm:linClrLst>
+    <dgm:effectClrLst/>
+    <dgm:txLinClrLst/>
+    <dgm:txFillClrLst/>
+    <dgm:txEffectClrLst/>
+  </dgm:styleLbl>
+  <dgm:styleLbl name="node2">
+    <dgm:fillClrLst>
+      <a:schemeClr val="accent6"/>
+    </dgm:fillClrLst>
+    <dgm:linClrLst meth="repeat">
+      <a:schemeClr val="lt1"/>
+    </dgm:linClrLst>
+    <dgm:effectClrLst/>
+    <dgm:txLinClrLst/>
+    <dgm:txFillClrLst/>
+    <dgm:txEffectClrLst/>
+  </dgm:styleLbl>
+  <dgm:styleLbl name="node3">
+    <dgm:fillClrLst>
+      <a:schemeClr val="accent1"/>
+    </dgm:fillClrLst>
+    <dgm:linClrLst meth="repeat">
+      <a:schemeClr val="lt1"/>
+    </dgm:linClrLst>
+    <dgm:effectClrLst/>
+    <dgm:txLinClrLst/>
+    <dgm:txFillClrLst/>
+    <dgm:txEffectClrLst/>
+  </dgm:styleLbl>
+  <dgm:styleLbl name="node4">
+    <dgm:fillClrLst>
+      <a:schemeClr val="accent2"/>
+    </dgm:fillClrLst>
+    <dgm:linClrLst meth="repeat">
+      <a:schemeClr val="lt1"/>
+    </dgm:linClrLst>
+    <dgm:effectClrLst/>
+    <dgm:txLinClrLst/>
+    <dgm:txFillClrLst/>
+    <dgm:txEffectClrLst/>
+  </dgm:styleLbl>
+  <dgm:styleLbl name="fgImgPlace1">
+    <dgm:fillClrLst>
+      <a:schemeClr val="accent5">
+        <a:tint val="50000"/>
+      </a:schemeClr>
+      <a:schemeClr val="accent6">
+        <a:tint val="50000"/>
+      </a:schemeClr>
+    </dgm:fillClrLst>
+    <dgm:linClrLst meth="repeat">
+      <a:schemeClr val="lt1"/>
+    </dgm:linClrLst>
+    <dgm:effectClrLst/>
+    <dgm:txLinClrLst/>
+    <dgm:txFillClrLst meth="repeat">
+      <a:schemeClr val="lt1"/>
+    </dgm:txFillClrLst>
+    <dgm:txEffectClrLst/>
+  </dgm:styleLbl>
+  <dgm:styleLbl name="alignImgPlace1">
+    <dgm:fillClrLst>
+      <a:schemeClr val="accent5">
+        <a:tint val="50000"/>
+      </a:schemeClr>
+      <a:schemeClr val="accent6">
+        <a:tint val="20000"/>
+      </a:schemeClr>
+    </dgm:fillClrLst>
+    <dgm:linClrLst meth="repeat">
+      <a:schemeClr val="lt1"/>
+    </dgm:linClrLst>
+    <dgm:effectClrLst/>
+    <dgm:txLinClrLst/>
+    <dgm:txFillClrLst meth="repeat">
+      <a:schemeClr val="lt1"/>
+    </dgm:txFillClrLst>
+    <dgm:txEffectClrLst/>
+  </dgm:styleLbl>
+  <dgm:styleLbl name="bgImgPlace1">
+    <dgm:fillClrLst>
+      <a:schemeClr val="accent5">
+        <a:tint val="50000"/>
+      </a:schemeClr>
+      <a:schemeClr val="accent6">
+        <a:tint val="20000"/>
+      </a:schemeClr>
+    </dgm:fillClrLst>
+    <dgm:linClrLst meth="repeat">
+      <a:schemeClr val="lt1"/>
+    </dgm:linClrLst>
+    <dgm:effectClrLst/>
+    <dgm:txLinClrLst/>
+    <dgm:txFillClrLst meth="repeat">
+      <a:schemeClr val="lt1"/>
+    </dgm:txFillClrLst>
+    <dgm:txEffectClrLst/>
+  </dgm:styleLbl>
+  <dgm:styleLbl name="sibTrans2D1">
+    <dgm:fillClrLst>
+      <a:schemeClr val="accent5"/>
+      <a:schemeClr val="accent6"/>
+    </dgm:fillClrLst>
+    <dgm:linClrLst meth="repeat">
+      <a:schemeClr val="lt1"/>
+    </dgm:linClrLst>
+    <dgm:effectClrLst/>
+    <dgm:txLinClrLst/>
+    <dgm:txFillClrLst/>
+    <dgm:txEffectClrLst/>
+  </dgm:styleLbl>
+  <dgm:styleLbl name="fgSibTrans2D1">
+    <dgm:fillClrLst>
+      <a:schemeClr val="accent5"/>
+      <a:schemeClr val="accent6"/>
+    </dgm:fillClrLst>
+    <dgm:linClrLst meth="repeat">
+      <a:schemeClr val="lt1"/>
+    </dgm:linClrLst>
+    <dgm:effectClrLst/>
+    <dgm:txLinClrLst/>
+    <dgm:txFillClrLst meth="repeat">
+      <a:schemeClr val="lt1"/>
+    </dgm:txFillClrLst>
+    <dgm:txEffectClrLst/>
+  </dgm:styleLbl>
+  <dgm:styleLbl name="bgSibTrans2D1">
+    <dgm:fillClrLst>
+      <a:schemeClr val="accent5"/>
+      <a:schemeClr val="accent6"/>
+    </dgm:fillClrLst>
+    <dgm:linClrLst meth="repeat">
+      <a:schemeClr val="lt1"/>
+    </dgm:linClrLst>
+    <dgm:effectClrLst/>
+    <dgm:txLinClrLst/>
+    <dgm:txFillClrLst meth="repeat">
+      <a:schemeClr val="lt1"/>
+    </dgm:txFillClrLst>
+    <dgm:txEffectClrLst/>
+  </dgm:styleLbl>
+  <dgm:styleLbl name="sibTrans1D1">
+    <dgm:fillClrLst/>
+    <dgm:linClrLst>
+      <a:schemeClr val="accent5"/>
+      <a:schemeClr val="accent6"/>
+    </dgm:linClrLst>
+    <dgm:effectClrLst/>
+    <dgm:txLinClrLst/>
+    <dgm:txFillClrLst meth="repeat">
+      <a:schemeClr val="tx1"/>
+    </dgm:txFillClrLst>
+    <dgm:txEffectClrLst/>
+  </dgm:styleLbl>
+  <dgm:styleLbl name="callout">
+    <dgm:fillClrLst meth="repeat">
+      <a:schemeClr val="accent5"/>
+    </dgm:fillClrLst>
+    <dgm:linClrLst meth="repeat">
+      <a:schemeClr val="accent5">
+        <a:tint val="50000"/>
+      </a:schemeClr>
+    </dgm:linClrLst>
+    <dgm:effectClrLst/>
+    <dgm:txLinClrLst/>
+    <dgm:txFillClrLst meth="repeat">
+      <a:schemeClr val="tx1"/>
+    </dgm:txFillClrLst>
+    <dgm:txEffectClrLst/>
+  </dgm:styleLbl>
+  <dgm:styleLbl name="asst0">
+    <dgm:fillClrLst meth="repeat">
+      <a:schemeClr val="accent5"/>
+    </dgm:fillClrLst>
+    <dgm:linClrLst meth="repeat">
+      <a:schemeClr val="lt1">
+        <a:shade val="80000"/>
+      </a:schemeClr>
+    </dgm:linClrLst>
+    <dgm:effectClrLst/>
+    <dgm:txLinClrLst/>
+    <dgm:txFillClrLst/>
+    <dgm:txEffectClrLst/>
+  </dgm:styleLbl>
+  <dgm:styleLbl name="asst1">
+    <dgm:fillClrLst meth="repeat">
+      <a:schemeClr val="accent6"/>
+    </dgm:fillClrLst>
+    <dgm:linClrLst meth="repeat">
+      <a:schemeClr val="lt1">
+        <a:shade val="80000"/>
+      </a:schemeClr>
+    </dgm:linClrLst>
+    <dgm:effectClrLst/>
+    <dgm:txLinClrLst/>
+    <dgm:txFillClrLst/>
+    <dgm:txEffectClrLst/>
+  </dgm:styleLbl>
+  <dgm:styleLbl name="asst2">
+    <dgm:fillClrLst>
+      <a:schemeClr val="accent1"/>
+    </dgm:fillClrLst>
+    <dgm:linClrLst meth="repeat">
+      <a:schemeClr val="lt1"/>
+    </dgm:linClrLst>
+    <dgm:effectClrLst/>
+    <dgm:txLinClrLst/>
+    <dgm:txFillClrLst/>
+    <dgm:txEffectClrLst/>
+  </dgm:styleLbl>
+  <dgm:styleLbl name="asst3">
+    <dgm:fillClrLst>
+      <a:schemeClr val="accent2"/>
+    </dgm:fillClrLst>
+    <dgm:linClrLst meth="repeat">
+      <a:schemeClr val="lt1"/>
+    </dgm:linClrLst>
+    <dgm:effectClrLst/>
+    <dgm:txLinClrLst/>
+    <dgm:txFillClrLst/>
+    <dgm:txEffectClrLst/>
+  </dgm:styleLbl>
+  <dgm:styleLbl name="asst4">
+    <dgm:fillClrLst>
+      <a:schemeClr val="accent3"/>
+    </dgm:fillClrLst>
+    <dgm:linClrLst meth="repeat">
+      <a:schemeClr val="lt1"/>
+    </dgm:linClrLst>
+    <dgm:effectClrLst/>
+    <dgm:txLinClrLst/>
+    <dgm:txFillClrLst/>
+    <dgm:txEffectClrLst/>
+  </dgm:styleLbl>
+  <dgm:styleLbl name="parChTrans2D1">
+    <dgm:fillClrLst meth="repeat">
+      <a:schemeClr val="accent5"/>
+    </dgm:fillClrLst>
+    <dgm:linClrLst meth="repeat">
+      <a:schemeClr val="lt1"/>
+    </dgm:linClrLst>
+    <dgm:effectClrLst/>
+    <dgm:txLinClrLst/>
+    <dgm:txFillClrLst meth="repeat">
+      <a:schemeClr val="lt1"/>
+    </dgm:txFillClrLst>
+    <dgm:txEffectClrLst/>
+  </dgm:styleLbl>
+  <dgm:styleLbl name="parChTrans2D2">
+    <dgm:fillClrLst meth="repeat">
+      <a:schemeClr val="accent6"/>
+    </dgm:fillClrLst>
+    <dgm:linClrLst meth="repeat">
+      <a:schemeClr val="lt1"/>
+    </dgm:linClrLst>
+    <dgm:effectClrLst/>
+    <dgm:txLinClrLst/>
+    <dgm:txFillClrLst/>
+    <dgm:txEffectClrLst/>
+  </dgm:styleLbl>
+  <dgm:styleLbl name="parChTrans2D3">
+    <dgm:fillClrLst meth="repeat">
+      <a:schemeClr val="accent6"/>
+    </dgm:fillClrLst>
+    <dgm:linClrLst meth="repeat">
+      <a:schemeClr val="lt1"/>
+    </dgm:linClrLst>
+    <dgm:effectClrLst/>
+    <dgm:txLinClrLst/>
+    <dgm:txFillClrLst/>
+    <dgm:txEffectClrLst/>
+  </dgm:styleLbl>
+  <dgm:styleLbl name="parChTrans2D4">
+    <dgm:fillClrLst meth="repeat">
+      <a:schemeClr val="accent1"/>
+    </dgm:fillClrLst>
+    <dgm:linClrLst meth="repeat">
+      <a:schemeClr val="lt1"/>
+    </dgm:linClrLst>
+    <dgm:effectClrLst/>
+    <dgm:txLinClrLst/>
+    <dgm:txFillClrLst meth="repeat">
+      <a:schemeClr val="lt1"/>
+    </dgm:txFillClrLst>
+    <dgm:txEffectClrLst/>
+  </dgm:styleLbl>
+  <dgm:styleLbl name="parChTrans1D1">
+    <dgm:fillClrLst meth="repeat">
+      <a:schemeClr val="accent5"/>
+    </dgm:fillClrLst>
+    <dgm:linClrLst meth="repeat">
+      <a:schemeClr val="accent5"/>
+    </dgm:linClrLst>
+    <dgm:effectClrLst/>
+    <dgm:txLinClrLst/>
+    <dgm:txFillClrLst meth="repeat">
+      <a:schemeClr val="tx1"/>
+    </dgm:txFillClrLst>
+    <dgm:txEffectClrLst/>
+  </dgm:styleLbl>
+  <dgm:styleLbl name="parChTrans1D2">
+    <dgm:fillClrLst meth="repeat">
+      <a:schemeClr val="accent6">
+        <a:tint val="90000"/>
+      </a:schemeClr>
+    </dgm:fillClrLst>
+    <dgm:linClrLst meth="repeat">
+      <a:schemeClr val="accent6"/>
+    </dgm:linClrLst>
+    <dgm:effectClrLst/>
+    <dgm:txLinClrLst/>
+    <dgm:txFillClrLst meth="repeat">
+      <a:schemeClr val="tx1"/>
+    </dgm:txFillClrLst>
+    <dgm:txEffectClrLst/>
+  </dgm:styleLbl>
+  <dgm:styleLbl name="parChTrans1D3">
+    <dgm:fillClrLst meth="repeat">
+      <a:schemeClr val="accent6">
+        <a:tint val="70000"/>
+      </a:schemeClr>
+    </dgm:fillClrLst>
+    <dgm:linClrLst meth="repeat">
+      <a:schemeClr val="accent1"/>
+    </dgm:linClrLst>
+    <dgm:effectClrLst/>
+    <dgm:txLinClrLst/>
+    <dgm:txFillClrLst meth="repeat">
+      <a:schemeClr val="tx1"/>
+    </dgm:txFillClrLst>
+    <dgm:txEffectClrLst/>
+  </dgm:styleLbl>
+  <dgm:styleLbl name="parChTrans1D4">
+    <dgm:fillClrLst meth="repeat">
+      <a:schemeClr val="accent6">
+        <a:tint val="50000"/>
+      </a:schemeClr>
+    </dgm:fillClrLst>
+    <dgm:linClrLst meth="repeat">
+      <a:schemeClr val="accent2"/>
+    </dgm:linClrLst>
+    <dgm:effectClrLst/>
+    <dgm:txLinClrLst/>
+    <dgm:txFillClrLst meth="repeat">
+      <a:schemeClr val="tx1"/>
+    </dgm:txFillClrLst>
+    <dgm:txEffectClrLst/>
+  </dgm:styleLbl>
+  <dgm:styleLbl name="fgAcc1">
+    <dgm:fillClrLst meth="repeat">
+      <a:schemeClr val="lt1">
+        <a:alpha val="90000"/>
+      </a:schemeClr>
+    </dgm:fillClrLst>
+    <dgm:linClrLst>
+      <a:schemeClr val="accent5"/>
+      <a:schemeClr val="accent6"/>
+    </dgm:linClrLst>
+    <dgm:effectClrLst/>
+    <dgm:txLinClrLst/>
+    <dgm:txFillClrLst meth="repeat">
+      <a:schemeClr val="dk1"/>
+    </dgm:txFillClrLst>
+    <dgm:txEffectClrLst/>
+  </dgm:styleLbl>
+  <dgm:styleLbl name="conFgAcc1">
+    <dgm:fillClrLst meth="repeat">
+      <a:schemeClr val="lt1">
+        <a:alpha val="90000"/>
+      </a:schemeClr>
+    </dgm:fillClrLst>
+    <dgm:linClrLst>
+      <a:schemeClr val="accent5"/>
+      <a:schemeClr val="accent6"/>
+    </dgm:linClrLst>
+    <dgm:effectClrLst/>
+    <dgm:txLinClrLst/>
+    <dgm:txFillClrLst meth="repeat">
+      <a:schemeClr val="dk1"/>
+    </dgm:txFillClrLst>
+    <dgm:txEffectClrLst/>
+  </dgm:styleLbl>
+  <dgm:styleLbl name="alignAcc1">
+    <dgm:fillClrLst meth="repeat">
+      <a:schemeClr val="lt1">
+        <a:alpha val="90000"/>
+      </a:schemeClr>
+    </dgm:fillClrLst>
+    <dgm:linClrLst>
+      <a:schemeClr val="accent5"/>
+      <a:schemeClr val="accent6"/>
+    </dgm:linClrLst>
+    <dgm:effectClrLst/>
+    <dgm:txLinClrLst/>
+    <dgm:txFillClrLst meth="repeat">
+      <a:schemeClr val="dk1"/>
+    </dgm:txFillClrLst>
+    <dgm:txEffectClrLst/>
+  </dgm:styleLbl>
+  <dgm:styleLbl name="trAlignAcc1">
+    <dgm:fillClrLst meth="repeat">
+      <a:schemeClr val="lt1">
+        <a:alpha val="40000"/>
+      </a:schemeClr>
+    </dgm:fillClrLst>
+    <dgm:linClrLst meth="repeat">
+      <a:schemeClr val="accent5"/>
+    </dgm:linClrLst>
+    <dgm:effectClrLst/>
+    <dgm:txLinClrLst/>
+    <dgm:txFillClrLst meth="repeat">
+      <a:schemeClr val="dk1"/>
+    </dgm:txFillClrLst>
+    <dgm:txEffectClrLst/>
+  </dgm:styleLbl>
+  <dgm:styleLbl name="bgAcc1">
+    <dgm:fillClrLst meth="repeat">
+      <a:schemeClr val="lt1">
+        <a:alpha val="90000"/>
+      </a:schemeClr>
+    </dgm:fillClrLst>
+    <dgm:linClrLst>
+      <a:schemeClr val="accent5"/>
+      <a:schemeClr val="accent6"/>
+    </dgm:linClrLst>
+    <dgm:effectClrLst/>
+    <dgm:txLinClrLst/>
+    <dgm:txFillClrLst meth="repeat">
+      <a:schemeClr val="dk1"/>
+    </dgm:txFillClrLst>
+    <dgm:txEffectClrLst/>
+  </dgm:styleLbl>
+  <dgm:styleLbl name="solidFgAcc1">
+    <dgm:fillClrLst meth="repeat">
+      <a:schemeClr val="lt1"/>
+    </dgm:fillClrLst>
+    <dgm:linClrLst>
+      <a:schemeClr val="accent5"/>
+      <a:schemeClr val="accent6"/>
+    </dgm:linClrLst>
+    <dgm:effectClrLst/>
+    <dgm:txLinClrLst/>
+    <dgm:txFillClrLst meth="repeat">
+      <a:schemeClr val="dk1"/>
+    </dgm:txFillClrLst>
+    <dgm:txEffectClrLst/>
+  </dgm:styleLbl>
+  <dgm:styleLbl name="solidAlignAcc1">
+    <dgm:fillClrLst meth="repeat">
+      <a:schemeClr val="lt1"/>
+    </dgm:fillClrLst>
+    <dgm:linClrLst>
+      <a:schemeClr val="accent5"/>
+      <a:schemeClr val="accent6"/>
+    </dgm:linClrLst>
+    <dgm:effectClrLst/>
+    <dgm:txLinClrLst/>
+    <dgm:txFillClrLst meth="repeat">
+      <a:schemeClr val="dk1"/>
+    </dgm:txFillClrLst>
+    <dgm:txEffectClrLst/>
+  </dgm:styleLbl>
+  <dgm:styleLbl name="solidBgAcc1">
+    <dgm:fillClrLst meth="repeat">
+      <a:schemeClr val="lt1"/>
+    </dgm:fillClrLst>
+    <dgm:linClrLst>
+      <a:schemeClr val="accent5"/>
+      <a:schemeClr val="accent6"/>
+    </dgm:linClrLst>
+    <dgm:effectClrLst/>
+    <dgm:txLinClrLst/>
+    <dgm:txFillClrLst meth="repeat">
+      <a:schemeClr val="dk1"/>
+    </dgm:txFillClrLst>
+    <dgm:txEffectClrLst/>
+  </dgm:styleLbl>
+  <dgm:styleLbl name="fgAccFollowNode1">
+    <dgm:fillClrLst>
+      <a:schemeClr val="accent5">
+        <a:tint val="40000"/>
+        <a:alpha val="90000"/>
+      </a:schemeClr>
+      <a:schemeClr val="accent6">
+        <a:tint val="40000"/>
+        <a:alpha val="90000"/>
+      </a:schemeClr>
+    </dgm:fillClrLst>
+    <dgm:linClrLst>
+      <a:schemeClr val="accent5">
+        <a:tint val="40000"/>
+        <a:alpha val="90000"/>
+      </a:schemeClr>
+      <a:schemeClr val="accent5">
+        <a:tint val="40000"/>
+        <a:alpha val="90000"/>
+      </a:schemeClr>
+    </dgm:linClrLst>
+    <dgm:effectClrLst/>
+    <dgm:txLinClrLst/>
+    <dgm:txFillClrLst meth="repeat">
+      <a:schemeClr val="dk1"/>
+    </dgm:txFillClrLst>
+    <dgm:txEffectClrLst/>
+  </dgm:styleLbl>
+  <dgm:styleLbl name="alignAccFollowNode1">
+    <dgm:fillClrLst>
+      <a:schemeClr val="accent5">
+        <a:tint val="40000"/>
+        <a:alpha val="90000"/>
+      </a:schemeClr>
+      <a:schemeClr val="accent6">
+        <a:tint val="40000"/>
+        <a:alpha val="90000"/>
+      </a:schemeClr>
+    </dgm:fillClrLst>
+    <dgm:linClrLst>
+      <a:schemeClr val="accent5">
+        <a:tint val="40000"/>
+        <a:alpha val="90000"/>
+      </a:schemeClr>
+      <a:schemeClr val="accent6">
+        <a:tint val="40000"/>
+        <a:alpha val="90000"/>
+      </a:schemeClr>
+    </dgm:linClrLst>
+    <dgm:effectClrLst/>
+    <dgm:txLinClrLst/>
+    <dgm:txFillClrLst meth="repeat">
+      <a:schemeClr val="dk1"/>
+    </dgm:txFillClrLst>
+    <dgm:txEffectClrLst/>
+  </dgm:styleLbl>
+  <dgm:styleLbl name="bgAccFollowNode1">
+    <dgm:fillClrLst>
+      <a:schemeClr val="accent5">
+        <a:tint val="40000"/>
+        <a:alpha val="90000"/>
+      </a:schemeClr>
+      <a:schemeClr val="accent6">
+        <a:tint val="40000"/>
+        <a:alpha val="90000"/>
+      </a:schemeClr>
+    </dgm:fillClrLst>
+    <dgm:linClrLst>
+      <a:schemeClr val="accent5">
+        <a:tint val="40000"/>
+        <a:alpha val="90000"/>
+      </a:schemeClr>
+      <a:schemeClr val="accent6">
+        <a:tint val="40000"/>
+        <a:alpha val="90000"/>
+      </a:schemeClr>
+    </dgm:linClrLst>
+    <dgm:effectClrLst/>
+    <dgm:txLinClrLst/>
+    <dgm:txFillClrLst meth="repeat">
+      <a:schemeClr val="dk1"/>
+    </dgm:txFillClrLst>
+    <dgm:txEffectClrLst/>
+  </dgm:styleLbl>
+  <dgm:styleLbl name="fgAcc0">
+    <dgm:fillClrLst meth="repeat">
+      <a:schemeClr val="lt1">
+        <a:alpha val="90000"/>
+      </a:schemeClr>
+    </dgm:fillClrLst>
+    <dgm:linClrLst>
+      <a:schemeClr val="accent4"/>
+    </dgm:linClrLst>
+    <dgm:effectClrLst/>
+    <dgm:txLinClrLst/>
+    <dgm:txFillClrLst meth="repeat">
+      <a:schemeClr val="dk1"/>
+    </dgm:txFillClrLst>
+    <dgm:txEffectClrLst/>
+  </dgm:styleLbl>
+  <dgm:styleLbl name="fgAcc2">
+    <dgm:fillClrLst meth="repeat">
+      <a:schemeClr val="lt1">
+        <a:alpha val="90000"/>
+      </a:schemeClr>
+    </dgm:fillClrLst>
+    <dgm:linClrLst>
+      <a:schemeClr val="accent6"/>
+    </dgm:linClrLst>
+    <dgm:effectClrLst/>
+    <dgm:txLinClrLst/>
+    <dgm:txFillClrLst meth="repeat">
+      <a:schemeClr val="dk1"/>
+    </dgm:txFillClrLst>
+    <dgm:txEffectClrLst/>
+  </dgm:styleLbl>
+  <dgm:styleLbl name="fgAcc3">
+    <dgm:fillClrLst meth="repeat">
+      <a:schemeClr val="lt1">
+        <a:alpha val="90000"/>
+      </a:schemeClr>
+    </dgm:fillClrLst>
+    <dgm:linClrLst>
+      <a:schemeClr val="accent1"/>
+    </dgm:linClrLst>
+    <dgm:effectClrLst/>
+    <dgm:txLinClrLst/>
+    <dgm:txFillClrLst meth="repeat">
+      <a:schemeClr val="dk1"/>
+    </dgm:txFillClrLst>
+    <dgm:txEffectClrLst/>
+  </dgm:styleLbl>
+  <dgm:styleLbl name="fgAcc4">
+    <dgm:fillClrLst meth="repeat">
+      <a:schemeClr val="lt1">
+        <a:alpha val="90000"/>
+      </a:schemeClr>
+    </dgm:fillClrLst>
+    <dgm:linClrLst>
+      <a:schemeClr val="accent2"/>
+    </dgm:linClrLst>
+    <dgm:effectClrLst/>
+    <dgm:txLinClrLst/>
+    <dgm:txFillClrLst meth="repeat">
+      <a:schemeClr val="dk1"/>
+    </dgm:txFillClrLst>
+    <dgm:txEffectClrLst/>
+  </dgm:styleLbl>
+  <dgm:styleLbl name="bgShp">
+    <dgm:fillClrLst meth="repeat">
+      <a:schemeClr val="accent5">
+        <a:tint val="40000"/>
+      </a:schemeClr>
+    </dgm:fillClrLst>
+    <dgm:linClrLst meth="repeat">
+      <a:schemeClr val="dk1"/>
+    </dgm:linClrLst>
+    <dgm:effectClrLst/>
+    <dgm:txLinClrLst/>
+    <dgm:txFillClrLst meth="repeat">
+      <a:schemeClr val="dk1"/>
+    </dgm:txFillClrLst>
+    <dgm:txEffectClrLst/>
+  </dgm:styleLbl>
+  <dgm:styleLbl name="dkBgShp">
+    <dgm:fillClrLst meth="repeat">
+      <a:schemeClr val="accent5">
+        <a:shade val="90000"/>
+      </a:schemeClr>
+    </dgm:fillClrLst>
+    <dgm:linClrLst meth="repeat">
+      <a:schemeClr val="dk1"/>
+    </dgm:linClrLst>
+    <dgm:effectClrLst/>
+    <dgm:txLinClrLst/>
+    <dgm:txFillClrLst meth="repeat">
+      <a:schemeClr val="lt1"/>
+    </dgm:txFillClrLst>
+    <dgm:txEffectClrLst/>
+  </dgm:styleLbl>
+  <dgm:styleLbl name="trBgShp">
+    <dgm:fillClrLst meth="repeat">
+      <a:schemeClr val="accent5">
+        <a:tint val="50000"/>
+        <a:alpha val="40000"/>
+      </a:schemeClr>
+    </dgm:fillClrLst>
+    <dgm:linClrLst meth="repeat">
+      <a:schemeClr val="accent5"/>
+    </dgm:linClrLst>
+    <dgm:effectClrLst/>
+    <dgm:txLinClrLst/>
+    <dgm:txFillClrLst meth="repeat">
+      <a:schemeClr val="lt1"/>
+    </dgm:txFillClrLst>
+    <dgm:txEffectClrLst/>
+  </dgm:styleLbl>
+  <dgm:styleLbl name="fgShp">
+    <dgm:fillClrLst meth="repeat">
+      <a:schemeClr val="accent5">
+        <a:tint val="40000"/>
+      </a:schemeClr>
+    </dgm:fillClrLst>
+    <dgm:linClrLst meth="repeat">
+      <a:schemeClr val="lt1"/>
+    </dgm:linClrLst>
+    <dgm:effectClrLst/>
+    <dgm:txLinClrLst/>
+    <dgm:txFillClrLst meth="repeat">
+      <a:schemeClr val="dk1"/>
+    </dgm:txFillClrLst>
+    <dgm:txEffectClrLst/>
+  </dgm:styleLbl>
+  <dgm:styleLbl name="revTx">
+    <dgm:fillClrLst meth="repeat">
+      <a:schemeClr val="lt1">
+        <a:alpha val="0"/>
+      </a:schemeClr>
+    </dgm:fillClrLst>
+    <dgm:linClrLst meth="repeat">
+      <a:schemeClr val="dk1">
+        <a:alpha val="0"/>
+      </a:schemeClr>
+    </dgm:linClrLst>
+    <dgm:effectClrLst/>
+    <dgm:txLinClrLst/>
+    <dgm:txFillClrLst meth="repeat">
+      <a:schemeClr val="tx1"/>
+    </dgm:txFillClrLst>
+    <dgm:txEffectClrLst/>
+  </dgm:styleLbl>
+</dgm:colorsDef>
+</file>
+
+<file path=ppt/diagrams/data1.xml><?xml version="1.0" encoding="utf-8"?>
+<dgm:dataModel xmlns:dgm="http://schemas.openxmlformats.org/drawingml/2006/diagram" xmlns:a="http://schemas.openxmlformats.org/drawingml/2006/main">
+  <dgm:ptLst>
+    <dgm:pt modelId="{F2650C70-A455-4613-A951-9756972B802F}" type="doc">
+      <dgm:prSet loTypeId="urn:microsoft.com/office/officeart/2005/8/layout/default" loCatId="list" qsTypeId="urn:microsoft.com/office/officeart/2005/8/quickstyle/simple1" qsCatId="simple" csTypeId="urn:microsoft.com/office/officeart/2005/8/colors/colorful5" csCatId="colorful" phldr="1"/>
+      <dgm:spPr/>
+      <dgm:t>
+        <a:bodyPr/>
+        <a:lstStyle/>
+        <a:p>
+          <a:endParaRPr lang="en-US"/>
+        </a:p>
+      </dgm:t>
+    </dgm:pt>
+    <dgm:pt modelId="{C2AB6A4F-F6D7-4B4C-8717-28B9FF3FE156}">
+      <dgm:prSet/>
+      <dgm:spPr/>
+      <dgm:t>
+        <a:bodyPr/>
+        <a:lstStyle/>
+        <a:p>
+          <a:r>
+            <a:rPr lang="en-US"/>
+            <a:t>Inner Join or Join</a:t>
+          </a:r>
+        </a:p>
+      </dgm:t>
+    </dgm:pt>
+    <dgm:pt modelId="{46B5E2B2-F36E-49CC-ACE9-0CB111FC94D3}" type="parTrans" cxnId="{63354753-19E3-4067-AB68-EE6B087997BD}">
+      <dgm:prSet/>
+      <dgm:spPr/>
+      <dgm:t>
+        <a:bodyPr/>
+        <a:lstStyle/>
+        <a:p>
+          <a:endParaRPr lang="en-US"/>
+        </a:p>
+      </dgm:t>
+    </dgm:pt>
+    <dgm:pt modelId="{5C2D3F3D-FBFB-4AF9-A9A0-8F91AFD6B905}" type="sibTrans" cxnId="{63354753-19E3-4067-AB68-EE6B087997BD}">
+      <dgm:prSet/>
+      <dgm:spPr/>
+      <dgm:t>
+        <a:bodyPr/>
+        <a:lstStyle/>
+        <a:p>
+          <a:endParaRPr lang="en-US"/>
+        </a:p>
+      </dgm:t>
+    </dgm:pt>
+    <dgm:pt modelId="{FA5E7577-360E-4E21-9628-F60DAC02B177}">
+      <dgm:prSet/>
+      <dgm:spPr/>
+      <dgm:t>
+        <a:bodyPr/>
+        <a:lstStyle/>
+        <a:p>
+          <a:r>
+            <a:rPr lang="en-US"/>
+            <a:t>Outer Join or Full Outer Join</a:t>
+          </a:r>
+        </a:p>
+      </dgm:t>
+    </dgm:pt>
+    <dgm:pt modelId="{1FACCFF1-EE5B-4298-BB70-72B53DF556EC}" type="parTrans" cxnId="{A8E86677-CCD6-4303-9482-5D9706D805B2}">
+      <dgm:prSet/>
+      <dgm:spPr/>
+      <dgm:t>
+        <a:bodyPr/>
+        <a:lstStyle/>
+        <a:p>
+          <a:endParaRPr lang="en-US"/>
+        </a:p>
+      </dgm:t>
+    </dgm:pt>
+    <dgm:pt modelId="{64BA8E81-82ED-4D15-831D-07F8852F127A}" type="sibTrans" cxnId="{A8E86677-CCD6-4303-9482-5D9706D805B2}">
+      <dgm:prSet/>
+      <dgm:spPr/>
+      <dgm:t>
+        <a:bodyPr/>
+        <a:lstStyle/>
+        <a:p>
+          <a:endParaRPr lang="en-US"/>
+        </a:p>
+      </dgm:t>
+    </dgm:pt>
+    <dgm:pt modelId="{1E0311DF-F316-46D9-9F2F-A9CF8D971910}">
+      <dgm:prSet/>
+      <dgm:spPr/>
+      <dgm:t>
+        <a:bodyPr/>
+        <a:lstStyle/>
+        <a:p>
+          <a:r>
+            <a:rPr lang="en-US"/>
+            <a:t>Left Join or Left Outer Join</a:t>
+          </a:r>
+        </a:p>
+      </dgm:t>
+    </dgm:pt>
+    <dgm:pt modelId="{C43A4800-EFF6-4247-A6E9-8335712C249C}" type="parTrans" cxnId="{6FC1C81C-80ED-4702-AC9C-E631249F436C}">
+      <dgm:prSet/>
+      <dgm:spPr/>
+      <dgm:t>
+        <a:bodyPr/>
+        <a:lstStyle/>
+        <a:p>
+          <a:endParaRPr lang="en-US"/>
+        </a:p>
+      </dgm:t>
+    </dgm:pt>
+    <dgm:pt modelId="{FE1B5072-6B98-47E9-86EB-7B600BC13D5F}" type="sibTrans" cxnId="{6FC1C81C-80ED-4702-AC9C-E631249F436C}">
+      <dgm:prSet/>
+      <dgm:spPr/>
+      <dgm:t>
+        <a:bodyPr/>
+        <a:lstStyle/>
+        <a:p>
+          <a:endParaRPr lang="en-US"/>
+        </a:p>
+      </dgm:t>
+    </dgm:pt>
+    <dgm:pt modelId="{DE6D3706-8ABC-4511-AE1B-9FD1A3B2F4A8}">
+      <dgm:prSet/>
+      <dgm:spPr/>
+      <dgm:t>
+        <a:bodyPr/>
+        <a:lstStyle/>
+        <a:p>
+          <a:r>
+            <a:rPr lang="en-US"/>
+            <a:t>Right Join or Right Outer Join</a:t>
+          </a:r>
+        </a:p>
+      </dgm:t>
+    </dgm:pt>
+    <dgm:pt modelId="{1461F76C-2E04-4F1D-BBA6-A027420B7E59}" type="parTrans" cxnId="{E62627C5-75DB-4B16-8030-ABF12DCA9568}">
+      <dgm:prSet/>
+      <dgm:spPr/>
+      <dgm:t>
+        <a:bodyPr/>
+        <a:lstStyle/>
+        <a:p>
+          <a:endParaRPr lang="en-US"/>
+        </a:p>
+      </dgm:t>
+    </dgm:pt>
+    <dgm:pt modelId="{538F2572-4603-4CB7-AB9E-95287519B8AD}" type="sibTrans" cxnId="{E62627C5-75DB-4B16-8030-ABF12DCA9568}">
+      <dgm:prSet/>
+      <dgm:spPr/>
+      <dgm:t>
+        <a:bodyPr/>
+        <a:lstStyle/>
+        <a:p>
+          <a:endParaRPr lang="en-US"/>
+        </a:p>
+      </dgm:t>
+    </dgm:pt>
+    <dgm:pt modelId="{EBE2FE40-CAA2-49E6-8A43-D3A28A68927C}">
+      <dgm:prSet/>
+      <dgm:spPr/>
+      <dgm:t>
+        <a:bodyPr/>
+        <a:lstStyle/>
+        <a:p>
+          <a:r>
+            <a:rPr lang="en-US" dirty="0"/>
+            <a:t>Self Join</a:t>
+          </a:r>
+        </a:p>
+      </dgm:t>
+    </dgm:pt>
+    <dgm:pt modelId="{A0F58D8A-ECBA-4C0E-B86A-7E2DDB940949}" type="parTrans" cxnId="{F2284802-CE76-4842-B921-C5A4EB9F94DE}">
+      <dgm:prSet/>
+      <dgm:spPr/>
+      <dgm:t>
+        <a:bodyPr/>
+        <a:lstStyle/>
+        <a:p>
+          <a:endParaRPr lang="en-US"/>
+        </a:p>
+      </dgm:t>
+    </dgm:pt>
+    <dgm:pt modelId="{F437F84C-597D-409A-9BBF-251975397887}" type="sibTrans" cxnId="{F2284802-CE76-4842-B921-C5A4EB9F94DE}">
+      <dgm:prSet/>
+      <dgm:spPr/>
+      <dgm:t>
+        <a:bodyPr/>
+        <a:lstStyle/>
+        <a:p>
+          <a:endParaRPr lang="en-US"/>
+        </a:p>
+      </dgm:t>
+    </dgm:pt>
+    <dgm:pt modelId="{6ECEC184-8A20-46D6-88AA-F463101C86FB}">
+      <dgm:prSet/>
+      <dgm:spPr/>
+      <dgm:t>
+        <a:bodyPr/>
+        <a:lstStyle/>
+        <a:p>
+          <a:r>
+            <a:rPr lang="en-US"/>
+            <a:t>Display mismatch row using Left Join</a:t>
+          </a:r>
+        </a:p>
+      </dgm:t>
+    </dgm:pt>
+    <dgm:pt modelId="{CF060A8D-B19C-45A7-8600-361EFCC7E51D}" type="parTrans" cxnId="{467663BD-E85B-4DD3-863A-F6279B24A530}">
+      <dgm:prSet/>
+      <dgm:spPr/>
+      <dgm:t>
+        <a:bodyPr/>
+        <a:lstStyle/>
+        <a:p>
+          <a:endParaRPr lang="en-US"/>
+        </a:p>
+      </dgm:t>
+    </dgm:pt>
+    <dgm:pt modelId="{29F02372-6A06-407A-9B55-F576A3F34158}" type="sibTrans" cxnId="{467663BD-E85B-4DD3-863A-F6279B24A530}">
+      <dgm:prSet/>
+      <dgm:spPr/>
+      <dgm:t>
+        <a:bodyPr/>
+        <a:lstStyle/>
+        <a:p>
+          <a:endParaRPr lang="en-US"/>
+        </a:p>
+      </dgm:t>
+    </dgm:pt>
+    <dgm:pt modelId="{621394E5-A080-4137-81B6-B54E7C3871A7}">
+      <dgm:prSet/>
+      <dgm:spPr/>
+      <dgm:t>
+        <a:bodyPr/>
+        <a:lstStyle/>
+        <a:p>
+          <a:r>
+            <a:rPr lang="en-US"/>
+            <a:t>Union vs Join</a:t>
+          </a:r>
+        </a:p>
+      </dgm:t>
+    </dgm:pt>
+    <dgm:pt modelId="{8FA7A4DC-004A-4FD5-A0AF-B6E3C47FBE01}" type="parTrans" cxnId="{917FE02F-8894-473F-80D0-9DB9DCBA2923}">
+      <dgm:prSet/>
+      <dgm:spPr/>
+      <dgm:t>
+        <a:bodyPr/>
+        <a:lstStyle/>
+        <a:p>
+          <a:endParaRPr lang="en-US"/>
+        </a:p>
+      </dgm:t>
+    </dgm:pt>
+    <dgm:pt modelId="{808CB529-8506-41C4-85C6-51D298E28068}" type="sibTrans" cxnId="{917FE02F-8894-473F-80D0-9DB9DCBA2923}">
+      <dgm:prSet/>
+      <dgm:spPr/>
+      <dgm:t>
+        <a:bodyPr/>
+        <a:lstStyle/>
+        <a:p>
+          <a:endParaRPr lang="en-US"/>
+        </a:p>
+      </dgm:t>
+    </dgm:pt>
+    <dgm:pt modelId="{9B5C11B7-6065-4F6D-A386-5BECB6417121}">
+      <dgm:prSet/>
+      <dgm:spPr/>
+      <dgm:t>
+        <a:bodyPr/>
+        <a:lstStyle/>
+        <a:p>
+          <a:r>
+            <a:rPr lang="en-US" dirty="0"/>
+            <a:t>Union Vs Union all</a:t>
+          </a:r>
+        </a:p>
+      </dgm:t>
+    </dgm:pt>
+    <dgm:pt modelId="{728B3405-344A-4B39-96E0-10BA9F81AA69}" type="parTrans" cxnId="{BA42256C-3952-4DAB-AA3C-EACE23893F33}">
+      <dgm:prSet/>
+      <dgm:spPr/>
+      <dgm:t>
+        <a:bodyPr/>
+        <a:lstStyle/>
+        <a:p>
+          <a:endParaRPr lang="en-US"/>
+        </a:p>
+      </dgm:t>
+    </dgm:pt>
+    <dgm:pt modelId="{2C4DF519-CFBC-4B33-9501-4BCDA0A311C7}" type="sibTrans" cxnId="{BA42256C-3952-4DAB-AA3C-EACE23893F33}">
+      <dgm:prSet/>
+      <dgm:spPr/>
+      <dgm:t>
+        <a:bodyPr/>
+        <a:lstStyle/>
+        <a:p>
+          <a:endParaRPr lang="en-US"/>
+        </a:p>
+      </dgm:t>
+    </dgm:pt>
+    <dgm:pt modelId="{1C0F15D8-06B5-4B06-BBC1-C980E8F436EC}">
+      <dgm:prSet/>
+      <dgm:spPr/>
+      <dgm:t>
+        <a:bodyPr/>
+        <a:lstStyle/>
+        <a:p>
+          <a:r>
+            <a:rPr lang="en-US" dirty="0"/>
+            <a:t>Cross Join</a:t>
+          </a:r>
+        </a:p>
+      </dgm:t>
+    </dgm:pt>
+    <dgm:pt modelId="{8C6B6531-1673-4C04-B078-C368BA88A7E2}" type="parTrans" cxnId="{B686E00D-4C74-45F6-9B08-DD43C65FF102}">
+      <dgm:prSet/>
+      <dgm:spPr/>
+      <dgm:t>
+        <a:bodyPr/>
+        <a:lstStyle/>
+        <a:p>
+          <a:endParaRPr lang="en-AU"/>
+        </a:p>
+      </dgm:t>
+    </dgm:pt>
+    <dgm:pt modelId="{D74B807A-976A-4065-91C6-E5A5B8256C93}" type="sibTrans" cxnId="{B686E00D-4C74-45F6-9B08-DD43C65FF102}">
+      <dgm:prSet/>
+      <dgm:spPr/>
+      <dgm:t>
+        <a:bodyPr/>
+        <a:lstStyle/>
+        <a:p>
+          <a:endParaRPr lang="en-AU"/>
+        </a:p>
+      </dgm:t>
+    </dgm:pt>
+    <dgm:pt modelId="{A56802C1-0FED-4A3D-B4CE-83BE9B9B8515}" type="pres">
+      <dgm:prSet presAssocID="{F2650C70-A455-4613-A951-9756972B802F}" presName="diagram" presStyleCnt="0">
+        <dgm:presLayoutVars>
+          <dgm:dir/>
+          <dgm:resizeHandles val="exact"/>
+        </dgm:presLayoutVars>
+      </dgm:prSet>
+      <dgm:spPr/>
+    </dgm:pt>
+    <dgm:pt modelId="{D28FBE51-6C14-4184-B93C-86986DC72A5F}" type="pres">
+      <dgm:prSet presAssocID="{C2AB6A4F-F6D7-4B4C-8717-28B9FF3FE156}" presName="node" presStyleLbl="node1" presStyleIdx="0" presStyleCnt="9">
+        <dgm:presLayoutVars>
+          <dgm:bulletEnabled val="1"/>
+        </dgm:presLayoutVars>
+      </dgm:prSet>
+      <dgm:spPr/>
+    </dgm:pt>
+    <dgm:pt modelId="{C7251459-2EF7-49C3-8EB0-8DF5E9A39544}" type="pres">
+      <dgm:prSet presAssocID="{5C2D3F3D-FBFB-4AF9-A9A0-8F91AFD6B905}" presName="sibTrans" presStyleCnt="0"/>
+      <dgm:spPr/>
+    </dgm:pt>
+    <dgm:pt modelId="{0217F4ED-09B0-43C4-A105-5BC31DCA6092}" type="pres">
+      <dgm:prSet presAssocID="{FA5E7577-360E-4E21-9628-F60DAC02B177}" presName="node" presStyleLbl="node1" presStyleIdx="1" presStyleCnt="9">
+        <dgm:presLayoutVars>
+          <dgm:bulletEnabled val="1"/>
+        </dgm:presLayoutVars>
+      </dgm:prSet>
+      <dgm:spPr/>
+    </dgm:pt>
+    <dgm:pt modelId="{097A5415-AE30-4FDC-A82E-3E18AA16713D}" type="pres">
+      <dgm:prSet presAssocID="{64BA8E81-82ED-4D15-831D-07F8852F127A}" presName="sibTrans" presStyleCnt="0"/>
+      <dgm:spPr/>
+    </dgm:pt>
+    <dgm:pt modelId="{34DA3235-623D-4D01-B58D-92EEAD3F53F1}" type="pres">
+      <dgm:prSet presAssocID="{1E0311DF-F316-46D9-9F2F-A9CF8D971910}" presName="node" presStyleLbl="node1" presStyleIdx="2" presStyleCnt="9">
+        <dgm:presLayoutVars>
+          <dgm:bulletEnabled val="1"/>
+        </dgm:presLayoutVars>
+      </dgm:prSet>
+      <dgm:spPr/>
+    </dgm:pt>
+    <dgm:pt modelId="{6E45BAF9-47C5-4D5D-9EE8-E7E170254F11}" type="pres">
+      <dgm:prSet presAssocID="{FE1B5072-6B98-47E9-86EB-7B600BC13D5F}" presName="sibTrans" presStyleCnt="0"/>
+      <dgm:spPr/>
+    </dgm:pt>
+    <dgm:pt modelId="{AE9CED3E-BDFE-470B-B0E5-1E11DA6BC105}" type="pres">
+      <dgm:prSet presAssocID="{DE6D3706-8ABC-4511-AE1B-9FD1A3B2F4A8}" presName="node" presStyleLbl="node1" presStyleIdx="3" presStyleCnt="9">
+        <dgm:presLayoutVars>
+          <dgm:bulletEnabled val="1"/>
+        </dgm:presLayoutVars>
+      </dgm:prSet>
+      <dgm:spPr/>
+    </dgm:pt>
+    <dgm:pt modelId="{4F8D6C56-7AC3-40A0-BB26-C2341623391D}" type="pres">
+      <dgm:prSet presAssocID="{538F2572-4603-4CB7-AB9E-95287519B8AD}" presName="sibTrans" presStyleCnt="0"/>
+      <dgm:spPr/>
+    </dgm:pt>
+    <dgm:pt modelId="{2A2B6899-74D5-40BF-A58E-D68DDB9FD840}" type="pres">
+      <dgm:prSet presAssocID="{EBE2FE40-CAA2-49E6-8A43-D3A28A68927C}" presName="node" presStyleLbl="node1" presStyleIdx="4" presStyleCnt="9">
+        <dgm:presLayoutVars>
+          <dgm:bulletEnabled val="1"/>
+        </dgm:presLayoutVars>
+      </dgm:prSet>
+      <dgm:spPr/>
+    </dgm:pt>
+    <dgm:pt modelId="{40B1F799-2C14-4C0D-BC8B-EDD0924B12FF}" type="pres">
+      <dgm:prSet presAssocID="{F437F84C-597D-409A-9BBF-251975397887}" presName="sibTrans" presStyleCnt="0"/>
+      <dgm:spPr/>
+    </dgm:pt>
+    <dgm:pt modelId="{89DE0422-61A8-46FB-BFE3-FE97D6C864C6}" type="pres">
+      <dgm:prSet presAssocID="{1C0F15D8-06B5-4B06-BBC1-C980E8F436EC}" presName="node" presStyleLbl="node1" presStyleIdx="5" presStyleCnt="9">
+        <dgm:presLayoutVars>
+          <dgm:bulletEnabled val="1"/>
+        </dgm:presLayoutVars>
+      </dgm:prSet>
+      <dgm:spPr/>
+    </dgm:pt>
+    <dgm:pt modelId="{52E203DA-E751-46A4-9A55-1FA6794F8B85}" type="pres">
+      <dgm:prSet presAssocID="{D74B807A-976A-4065-91C6-E5A5B8256C93}" presName="sibTrans" presStyleCnt="0"/>
+      <dgm:spPr/>
+    </dgm:pt>
+    <dgm:pt modelId="{D29EC6C1-190E-498B-98F0-43C47C544B74}" type="pres">
+      <dgm:prSet presAssocID="{6ECEC184-8A20-46D6-88AA-F463101C86FB}" presName="node" presStyleLbl="node1" presStyleIdx="6" presStyleCnt="9">
+        <dgm:presLayoutVars>
+          <dgm:bulletEnabled val="1"/>
+        </dgm:presLayoutVars>
+      </dgm:prSet>
+      <dgm:spPr/>
+    </dgm:pt>
+    <dgm:pt modelId="{23E2A67E-9983-4A0F-B288-9795822B797B}" type="pres">
+      <dgm:prSet presAssocID="{29F02372-6A06-407A-9B55-F576A3F34158}" presName="sibTrans" presStyleCnt="0"/>
+      <dgm:spPr/>
+    </dgm:pt>
+    <dgm:pt modelId="{B9D7E877-05E1-471F-9815-4795943B00FA}" type="pres">
+      <dgm:prSet presAssocID="{621394E5-A080-4137-81B6-B54E7C3871A7}" presName="node" presStyleLbl="node1" presStyleIdx="7" presStyleCnt="9">
+        <dgm:presLayoutVars>
+          <dgm:bulletEnabled val="1"/>
+        </dgm:presLayoutVars>
+      </dgm:prSet>
+      <dgm:spPr/>
+    </dgm:pt>
+    <dgm:pt modelId="{EA913031-FE02-45FE-AD4C-F24C2AD233F6}" type="pres">
+      <dgm:prSet presAssocID="{808CB529-8506-41C4-85C6-51D298E28068}" presName="sibTrans" presStyleCnt="0"/>
+      <dgm:spPr/>
+    </dgm:pt>
+    <dgm:pt modelId="{2388210C-8C59-44E7-8FDC-381E0E8EB617}" type="pres">
+      <dgm:prSet presAssocID="{9B5C11B7-6065-4F6D-A386-5BECB6417121}" presName="node" presStyleLbl="node1" presStyleIdx="8" presStyleCnt="9">
+        <dgm:presLayoutVars>
+          <dgm:bulletEnabled val="1"/>
+        </dgm:presLayoutVars>
+      </dgm:prSet>
+      <dgm:spPr/>
+    </dgm:pt>
+  </dgm:ptLst>
+  <dgm:cxnLst>
+    <dgm:cxn modelId="{F2284802-CE76-4842-B921-C5A4EB9F94DE}" srcId="{F2650C70-A455-4613-A951-9756972B802F}" destId="{EBE2FE40-CAA2-49E6-8A43-D3A28A68927C}" srcOrd="4" destOrd="0" parTransId="{A0F58D8A-ECBA-4C0E-B86A-7E2DDB940949}" sibTransId="{F437F84C-597D-409A-9BBF-251975397887}"/>
+    <dgm:cxn modelId="{B686E00D-4C74-45F6-9B08-DD43C65FF102}" srcId="{F2650C70-A455-4613-A951-9756972B802F}" destId="{1C0F15D8-06B5-4B06-BBC1-C980E8F436EC}" srcOrd="5" destOrd="0" parTransId="{8C6B6531-1673-4C04-B078-C368BA88A7E2}" sibTransId="{D74B807A-976A-4065-91C6-E5A5B8256C93}"/>
+    <dgm:cxn modelId="{81745510-D3F0-40F3-80C8-BD71F0F11AA2}" type="presOf" srcId="{6ECEC184-8A20-46D6-88AA-F463101C86FB}" destId="{D29EC6C1-190E-498B-98F0-43C47C544B74}" srcOrd="0" destOrd="0" presId="urn:microsoft.com/office/officeart/2005/8/layout/default"/>
+    <dgm:cxn modelId="{BFCC8612-9AA5-484A-8147-949B09EAD8C1}" type="presOf" srcId="{621394E5-A080-4137-81B6-B54E7C3871A7}" destId="{B9D7E877-05E1-471F-9815-4795943B00FA}" srcOrd="0" destOrd="0" presId="urn:microsoft.com/office/officeart/2005/8/layout/default"/>
+    <dgm:cxn modelId="{6FC1C81C-80ED-4702-AC9C-E631249F436C}" srcId="{F2650C70-A455-4613-A951-9756972B802F}" destId="{1E0311DF-F316-46D9-9F2F-A9CF8D971910}" srcOrd="2" destOrd="0" parTransId="{C43A4800-EFF6-4247-A6E9-8335712C249C}" sibTransId="{FE1B5072-6B98-47E9-86EB-7B600BC13D5F}"/>
+    <dgm:cxn modelId="{23973A2D-DCA3-4501-9FF3-C2440CB02DA6}" type="presOf" srcId="{FA5E7577-360E-4E21-9628-F60DAC02B177}" destId="{0217F4ED-09B0-43C4-A105-5BC31DCA6092}" srcOrd="0" destOrd="0" presId="urn:microsoft.com/office/officeart/2005/8/layout/default"/>
+    <dgm:cxn modelId="{917FE02F-8894-473F-80D0-9DB9DCBA2923}" srcId="{F2650C70-A455-4613-A951-9756972B802F}" destId="{621394E5-A080-4137-81B6-B54E7C3871A7}" srcOrd="7" destOrd="0" parTransId="{8FA7A4DC-004A-4FD5-A0AF-B6E3C47FBE01}" sibTransId="{808CB529-8506-41C4-85C6-51D298E28068}"/>
+    <dgm:cxn modelId="{8BC05141-2A6A-4894-B181-C6F98A6F2533}" type="presOf" srcId="{9B5C11B7-6065-4F6D-A386-5BECB6417121}" destId="{2388210C-8C59-44E7-8FDC-381E0E8EB617}" srcOrd="0" destOrd="0" presId="urn:microsoft.com/office/officeart/2005/8/layout/default"/>
+    <dgm:cxn modelId="{BA42256C-3952-4DAB-AA3C-EACE23893F33}" srcId="{F2650C70-A455-4613-A951-9756972B802F}" destId="{9B5C11B7-6065-4F6D-A386-5BECB6417121}" srcOrd="8" destOrd="0" parTransId="{728B3405-344A-4B39-96E0-10BA9F81AA69}" sibTransId="{2C4DF519-CFBC-4B33-9501-4BCDA0A311C7}"/>
+    <dgm:cxn modelId="{63354753-19E3-4067-AB68-EE6B087997BD}" srcId="{F2650C70-A455-4613-A951-9756972B802F}" destId="{C2AB6A4F-F6D7-4B4C-8717-28B9FF3FE156}" srcOrd="0" destOrd="0" parTransId="{46B5E2B2-F36E-49CC-ACE9-0CB111FC94D3}" sibTransId="{5C2D3F3D-FBFB-4AF9-A9A0-8F91AFD6B905}"/>
+    <dgm:cxn modelId="{A8E86677-CCD6-4303-9482-5D9706D805B2}" srcId="{F2650C70-A455-4613-A951-9756972B802F}" destId="{FA5E7577-360E-4E21-9628-F60DAC02B177}" srcOrd="1" destOrd="0" parTransId="{1FACCFF1-EE5B-4298-BB70-72B53DF556EC}" sibTransId="{64BA8E81-82ED-4D15-831D-07F8852F127A}"/>
+    <dgm:cxn modelId="{F6E0FB80-F231-4818-B060-8472A0AD56A9}" type="presOf" srcId="{F2650C70-A455-4613-A951-9756972B802F}" destId="{A56802C1-0FED-4A3D-B4CE-83BE9B9B8515}" srcOrd="0" destOrd="0" presId="urn:microsoft.com/office/officeart/2005/8/layout/default"/>
+    <dgm:cxn modelId="{578A8F8E-5DD7-4520-B143-9FDD4E16CA5B}" type="presOf" srcId="{DE6D3706-8ABC-4511-AE1B-9FD1A3B2F4A8}" destId="{AE9CED3E-BDFE-470B-B0E5-1E11DA6BC105}" srcOrd="0" destOrd="0" presId="urn:microsoft.com/office/officeart/2005/8/layout/default"/>
+    <dgm:cxn modelId="{A09A85B2-45DD-45E8-973B-BCBF357B7105}" type="presOf" srcId="{1C0F15D8-06B5-4B06-BBC1-C980E8F436EC}" destId="{89DE0422-61A8-46FB-BFE3-FE97D6C864C6}" srcOrd="0" destOrd="0" presId="urn:microsoft.com/office/officeart/2005/8/layout/default"/>
+    <dgm:cxn modelId="{45590BBB-C07C-48F6-BA7C-F62331F62DB3}" type="presOf" srcId="{EBE2FE40-CAA2-49E6-8A43-D3A28A68927C}" destId="{2A2B6899-74D5-40BF-A58E-D68DDB9FD840}" srcOrd="0" destOrd="0" presId="urn:microsoft.com/office/officeart/2005/8/layout/default"/>
+    <dgm:cxn modelId="{467663BD-E85B-4DD3-863A-F6279B24A530}" srcId="{F2650C70-A455-4613-A951-9756972B802F}" destId="{6ECEC184-8A20-46D6-88AA-F463101C86FB}" srcOrd="6" destOrd="0" parTransId="{CF060A8D-B19C-45A7-8600-361EFCC7E51D}" sibTransId="{29F02372-6A06-407A-9B55-F576A3F34158}"/>
+    <dgm:cxn modelId="{E62627C5-75DB-4B16-8030-ABF12DCA9568}" srcId="{F2650C70-A455-4613-A951-9756972B802F}" destId="{DE6D3706-8ABC-4511-AE1B-9FD1A3B2F4A8}" srcOrd="3" destOrd="0" parTransId="{1461F76C-2E04-4F1D-BBA6-A027420B7E59}" sibTransId="{538F2572-4603-4CB7-AB9E-95287519B8AD}"/>
+    <dgm:cxn modelId="{014A6BC8-2782-4C5C-9E73-3E3C8A2B5F8D}" type="presOf" srcId="{C2AB6A4F-F6D7-4B4C-8717-28B9FF3FE156}" destId="{D28FBE51-6C14-4184-B93C-86986DC72A5F}" srcOrd="0" destOrd="0" presId="urn:microsoft.com/office/officeart/2005/8/layout/default"/>
+    <dgm:cxn modelId="{698973D1-A29A-4B74-BA24-070C30D1A636}" type="presOf" srcId="{1E0311DF-F316-46D9-9F2F-A9CF8D971910}" destId="{34DA3235-623D-4D01-B58D-92EEAD3F53F1}" srcOrd="0" destOrd="0" presId="urn:microsoft.com/office/officeart/2005/8/layout/default"/>
+    <dgm:cxn modelId="{632EBA61-ACA9-4E0E-AD33-62F31486681D}" type="presParOf" srcId="{A56802C1-0FED-4A3D-B4CE-83BE9B9B8515}" destId="{D28FBE51-6C14-4184-B93C-86986DC72A5F}" srcOrd="0" destOrd="0" presId="urn:microsoft.com/office/officeart/2005/8/layout/default"/>
+    <dgm:cxn modelId="{47BF2846-B35E-42AE-B51F-E3DAEED102FD}" type="presParOf" srcId="{A56802C1-0FED-4A3D-B4CE-83BE9B9B8515}" destId="{C7251459-2EF7-49C3-8EB0-8DF5E9A39544}" srcOrd="1" destOrd="0" presId="urn:microsoft.com/office/officeart/2005/8/layout/default"/>
+    <dgm:cxn modelId="{72543C46-0FCC-462C-884C-5EC23971E68C}" type="presParOf" srcId="{A56802C1-0FED-4A3D-B4CE-83BE9B9B8515}" destId="{0217F4ED-09B0-43C4-A105-5BC31DCA6092}" srcOrd="2" destOrd="0" presId="urn:microsoft.com/office/officeart/2005/8/layout/default"/>
+    <dgm:cxn modelId="{43E3D061-AE8B-4057-9F26-8CE1F34535D4}" type="presParOf" srcId="{A56802C1-0FED-4A3D-B4CE-83BE9B9B8515}" destId="{097A5415-AE30-4FDC-A82E-3E18AA16713D}" srcOrd="3" destOrd="0" presId="urn:microsoft.com/office/officeart/2005/8/layout/default"/>
+    <dgm:cxn modelId="{30D15CBB-2249-4D0B-8E89-26B102B5E662}" type="presParOf" srcId="{A56802C1-0FED-4A3D-B4CE-83BE9B9B8515}" destId="{34DA3235-623D-4D01-B58D-92EEAD3F53F1}" srcOrd="4" destOrd="0" presId="urn:microsoft.com/office/officeart/2005/8/layout/default"/>
+    <dgm:cxn modelId="{028A87BD-F321-45A7-A2D1-4862344A54D4}" type="presParOf" srcId="{A56802C1-0FED-4A3D-B4CE-83BE9B9B8515}" destId="{6E45BAF9-47C5-4D5D-9EE8-E7E170254F11}" srcOrd="5" destOrd="0" presId="urn:microsoft.com/office/officeart/2005/8/layout/default"/>
+    <dgm:cxn modelId="{25B10737-634C-44C9-A0F8-F234B4D61C08}" type="presParOf" srcId="{A56802C1-0FED-4A3D-B4CE-83BE9B9B8515}" destId="{AE9CED3E-BDFE-470B-B0E5-1E11DA6BC105}" srcOrd="6" destOrd="0" presId="urn:microsoft.com/office/officeart/2005/8/layout/default"/>
+    <dgm:cxn modelId="{F9478198-4368-4DD9-BEE5-9A6D6AAFB9AF}" type="presParOf" srcId="{A56802C1-0FED-4A3D-B4CE-83BE9B9B8515}" destId="{4F8D6C56-7AC3-40A0-BB26-C2341623391D}" srcOrd="7" destOrd="0" presId="urn:microsoft.com/office/officeart/2005/8/layout/default"/>
+    <dgm:cxn modelId="{24EA2920-812A-4709-89C5-62E7CD201F91}" type="presParOf" srcId="{A56802C1-0FED-4A3D-B4CE-83BE9B9B8515}" destId="{2A2B6899-74D5-40BF-A58E-D68DDB9FD840}" srcOrd="8" destOrd="0" presId="urn:microsoft.com/office/officeart/2005/8/layout/default"/>
+    <dgm:cxn modelId="{64B6C98B-2923-4225-9304-4F88DB6EC405}" type="presParOf" srcId="{A56802C1-0FED-4A3D-B4CE-83BE9B9B8515}" destId="{40B1F799-2C14-4C0D-BC8B-EDD0924B12FF}" srcOrd="9" destOrd="0" presId="urn:microsoft.com/office/officeart/2005/8/layout/default"/>
+    <dgm:cxn modelId="{C815D23E-7A63-4295-9259-536E2BAAFB34}" type="presParOf" srcId="{A56802C1-0FED-4A3D-B4CE-83BE9B9B8515}" destId="{89DE0422-61A8-46FB-BFE3-FE97D6C864C6}" srcOrd="10" destOrd="0" presId="urn:microsoft.com/office/officeart/2005/8/layout/default"/>
+    <dgm:cxn modelId="{D73E4D1C-3C76-465B-BD3D-33A73744D450}" type="presParOf" srcId="{A56802C1-0FED-4A3D-B4CE-83BE9B9B8515}" destId="{52E203DA-E751-46A4-9A55-1FA6794F8B85}" srcOrd="11" destOrd="0" presId="urn:microsoft.com/office/officeart/2005/8/layout/default"/>
+    <dgm:cxn modelId="{163E52C2-A115-4F1F-B06A-6BCA8D0552A5}" type="presParOf" srcId="{A56802C1-0FED-4A3D-B4CE-83BE9B9B8515}" destId="{D29EC6C1-190E-498B-98F0-43C47C544B74}" srcOrd="12" destOrd="0" presId="urn:microsoft.com/office/officeart/2005/8/layout/default"/>
+    <dgm:cxn modelId="{DE575AB8-080B-4808-B2D4-98CCF0A60A32}" type="presParOf" srcId="{A56802C1-0FED-4A3D-B4CE-83BE9B9B8515}" destId="{23E2A67E-9983-4A0F-B288-9795822B797B}" srcOrd="13" destOrd="0" presId="urn:microsoft.com/office/officeart/2005/8/layout/default"/>
+    <dgm:cxn modelId="{4E03EE11-089C-48E3-8F4A-A405B44E62E4}" type="presParOf" srcId="{A56802C1-0FED-4A3D-B4CE-83BE9B9B8515}" destId="{B9D7E877-05E1-471F-9815-4795943B00FA}" srcOrd="14" destOrd="0" presId="urn:microsoft.com/office/officeart/2005/8/layout/default"/>
+    <dgm:cxn modelId="{485678E0-EDD6-4A4C-ADE1-0EAAEDCE8332}" type="presParOf" srcId="{A56802C1-0FED-4A3D-B4CE-83BE9B9B8515}" destId="{EA913031-FE02-45FE-AD4C-F24C2AD233F6}" srcOrd="15" destOrd="0" presId="urn:microsoft.com/office/officeart/2005/8/layout/default"/>
+    <dgm:cxn modelId="{3B1D1223-B42E-4163-A63E-9473D2E95310}" type="presParOf" srcId="{A56802C1-0FED-4A3D-B4CE-83BE9B9B8515}" destId="{2388210C-8C59-44E7-8FDC-381E0E8EB617}" srcOrd="16" destOrd="0" presId="urn:microsoft.com/office/officeart/2005/8/layout/default"/>
+  </dgm:cxnLst>
+  <dgm:bg/>
+  <dgm:whole/>
+  <dgm:extLst>
+    <a:ext uri="http://schemas.microsoft.com/office/drawing/2008/diagram">
+      <dsp:dataModelExt xmlns:dsp="http://schemas.microsoft.com/office/drawing/2008/diagram" relId="rId6" minVer="http://schemas.openxmlformats.org/drawingml/2006/diagram"/>
+    </a:ext>
+  </dgm:extLst>
+</dgm:dataModel>
+</file>
+
+<file path=ppt/diagrams/drawing1.xml><?xml version="1.0" encoding="utf-8"?>
+<dsp:drawing xmlns:dgm="http://schemas.openxmlformats.org/drawingml/2006/diagram" xmlns:dsp="http://schemas.microsoft.com/office/drawing/2008/diagram" xmlns:a="http://schemas.openxmlformats.org/drawingml/2006/main">
+  <dsp:spTree>
+    <dsp:nvGrpSpPr>
+      <dsp:cNvPr id="0" name=""/>
+      <dsp:cNvGrpSpPr/>
+    </dsp:nvGrpSpPr>
+    <dsp:grpSpPr/>
+    <dsp:sp modelId="{D28FBE51-6C14-4184-B93C-86986DC72A5F}">
+      <dsp:nvSpPr>
+        <dsp:cNvPr id="0" name=""/>
+        <dsp:cNvSpPr/>
+      </dsp:nvSpPr>
+      <dsp:spPr>
+        <a:xfrm>
+          <a:off x="1080500" y="1518"/>
+          <a:ext cx="2077313" cy="1246388"/>
+        </a:xfrm>
+        <a:prstGeom prst="rect">
+          <a:avLst/>
+        </a:prstGeom>
+        <a:solidFill>
+          <a:schemeClr val="accent5">
+            <a:hueOff val="0"/>
+            <a:satOff val="0"/>
+            <a:lumOff val="0"/>
+            <a:alphaOff val="0"/>
+          </a:schemeClr>
+        </a:solidFill>
+        <a:ln w="12700" cap="flat" cmpd="sng" algn="ctr">
+          <a:solidFill>
+            <a:schemeClr val="lt1">
+              <a:hueOff val="0"/>
+              <a:satOff val="0"/>
+              <a:lumOff val="0"/>
+              <a:alphaOff val="0"/>
+            </a:schemeClr>
+          </a:solidFill>
+          <a:prstDash val="solid"/>
+          <a:miter lim="800000"/>
+        </a:ln>
+        <a:effectLst/>
+      </dsp:spPr>
+      <dsp:style>
+        <a:lnRef idx="2">
+          <a:scrgbClr r="0" g="0" b="0"/>
+        </a:lnRef>
+        <a:fillRef idx="1">
+          <a:scrgbClr r="0" g="0" b="0"/>
+        </a:fillRef>
+        <a:effectRef idx="0">
+          <a:scrgbClr r="0" g="0" b="0"/>
+        </a:effectRef>
+        <a:fontRef idx="minor">
+          <a:schemeClr val="lt1"/>
+        </a:fontRef>
+      </dsp:style>
+      <dsp:txBody>
+        <a:bodyPr spcFirstLastPara="0" vert="horz" wrap="square" lIns="95250" tIns="95250" rIns="95250" bIns="95250" numCol="1" spcCol="1270" anchor="ctr" anchorCtr="0">
+          <a:noAutofit/>
+        </a:bodyPr>
+        <a:lstStyle/>
+        <a:p>
+          <a:pPr marL="0" lvl="0" indent="0" algn="ctr" defTabSz="1111250">
+            <a:lnSpc>
+              <a:spcPct val="90000"/>
+            </a:lnSpc>
+            <a:spcBef>
+              <a:spcPct val="0"/>
+            </a:spcBef>
+            <a:spcAft>
+              <a:spcPct val="35000"/>
+            </a:spcAft>
+            <a:buNone/>
+          </a:pPr>
+          <a:r>
+            <a:rPr lang="en-US" sz="2500" kern="1200"/>
+            <a:t>Inner Join or Join</a:t>
+          </a:r>
+        </a:p>
+      </dsp:txBody>
+      <dsp:txXfrm>
+        <a:off x="1080500" y="1518"/>
+        <a:ext cx="2077313" cy="1246388"/>
+      </dsp:txXfrm>
+    </dsp:sp>
+    <dsp:sp modelId="{0217F4ED-09B0-43C4-A105-5BC31DCA6092}">
+      <dsp:nvSpPr>
+        <dsp:cNvPr id="0" name=""/>
+        <dsp:cNvSpPr/>
+      </dsp:nvSpPr>
+      <dsp:spPr>
+        <a:xfrm>
+          <a:off x="3365545" y="1518"/>
+          <a:ext cx="2077313" cy="1246388"/>
+        </a:xfrm>
+        <a:prstGeom prst="rect">
+          <a:avLst/>
+        </a:prstGeom>
+        <a:solidFill>
+          <a:schemeClr val="accent5">
+            <a:hueOff val="-844818"/>
+            <a:satOff val="-2177"/>
+            <a:lumOff val="-1471"/>
+            <a:alphaOff val="0"/>
+          </a:schemeClr>
+        </a:solidFill>
+        <a:ln w="12700" cap="flat" cmpd="sng" algn="ctr">
+          <a:solidFill>
+            <a:schemeClr val="lt1">
+              <a:hueOff val="0"/>
+              <a:satOff val="0"/>
+              <a:lumOff val="0"/>
+              <a:alphaOff val="0"/>
+            </a:schemeClr>
+          </a:solidFill>
+          <a:prstDash val="solid"/>
+          <a:miter lim="800000"/>
+        </a:ln>
+        <a:effectLst/>
+      </dsp:spPr>
+      <dsp:style>
+        <a:lnRef idx="2">
+          <a:scrgbClr r="0" g="0" b="0"/>
+        </a:lnRef>
+        <a:fillRef idx="1">
+          <a:scrgbClr r="0" g="0" b="0"/>
+        </a:fillRef>
+        <a:effectRef idx="0">
+          <a:scrgbClr r="0" g="0" b="0"/>
+        </a:effectRef>
+        <a:fontRef idx="minor">
+          <a:schemeClr val="lt1"/>
+        </a:fontRef>
+      </dsp:style>
+      <dsp:txBody>
+        <a:bodyPr spcFirstLastPara="0" vert="horz" wrap="square" lIns="95250" tIns="95250" rIns="95250" bIns="95250" numCol="1" spcCol="1270" anchor="ctr" anchorCtr="0">
+          <a:noAutofit/>
+        </a:bodyPr>
+        <a:lstStyle/>
+        <a:p>
+          <a:pPr marL="0" lvl="0" indent="0" algn="ctr" defTabSz="1111250">
+            <a:lnSpc>
+              <a:spcPct val="90000"/>
+            </a:lnSpc>
+            <a:spcBef>
+              <a:spcPct val="0"/>
+            </a:spcBef>
+            <a:spcAft>
+              <a:spcPct val="35000"/>
+            </a:spcAft>
+            <a:buNone/>
+          </a:pPr>
+          <a:r>
+            <a:rPr lang="en-US" sz="2500" kern="1200"/>
+            <a:t>Outer Join or Full Outer Join</a:t>
+          </a:r>
+        </a:p>
+      </dsp:txBody>
+      <dsp:txXfrm>
+        <a:off x="3365545" y="1518"/>
+        <a:ext cx="2077313" cy="1246388"/>
+      </dsp:txXfrm>
+    </dsp:sp>
+    <dsp:sp modelId="{34DA3235-623D-4D01-B58D-92EEAD3F53F1}">
+      <dsp:nvSpPr>
+        <dsp:cNvPr id="0" name=""/>
+        <dsp:cNvSpPr/>
+      </dsp:nvSpPr>
+      <dsp:spPr>
+        <a:xfrm>
+          <a:off x="5650590" y="1518"/>
+          <a:ext cx="2077313" cy="1246388"/>
+        </a:xfrm>
+        <a:prstGeom prst="rect">
+          <a:avLst/>
+        </a:prstGeom>
+        <a:solidFill>
+          <a:schemeClr val="accent5">
+            <a:hueOff val="-1689636"/>
+            <a:satOff val="-4355"/>
+            <a:lumOff val="-2941"/>
+            <a:alphaOff val="0"/>
+          </a:schemeClr>
+        </a:solidFill>
+        <a:ln w="12700" cap="flat" cmpd="sng" algn="ctr">
+          <a:solidFill>
+            <a:schemeClr val="lt1">
+              <a:hueOff val="0"/>
+              <a:satOff val="0"/>
+              <a:lumOff val="0"/>
+              <a:alphaOff val="0"/>
+            </a:schemeClr>
+          </a:solidFill>
+          <a:prstDash val="solid"/>
+          <a:miter lim="800000"/>
+        </a:ln>
+        <a:effectLst/>
+      </dsp:spPr>
+      <dsp:style>
+        <a:lnRef idx="2">
+          <a:scrgbClr r="0" g="0" b="0"/>
+        </a:lnRef>
+        <a:fillRef idx="1">
+          <a:scrgbClr r="0" g="0" b="0"/>
+        </a:fillRef>
+        <a:effectRef idx="0">
+          <a:scrgbClr r="0" g="0" b="0"/>
+        </a:effectRef>
+        <a:fontRef idx="minor">
+          <a:schemeClr val="lt1"/>
+        </a:fontRef>
+      </dsp:style>
+      <dsp:txBody>
+        <a:bodyPr spcFirstLastPara="0" vert="horz" wrap="square" lIns="95250" tIns="95250" rIns="95250" bIns="95250" numCol="1" spcCol="1270" anchor="ctr" anchorCtr="0">
+          <a:noAutofit/>
+        </a:bodyPr>
+        <a:lstStyle/>
+        <a:p>
+          <a:pPr marL="0" lvl="0" indent="0" algn="ctr" defTabSz="1111250">
+            <a:lnSpc>
+              <a:spcPct val="90000"/>
+            </a:lnSpc>
+            <a:spcBef>
+              <a:spcPct val="0"/>
+            </a:spcBef>
+            <a:spcAft>
+              <a:spcPct val="35000"/>
+            </a:spcAft>
+            <a:buNone/>
+          </a:pPr>
+          <a:r>
+            <a:rPr lang="en-US" sz="2500" kern="1200"/>
+            <a:t>Left Join or Left Outer Join</a:t>
+          </a:r>
+        </a:p>
+      </dsp:txBody>
+      <dsp:txXfrm>
+        <a:off x="5650590" y="1518"/>
+        <a:ext cx="2077313" cy="1246388"/>
+      </dsp:txXfrm>
+    </dsp:sp>
+    <dsp:sp modelId="{AE9CED3E-BDFE-470B-B0E5-1E11DA6BC105}">
+      <dsp:nvSpPr>
+        <dsp:cNvPr id="0" name=""/>
+        <dsp:cNvSpPr/>
+      </dsp:nvSpPr>
+      <dsp:spPr>
+        <a:xfrm>
+          <a:off x="7935635" y="1518"/>
+          <a:ext cx="2077313" cy="1246388"/>
+        </a:xfrm>
+        <a:prstGeom prst="rect">
+          <a:avLst/>
+        </a:prstGeom>
+        <a:solidFill>
+          <a:schemeClr val="accent5">
+            <a:hueOff val="-2534453"/>
+            <a:satOff val="-6532"/>
+            <a:lumOff val="-4412"/>
+            <a:alphaOff val="0"/>
+          </a:schemeClr>
+        </a:solidFill>
+        <a:ln w="12700" cap="flat" cmpd="sng" algn="ctr">
+          <a:solidFill>
+            <a:schemeClr val="lt1">
+              <a:hueOff val="0"/>
+              <a:satOff val="0"/>
+              <a:lumOff val="0"/>
+              <a:alphaOff val="0"/>
+            </a:schemeClr>
+          </a:solidFill>
+          <a:prstDash val="solid"/>
+          <a:miter lim="800000"/>
+        </a:ln>
+        <a:effectLst/>
+      </dsp:spPr>
+      <dsp:style>
+        <a:lnRef idx="2">
+          <a:scrgbClr r="0" g="0" b="0"/>
+        </a:lnRef>
+        <a:fillRef idx="1">
+          <a:scrgbClr r="0" g="0" b="0"/>
+        </a:fillRef>
+        <a:effectRef idx="0">
+          <a:scrgbClr r="0" g="0" b="0"/>
+        </a:effectRef>
+        <a:fontRef idx="minor">
+          <a:schemeClr val="lt1"/>
+        </a:fontRef>
+      </dsp:style>
+      <dsp:txBody>
+        <a:bodyPr spcFirstLastPara="0" vert="horz" wrap="square" lIns="95250" tIns="95250" rIns="95250" bIns="95250" numCol="1" spcCol="1270" anchor="ctr" anchorCtr="0">
+          <a:noAutofit/>
+        </a:bodyPr>
+        <a:lstStyle/>
+        <a:p>
+          <a:pPr marL="0" lvl="0" indent="0" algn="ctr" defTabSz="1111250">
+            <a:lnSpc>
+              <a:spcPct val="90000"/>
+            </a:lnSpc>
+            <a:spcBef>
+              <a:spcPct val="0"/>
+            </a:spcBef>
+            <a:spcAft>
+              <a:spcPct val="35000"/>
+            </a:spcAft>
+            <a:buNone/>
+          </a:pPr>
+          <a:r>
+            <a:rPr lang="en-US" sz="2500" kern="1200"/>
+            <a:t>Right Join or Right Outer Join</a:t>
+          </a:r>
+        </a:p>
+      </dsp:txBody>
+      <dsp:txXfrm>
+        <a:off x="7935635" y="1518"/>
+        <a:ext cx="2077313" cy="1246388"/>
+      </dsp:txXfrm>
+    </dsp:sp>
+    <dsp:sp modelId="{2A2B6899-74D5-40BF-A58E-D68DDB9FD840}">
+      <dsp:nvSpPr>
+        <dsp:cNvPr id="0" name=""/>
+        <dsp:cNvSpPr/>
+      </dsp:nvSpPr>
+      <dsp:spPr>
+        <a:xfrm>
+          <a:off x="1080500" y="1455637"/>
+          <a:ext cx="2077313" cy="1246388"/>
+        </a:xfrm>
+        <a:prstGeom prst="rect">
+          <a:avLst/>
+        </a:prstGeom>
+        <a:solidFill>
+          <a:schemeClr val="accent5">
+            <a:hueOff val="-3379271"/>
+            <a:satOff val="-8710"/>
+            <a:lumOff val="-5883"/>
+            <a:alphaOff val="0"/>
+          </a:schemeClr>
+        </a:solidFill>
+        <a:ln w="12700" cap="flat" cmpd="sng" algn="ctr">
+          <a:solidFill>
+            <a:schemeClr val="lt1">
+              <a:hueOff val="0"/>
+              <a:satOff val="0"/>
+              <a:lumOff val="0"/>
+              <a:alphaOff val="0"/>
+            </a:schemeClr>
+          </a:solidFill>
+          <a:prstDash val="solid"/>
+          <a:miter lim="800000"/>
+        </a:ln>
+        <a:effectLst/>
+      </dsp:spPr>
+      <dsp:style>
+        <a:lnRef idx="2">
+          <a:scrgbClr r="0" g="0" b="0"/>
+        </a:lnRef>
+        <a:fillRef idx="1">
+          <a:scrgbClr r="0" g="0" b="0"/>
+        </a:fillRef>
+        <a:effectRef idx="0">
+          <a:scrgbClr r="0" g="0" b="0"/>
+        </a:effectRef>
+        <a:fontRef idx="minor">
+          <a:schemeClr val="lt1"/>
+        </a:fontRef>
+      </dsp:style>
+      <dsp:txBody>
+        <a:bodyPr spcFirstLastPara="0" vert="horz" wrap="square" lIns="95250" tIns="95250" rIns="95250" bIns="95250" numCol="1" spcCol="1270" anchor="ctr" anchorCtr="0">
+          <a:noAutofit/>
+        </a:bodyPr>
+        <a:lstStyle/>
+        <a:p>
+          <a:pPr marL="0" lvl="0" indent="0" algn="ctr" defTabSz="1111250">
+            <a:lnSpc>
+              <a:spcPct val="90000"/>
+            </a:lnSpc>
+            <a:spcBef>
+              <a:spcPct val="0"/>
+            </a:spcBef>
+            <a:spcAft>
+              <a:spcPct val="35000"/>
+            </a:spcAft>
+            <a:buNone/>
+          </a:pPr>
+          <a:r>
+            <a:rPr lang="en-US" sz="2500" kern="1200" dirty="0"/>
+            <a:t>Self Join</a:t>
+          </a:r>
+        </a:p>
+      </dsp:txBody>
+      <dsp:txXfrm>
+        <a:off x="1080500" y="1455637"/>
+        <a:ext cx="2077313" cy="1246388"/>
+      </dsp:txXfrm>
+    </dsp:sp>
+    <dsp:sp modelId="{89DE0422-61A8-46FB-BFE3-FE97D6C864C6}">
+      <dsp:nvSpPr>
+        <dsp:cNvPr id="0" name=""/>
+        <dsp:cNvSpPr/>
+      </dsp:nvSpPr>
+      <dsp:spPr>
+        <a:xfrm>
+          <a:off x="3365545" y="1455637"/>
+          <a:ext cx="2077313" cy="1246388"/>
+        </a:xfrm>
+        <a:prstGeom prst="rect">
+          <a:avLst/>
+        </a:prstGeom>
+        <a:solidFill>
+          <a:schemeClr val="accent5">
+            <a:hueOff val="-4224089"/>
+            <a:satOff val="-10887"/>
+            <a:lumOff val="-7353"/>
+            <a:alphaOff val="0"/>
+          </a:schemeClr>
+        </a:solidFill>
+        <a:ln w="12700" cap="flat" cmpd="sng" algn="ctr">
+          <a:solidFill>
+            <a:schemeClr val="lt1">
+              <a:hueOff val="0"/>
+              <a:satOff val="0"/>
+              <a:lumOff val="0"/>
+              <a:alphaOff val="0"/>
+            </a:schemeClr>
+          </a:solidFill>
+          <a:prstDash val="solid"/>
+          <a:miter lim="800000"/>
+        </a:ln>
+        <a:effectLst/>
+      </dsp:spPr>
+      <dsp:style>
+        <a:lnRef idx="2">
+          <a:scrgbClr r="0" g="0" b="0"/>
+        </a:lnRef>
+        <a:fillRef idx="1">
+          <a:scrgbClr r="0" g="0" b="0"/>
+        </a:fillRef>
+        <a:effectRef idx="0">
+          <a:scrgbClr r="0" g="0" b="0"/>
+        </a:effectRef>
+        <a:fontRef idx="minor">
+          <a:schemeClr val="lt1"/>
+        </a:fontRef>
+      </dsp:style>
+      <dsp:txBody>
+        <a:bodyPr spcFirstLastPara="0" vert="horz" wrap="square" lIns="95250" tIns="95250" rIns="95250" bIns="95250" numCol="1" spcCol="1270" anchor="ctr" anchorCtr="0">
+          <a:noAutofit/>
+        </a:bodyPr>
+        <a:lstStyle/>
+        <a:p>
+          <a:pPr marL="0" lvl="0" indent="0" algn="ctr" defTabSz="1111250">
+            <a:lnSpc>
+              <a:spcPct val="90000"/>
+            </a:lnSpc>
+            <a:spcBef>
+              <a:spcPct val="0"/>
+            </a:spcBef>
+            <a:spcAft>
+              <a:spcPct val="35000"/>
+            </a:spcAft>
+            <a:buNone/>
+          </a:pPr>
+          <a:r>
+            <a:rPr lang="en-US" sz="2500" kern="1200" dirty="0"/>
+            <a:t>Cross Join</a:t>
+          </a:r>
+        </a:p>
+      </dsp:txBody>
+      <dsp:txXfrm>
+        <a:off x="3365545" y="1455637"/>
+        <a:ext cx="2077313" cy="1246388"/>
+      </dsp:txXfrm>
+    </dsp:sp>
+    <dsp:sp modelId="{D29EC6C1-190E-498B-98F0-43C47C544B74}">
+      <dsp:nvSpPr>
+        <dsp:cNvPr id="0" name=""/>
+        <dsp:cNvSpPr/>
+      </dsp:nvSpPr>
+      <dsp:spPr>
+        <a:xfrm>
+          <a:off x="5650590" y="1455637"/>
+          <a:ext cx="2077313" cy="1246388"/>
+        </a:xfrm>
+        <a:prstGeom prst="rect">
+          <a:avLst/>
+        </a:prstGeom>
+        <a:solidFill>
+          <a:schemeClr val="accent5">
+            <a:hueOff val="-5068907"/>
+            <a:satOff val="-13064"/>
+            <a:lumOff val="-8824"/>
+            <a:alphaOff val="0"/>
+          </a:schemeClr>
+        </a:solidFill>
+        <a:ln w="12700" cap="flat" cmpd="sng" algn="ctr">
+          <a:solidFill>
+            <a:schemeClr val="lt1">
+              <a:hueOff val="0"/>
+              <a:satOff val="0"/>
+              <a:lumOff val="0"/>
+              <a:alphaOff val="0"/>
+            </a:schemeClr>
+          </a:solidFill>
+          <a:prstDash val="solid"/>
+          <a:miter lim="800000"/>
+        </a:ln>
+        <a:effectLst/>
+      </dsp:spPr>
+      <dsp:style>
+        <a:lnRef idx="2">
+          <a:scrgbClr r="0" g="0" b="0"/>
+        </a:lnRef>
+        <a:fillRef idx="1">
+          <a:scrgbClr r="0" g="0" b="0"/>
+        </a:fillRef>
+        <a:effectRef idx="0">
+          <a:scrgbClr r="0" g="0" b="0"/>
+        </a:effectRef>
+        <a:fontRef idx="minor">
+          <a:schemeClr val="lt1"/>
+        </a:fontRef>
+      </dsp:style>
+      <dsp:txBody>
+        <a:bodyPr spcFirstLastPara="0" vert="horz" wrap="square" lIns="95250" tIns="95250" rIns="95250" bIns="95250" numCol="1" spcCol="1270" anchor="ctr" anchorCtr="0">
+          <a:noAutofit/>
+        </a:bodyPr>
+        <a:lstStyle/>
+        <a:p>
+          <a:pPr marL="0" lvl="0" indent="0" algn="ctr" defTabSz="1111250">
+            <a:lnSpc>
+              <a:spcPct val="90000"/>
+            </a:lnSpc>
+            <a:spcBef>
+              <a:spcPct val="0"/>
+            </a:spcBef>
+            <a:spcAft>
+              <a:spcPct val="35000"/>
+            </a:spcAft>
+            <a:buNone/>
+          </a:pPr>
+          <a:r>
+            <a:rPr lang="en-US" sz="2500" kern="1200"/>
+            <a:t>Display mismatch row using Left Join</a:t>
+          </a:r>
+        </a:p>
+      </dsp:txBody>
+      <dsp:txXfrm>
+        <a:off x="5650590" y="1455637"/>
+        <a:ext cx="2077313" cy="1246388"/>
+      </dsp:txXfrm>
+    </dsp:sp>
+    <dsp:sp modelId="{B9D7E877-05E1-471F-9815-4795943B00FA}">
+      <dsp:nvSpPr>
+        <dsp:cNvPr id="0" name=""/>
+        <dsp:cNvSpPr/>
+      </dsp:nvSpPr>
+      <dsp:spPr>
+        <a:xfrm>
+          <a:off x="7935635" y="1455637"/>
+          <a:ext cx="2077313" cy="1246388"/>
+        </a:xfrm>
+        <a:prstGeom prst="rect">
+          <a:avLst/>
+        </a:prstGeom>
+        <a:solidFill>
+          <a:schemeClr val="accent5">
+            <a:hueOff val="-5913725"/>
+            <a:satOff val="-15242"/>
+            <a:lumOff val="-10294"/>
+            <a:alphaOff val="0"/>
+          </a:schemeClr>
+        </a:solidFill>
+        <a:ln w="12700" cap="flat" cmpd="sng" algn="ctr">
+          <a:solidFill>
+            <a:schemeClr val="lt1">
+              <a:hueOff val="0"/>
+              <a:satOff val="0"/>
+              <a:lumOff val="0"/>
+              <a:alphaOff val="0"/>
+            </a:schemeClr>
+          </a:solidFill>
+          <a:prstDash val="solid"/>
+          <a:miter lim="800000"/>
+        </a:ln>
+        <a:effectLst/>
+      </dsp:spPr>
+      <dsp:style>
+        <a:lnRef idx="2">
+          <a:scrgbClr r="0" g="0" b="0"/>
+        </a:lnRef>
+        <a:fillRef idx="1">
+          <a:scrgbClr r="0" g="0" b="0"/>
+        </a:fillRef>
+        <a:effectRef idx="0">
+          <a:scrgbClr r="0" g="0" b="0"/>
+        </a:effectRef>
+        <a:fontRef idx="minor">
+          <a:schemeClr val="lt1"/>
+        </a:fontRef>
+      </dsp:style>
+      <dsp:txBody>
+        <a:bodyPr spcFirstLastPara="0" vert="horz" wrap="square" lIns="95250" tIns="95250" rIns="95250" bIns="95250" numCol="1" spcCol="1270" anchor="ctr" anchorCtr="0">
+          <a:noAutofit/>
+        </a:bodyPr>
+        <a:lstStyle/>
+        <a:p>
+          <a:pPr marL="0" lvl="0" indent="0" algn="ctr" defTabSz="1111250">
+            <a:lnSpc>
+              <a:spcPct val="90000"/>
+            </a:lnSpc>
+            <a:spcBef>
+              <a:spcPct val="0"/>
+            </a:spcBef>
+            <a:spcAft>
+              <a:spcPct val="35000"/>
+            </a:spcAft>
+            <a:buNone/>
+          </a:pPr>
+          <a:r>
+            <a:rPr lang="en-US" sz="2500" kern="1200"/>
+            <a:t>Union vs Join</a:t>
+          </a:r>
+        </a:p>
+      </dsp:txBody>
+      <dsp:txXfrm>
+        <a:off x="7935635" y="1455637"/>
+        <a:ext cx="2077313" cy="1246388"/>
+      </dsp:txXfrm>
+    </dsp:sp>
+    <dsp:sp modelId="{2388210C-8C59-44E7-8FDC-381E0E8EB617}">
+      <dsp:nvSpPr>
+        <dsp:cNvPr id="0" name=""/>
+        <dsp:cNvSpPr/>
+      </dsp:nvSpPr>
+      <dsp:spPr>
+        <a:xfrm>
+          <a:off x="4508068" y="2909757"/>
+          <a:ext cx="2077313" cy="1246388"/>
+        </a:xfrm>
+        <a:prstGeom prst="rect">
+          <a:avLst/>
+        </a:prstGeom>
+        <a:solidFill>
+          <a:schemeClr val="accent5">
+            <a:hueOff val="-6758543"/>
+            <a:satOff val="-17419"/>
+            <a:lumOff val="-11765"/>
+            <a:alphaOff val="0"/>
+          </a:schemeClr>
+        </a:solidFill>
+        <a:ln w="12700" cap="flat" cmpd="sng" algn="ctr">
+          <a:solidFill>
+            <a:schemeClr val="lt1">
+              <a:hueOff val="0"/>
+              <a:satOff val="0"/>
+              <a:lumOff val="0"/>
+              <a:alphaOff val="0"/>
+            </a:schemeClr>
+          </a:solidFill>
+          <a:prstDash val="solid"/>
+          <a:miter lim="800000"/>
+        </a:ln>
+        <a:effectLst/>
+      </dsp:spPr>
+      <dsp:style>
+        <a:lnRef idx="2">
+          <a:scrgbClr r="0" g="0" b="0"/>
+        </a:lnRef>
+        <a:fillRef idx="1">
+          <a:scrgbClr r="0" g="0" b="0"/>
+        </a:fillRef>
+        <a:effectRef idx="0">
+          <a:scrgbClr r="0" g="0" b="0"/>
+        </a:effectRef>
+        <a:fontRef idx="minor">
+          <a:schemeClr val="lt1"/>
+        </a:fontRef>
+      </dsp:style>
+      <dsp:txBody>
+        <a:bodyPr spcFirstLastPara="0" vert="horz" wrap="square" lIns="95250" tIns="95250" rIns="95250" bIns="95250" numCol="1" spcCol="1270" anchor="ctr" anchorCtr="0">
+          <a:noAutofit/>
+        </a:bodyPr>
+        <a:lstStyle/>
+        <a:p>
+          <a:pPr marL="0" lvl="0" indent="0" algn="ctr" defTabSz="1111250">
+            <a:lnSpc>
+              <a:spcPct val="90000"/>
+            </a:lnSpc>
+            <a:spcBef>
+              <a:spcPct val="0"/>
+            </a:spcBef>
+            <a:spcAft>
+              <a:spcPct val="35000"/>
+            </a:spcAft>
+            <a:buNone/>
+          </a:pPr>
+          <a:r>
+            <a:rPr lang="en-US" sz="2500" kern="1200" dirty="0"/>
+            <a:t>Union Vs Union all</a:t>
+          </a:r>
+        </a:p>
+      </dsp:txBody>
+      <dsp:txXfrm>
+        <a:off x="4508068" y="2909757"/>
+        <a:ext cx="2077313" cy="1246388"/>
+      </dsp:txXfrm>
+    </dsp:sp>
+  </dsp:spTree>
+</dsp:drawing>
+</file>
+
+<file path=ppt/diagrams/layout1.xml><?xml version="1.0" encoding="utf-8"?>
+<dgm:layoutDef xmlns:dgm="http://schemas.openxmlformats.org/drawingml/2006/diagram" xmlns:a="http://schemas.openxmlformats.org/drawingml/2006/main" uniqueId="urn:microsoft.com/office/officeart/2005/8/layout/default">
+  <dgm:title val=""/>
+  <dgm:desc val=""/>
+  <dgm:catLst>
+    <dgm:cat type="list" pri="400"/>
+  </dgm:catLst>
+  <dgm:sampData>
+    <dgm:dataModel>
+      <dgm:ptLst>
+        <dgm:pt modelId="0" type="doc"/>
+        <dgm:pt modelId="1">
+          <dgm:prSet phldr="1"/>
+        </dgm:pt>
+        <dgm:pt modelId="2">
+          <dgm:prSet phldr="1"/>
+        </dgm:pt>
+        <dgm:pt modelId="3">
+          <dgm:prSet phldr="1"/>
+        </dgm:pt>
+        <dgm:pt modelId="4">
+          <dgm:prSet phldr="1"/>
+        </dgm:pt>
+        <dgm:pt modelId="5">
+          <dgm:prSet phldr="1"/>
+        </dgm:pt>
+      </dgm:ptLst>
+      <dgm:cxnLst>
+        <dgm:cxn modelId="6" srcId="0" destId="1" srcOrd="0" destOrd="0"/>
+        <dgm:cxn modelId="7" srcId="0" destId="2" srcOrd="1" destOrd="0"/>
+        <dgm:cxn modelId="8" srcId="0" destId="3" srcOrd="2" destOrd="0"/>
+        <dgm:cxn modelId="9" srcId="0" destId="4" srcOrd="3" destOrd="0"/>
+        <dgm:cxn modelId="10" srcId="0" destId="5" srcOrd="4" destOrd="0"/>
+      </dgm:cxnLst>
+      <dgm:bg/>
+      <dgm:whole/>
+    </dgm:dataModel>
+  </dgm:sampData>
+  <dgm:styleData>
+    <dgm:dataModel>
+      <dgm:ptLst>
+        <dgm:pt modelId="0" type="doc"/>
+        <dgm:pt modelId="1"/>
+        <dgm:pt modelId="2"/>
+      </dgm:ptLst>
+      <dgm:cxnLst>
+        <dgm:cxn modelId="3" srcId="0" destId="1" srcOrd="0" destOrd="0"/>
+        <dgm:cxn modelId="4" srcId="0" destId="2" srcOrd="1" destOrd="0"/>
+      </dgm:cxnLst>
+      <dgm:bg/>
+      <dgm:whole/>
+    </dgm:dataModel>
+  </dgm:styleData>
+  <dgm:clrData>
+    <dgm:dataModel>
+      <dgm:ptLst>
+        <dgm:pt modelId="0" type="doc"/>
+        <dgm:pt modelId="1"/>
+        <dgm:pt modelId="2"/>
+        <dgm:pt modelId="3"/>
+        <dgm:pt modelId="4"/>
+        <dgm:pt modelId="5"/>
+        <dgm:pt modelId="6"/>
+      </dgm:ptLst>
+      <dgm:cxnLst>
+        <dgm:cxn modelId="7" srcId="0" destId="1" srcOrd="0" destOrd="0"/>
+        <dgm:cxn modelId="8" srcId="0" destId="2" srcOrd="1" destOrd="0"/>
+        <dgm:cxn modelId="9" srcId="0" destId="3" srcOrd="2" destOrd="0"/>
+        <dgm:cxn modelId="10" srcId="0" destId="4" srcOrd="3" destOrd="0"/>
+        <dgm:cxn modelId="11" srcId="0" destId="5" srcOrd="4" destOrd="0"/>
+        <dgm:cxn modelId="12" srcId="0" destId="6" srcOrd="5" destOrd="0"/>
+      </dgm:cxnLst>
+      <dgm:bg/>
+      <dgm:whole/>
+    </dgm:dataModel>
+  </dgm:clrData>
+  <dgm:layoutNode name="diagram">
+    <dgm:varLst>
+      <dgm:dir/>
+      <dgm:resizeHandles val="exact"/>
+    </dgm:varLst>
+    <dgm:choose name="Name0">
+      <dgm:if name="Name1" func="var" arg="dir" op="equ" val="norm">
+        <dgm:alg type="snake">
+          <dgm:param type="grDir" val="tL"/>
+          <dgm:param type="flowDir" val="row"/>
+          <dgm:param type="contDir" val="sameDir"/>
+          <dgm:param type="off" val="ctr"/>
+        </dgm:alg>
+      </dgm:if>
+      <dgm:else name="Name2">
+        <dgm:alg type="snake">
+          <dgm:param type="grDir" val="tR"/>
+          <dgm:param type="flowDir" val="row"/>
+          <dgm:param type="contDir" val="sameDir"/>
+          <dgm:param type="off" val="ctr"/>
+        </dgm:alg>
+      </dgm:else>
+    </dgm:choose>
+    <dgm:shape xmlns:r="http://schemas.openxmlformats.org/officeDocument/2006/relationships" r:blip="">
+      <dgm:adjLst/>
+    </dgm:shape>
+    <dgm:presOf/>
+    <dgm:constrLst>
+      <dgm:constr type="w" for="ch" forName="node" refType="w"/>
+      <dgm:constr type="h" for="ch" forName="node" refType="w" refFor="ch" refForName="node" fact="0.6"/>
+      <dgm:constr type="w" for="ch" forName="sibTrans" refType="w" refFor="ch" refForName="node" fact="0.1"/>
+      <dgm:constr type="sp" refType="w" refFor="ch" refForName="sibTrans"/>
+      <dgm:constr type="primFontSz" for="ch" forName="node" op="equ" val="65"/>
+    </dgm:constrLst>
+    <dgm:ruleLst/>
+    <dgm:forEach name="Name3" axis="ch" ptType="node">
+      <dgm:layoutNode name="node">
+        <dgm:varLst>
+          <dgm:bulletEnabled val="1"/>
+        </dgm:varLst>
+        <dgm:alg type="tx"/>
+        <dgm:shape xmlns:r="http://schemas.openxmlformats.org/officeDocument/2006/relationships" type="rect" r:blip="">
+          <dgm:adjLst/>
+        </dgm:shape>
+        <dgm:presOf axis="desOrSelf" ptType="node"/>
+        <dgm:constrLst>
+          <dgm:constr type="lMarg" refType="primFontSz" fact="0.3"/>
+          <dgm:constr type="rMarg" refType="primFontSz" fact="0.3"/>
+          <dgm:constr type="tMarg" refType="primFontSz" fact="0.3"/>
+          <dgm:constr type="bMarg" refType="primFontSz" fact="0.3"/>
+        </dgm:constrLst>
+        <dgm:ruleLst>
+          <dgm:rule type="primFontSz" val="5" fact="NaN" max="NaN"/>
+        </dgm:ruleLst>
+      </dgm:layoutNode>
+      <dgm:forEach name="Name4" axis="followSib" ptType="sibTrans" cnt="1">
+        <dgm:layoutNode name="sibTrans">
+          <dgm:alg type="sp"/>
+          <dgm:shape xmlns:r="http://schemas.openxmlformats.org/officeDocument/2006/relationships" r:blip="">
+            <dgm:adjLst/>
+          </dgm:shape>
+          <dgm:presOf/>
+          <dgm:constrLst/>
+          <dgm:ruleLst/>
+        </dgm:layoutNode>
+      </dgm:forEach>
+    </dgm:forEach>
+  </dgm:layoutNode>
+</dgm:layoutDef>
+</file>
+
+<file path=ppt/diagrams/quickStyle1.xml><?xml version="1.0" encoding="utf-8"?>
+<dgm:styleDef xmlns:dgm="http://schemas.openxmlformats.org/drawingml/2006/diagram" xmlns:a="http://schemas.openxmlformats.org/drawingml/2006/main" uniqueId="urn:microsoft.com/office/officeart/2005/8/quickstyle/simple1">
+  <dgm:title val=""/>
+  <dgm:desc val=""/>
+  <dgm:catLst>
+    <dgm:cat type="simple" pri="10100"/>
+  </dgm:catLst>
+  <dgm:scene3d>
+    <a:camera prst="orthographicFront"/>
+    <a:lightRig rig="threePt" dir="t"/>
+  </dgm:scene3d>
+  <dgm:styleLbl name="node0">
+    <dgm:scene3d>
+      <a:camera prst="orthographicFront"/>
+      <a:lightRig rig="threePt" dir="t"/>
+    </dgm:scene3d>
+    <dgm:sp3d/>
+    <dgm:txPr/>
+    <dgm:style>
+      <a:lnRef idx="2">
+        <a:scrgbClr r="0" g="0" b="0"/>
+      </a:lnRef>
+      <a:fillRef idx="1">
+        <a:scrgbClr r="0" g="0" b="0"/>
+      </a:fillRef>
+      <a:effectRef idx="0">
+        <a:scrgbClr r="0" g="0" b="0"/>
+      </a:effectRef>
+      <a:fontRef idx="minor">
+        <a:schemeClr val="lt1"/>
+      </a:fontRef>
+    </dgm:style>
+  </dgm:styleLbl>
+  <dgm:styleLbl name="lnNode1">
+    <dgm:scene3d>
+      <a:camera prst="orthographicFront"/>
+      <a:lightRig rig="threePt" dir="t"/>
+    </dgm:scene3d>
+    <dgm:sp3d/>
+    <dgm:txPr/>
+    <dgm:style>
+      <a:lnRef idx="2">
+        <a:scrgbClr r="0" g="0" b="0"/>
+      </a:lnRef>
+      <a:fillRef idx="1">
+        <a:scrgbClr r="0" g="0" b="0"/>
+      </a:fillRef>
+      <a:effectRef idx="0">
+        <a:scrgbClr r="0" g="0" b="0"/>
+      </a:effectRef>
+      <a:fontRef idx="minor">
+        <a:schemeClr val="lt1"/>
+      </a:fontRef>
+    </dgm:style>
+  </dgm:styleLbl>
+  <dgm:styleLbl name="vennNode1">
+    <dgm:scene3d>
+      <a:camera prst="orthographicFront"/>
+      <a:lightRig rig="threePt" dir="t"/>
+    </dgm:scene3d>
+    <dgm:sp3d/>
+    <dgm:txPr/>
+    <dgm:style>
+      <a:lnRef idx="2">
+        <a:scrgbClr r="0" g="0" b="0"/>
+      </a:lnRef>
+      <a:fillRef idx="1">
+        <a:scrgbClr r="0" g="0" b="0"/>
+      </a:fillRef>
+      <a:effectRef idx="0">
+        <a:scrgbClr r="0" g="0" b="0"/>
+      </a:effectRef>
+      <a:fontRef idx="minor">
+        <a:schemeClr val="tx1"/>
+      </a:fontRef>
+    </dgm:style>
+  </dgm:styleLbl>
+  <dgm:styleLbl name="alignNode1">
+    <dgm:scene3d>
+      <a:camera prst="orthographicFront"/>
+      <a:lightRig rig="threePt" dir="t"/>
+    </dgm:scene3d>
+    <dgm:sp3d/>
+    <dgm:txPr/>
+    <dgm:style>
+      <a:lnRef idx="2">
+        <a:scrgbClr r="0" g="0" b="0"/>
+      </a:lnRef>
+      <a:fillRef idx="1">
+        <a:scrgbClr r="0" g="0" b="0"/>
+      </a:fillRef>
+      <a:effectRef idx="0">
+        <a:scrgbClr r="0" g="0" b="0"/>
+      </a:effectRef>
+      <a:fontRef idx="minor">
+        <a:schemeClr val="lt1"/>
+      </a:fontRef>
+    </dgm:style>
+  </dgm:styleLbl>
+  <dgm:styleLbl name="node1">
+    <dgm:scene3d>
+      <a:camera prst="orthographicFront"/>
+      <a:lightRig rig="threePt" dir="t"/>
+    </dgm:scene3d>
+    <dgm:sp3d/>
+    <dgm:txPr/>
+    <dgm:style>
+      <a:lnRef idx="2">
+        <a:scrgbClr r="0" g="0" b="0"/>
+      </a:lnRef>
+      <a:fillRef idx="1">
+        <a:scrgbClr r="0" g="0" b="0"/>
+      </a:fillRef>
+      <a:effectRef idx="0">
+        <a:scrgbClr r="0" g="0" b="0"/>
+      </a:effectRef>
+      <a:fontRef idx="minor">
+        <a:schemeClr val="lt1"/>
+      </a:fontRef>
+    </dgm:style>
+  </dgm:styleLbl>
+  <dgm:styleLbl name="node2">
+    <dgm:scene3d>
+      <a:camera prst="orthographicFront"/>
+      <a:lightRig rig="threePt" dir="t"/>
+    </dgm:scene3d>
+    <dgm:sp3d/>
+    <dgm:txPr/>
+    <dgm:style>
+      <a:lnRef idx="2">
+        <a:scrgbClr r="0" g="0" b="0"/>
+      </a:lnRef>
+      <a:fillRef idx="1">
+        <a:scrgbClr r="0" g="0" b="0"/>
+      </a:fillRef>
+      <a:effectRef idx="0">
+        <a:scrgbClr r="0" g="0" b="0"/>
+      </a:effectRef>
+      <a:fontRef idx="minor">
+        <a:schemeClr val="lt1"/>
+      </a:fontRef>
+    </dgm:style>
+  </dgm:styleLbl>
+  <dgm:styleLbl name="node3">
+    <dgm:scene3d>
+      <a:camera prst="orthographicFront"/>
+      <a:lightRig rig="threePt" dir="t"/>
+    </dgm:scene3d>
+    <dgm:sp3d/>
+    <dgm:txPr/>
+    <dgm:style>
+      <a:lnRef idx="2">
+        <a:scrgbClr r="0" g="0" b="0"/>
+      </a:lnRef>
+      <a:fillRef idx="1">
+        <a:scrgbClr r="0" g="0" b="0"/>
+      </a:fillRef>
+      <a:effectRef idx="0">
+        <a:scrgbClr r="0" g="0" b="0"/>
+      </a:effectRef>
+      <a:fontRef idx="minor">
+        <a:schemeClr val="lt1"/>
+      </a:fontRef>
+    </dgm:style>
+  </dgm:styleLbl>
+  <dgm:styleLbl name="node4">
+    <dgm:scene3d>
+      <a:camera prst="orthographicFront"/>
+      <a:lightRig rig="threePt" dir="t"/>
+    </dgm:scene3d>
+    <dgm:sp3d/>
+    <dgm:txPr/>
+    <dgm:style>
+      <a:lnRef idx="2">
+        <a:scrgbClr r="0" g="0" b="0"/>
+      </a:lnRef>
+      <a:fillRef idx="1">
+        <a:scrgbClr r="0" g="0" b="0"/>
+      </a:fillRef>
+      <a:effectRef idx="0">
+        <a:scrgbClr r="0" g="0" b="0"/>
+      </a:effectRef>
+      <a:fontRef idx="minor">
+        <a:schemeClr val="lt1"/>
+      </a:fontRef>
+    </dgm:style>
+  </dgm:styleLbl>
+  <dgm:styleLbl name="fgImgPlace1">
+    <dgm:scene3d>
+      <a:camera prst="orthographicFront"/>
+      <a:lightRig rig="threePt" dir="t"/>
+    </dgm:scene3d>
+    <dgm:sp3d/>
+    <dgm:txPr/>
+    <dgm:style>
+      <a:lnRef idx="2">
+        <a:scrgbClr r="0" g="0" b="0"/>
+      </a:lnRef>
+      <a:fillRef idx="1">
+        <a:scrgbClr r="0" g="0" b="0"/>
+      </a:fillRef>
+      <a:effectRef idx="0">
+        <a:scrgbClr r="0" g="0" b="0"/>
+      </a:effectRef>
+      <a:fontRef idx="minor"/>
+    </dgm:style>
+  </dgm:styleLbl>
+  <dgm:styleLbl name="alignImgPlace1">
+    <dgm:scene3d>
+      <a:camera prst="orthographicFront"/>
+      <a:lightRig rig="threePt" dir="t"/>
+    </dgm:scene3d>
+    <dgm:sp3d/>
+    <dgm:txPr/>
+    <dgm:style>
+      <a:lnRef idx="2">
+        <a:scrgbClr r="0" g="0" b="0"/>
+      </a:lnRef>
+      <a:fillRef idx="1">
+        <a:scrgbClr r="0" g="0" b="0"/>
+      </a:fillRef>
+      <a:effectRef idx="0">
+        <a:scrgbClr r="0" g="0" b="0"/>
+      </a:effectRef>
+      <a:fontRef idx="minor"/>
+    </dgm:style>
+  </dgm:styleLbl>
+  <dgm:styleLbl name="bgImgPlace1">
+    <dgm:scene3d>
+      <a:camera prst="orthographicFront"/>
+      <a:lightRig rig="threePt" dir="t"/>
+    </dgm:scene3d>
+    <dgm:sp3d/>
+    <dgm:txPr/>
+    <dgm:style>
+      <a:lnRef idx="2">
+        <a:scrgbClr r="0" g="0" b="0"/>
+      </a:lnRef>
+      <a:fillRef idx="1">
+        <a:scrgbClr r="0" g="0" b="0"/>
+      </a:fillRef>
+      <a:effectRef idx="0">
+        <a:scrgbClr r="0" g="0" b="0"/>
+      </a:effectRef>
+      <a:fontRef idx="minor"/>
+    </dgm:style>
+  </dgm:styleLbl>
+  <dgm:styleLbl name="sibTrans2D1">
+    <dgm:scene3d>
+      <a:camera prst="orthographicFront"/>
+      <a:lightRig rig="threePt" dir="t"/>
+    </dgm:scene3d>
+    <dgm:sp3d/>
+    <dgm:txPr/>
+    <dgm:style>
+      <a:lnRef idx="0">
+        <a:scrgbClr r="0" g="0" b="0"/>
+      </a:lnRef>
+      <a:fillRef idx="1">
+        <a:scrgbClr r="0" g="0" b="0"/>
+      </a:fillRef>
+      <a:effectRef idx="0">
+        <a:scrgbClr r="0" g="0" b="0"/>
+      </a:effectRef>
+      <a:fontRef idx="minor">
+        <a:schemeClr val="lt1"/>
+      </a:fontRef>
+    </dgm:style>
+  </dgm:styleLbl>
+  <dgm:styleLbl name="fgSibTrans2D1">
+    <dgm:scene3d>
+      <a:camera prst="orthographicFront"/>
+      <a:lightRig rig="threePt" dir="t"/>
+    </dgm:scene3d>
+    <dgm:sp3d/>
+    <dgm:txPr/>
+    <dgm:style>
+      <a:lnRef idx="0">
+        <a:scrgbClr r="0" g="0" b="0"/>
+      </a:lnRef>
+      <a:fillRef idx="1">
+        <a:scrgbClr r="0" g="0" b="0"/>
+      </a:fillRef>
+      <a:effectRef idx="0">
+        <a:scrgbClr r="0" g="0" b="0"/>
+      </a:effectRef>
+      <a:fontRef idx="minor">
+        <a:schemeClr val="lt1"/>
+      </a:fontRef>
+    </dgm:style>
+  </dgm:styleLbl>
+  <dgm:styleLbl name="bgSibTrans2D1">
+    <dgm:scene3d>
+      <a:camera prst="orthographicFront"/>
+      <a:lightRig rig="threePt" dir="t"/>
+    </dgm:scene3d>
+    <dgm:sp3d/>
+    <dgm:txPr/>
+    <dgm:style>
+      <a:lnRef idx="0">
+        <a:scrgbClr r="0" g="0" b="0"/>
+      </a:lnRef>
+      <a:fillRef idx="1">
+        <a:scrgbClr r="0" g="0" b="0"/>
+      </a:fillRef>
+      <a:effectRef idx="0">
+        <a:scrgbClr r="0" g="0" b="0"/>
+      </a:effectRef>
+      <a:fontRef idx="minor">
+        <a:schemeClr val="lt1"/>
+      </a:fontRef>
+    </dgm:style>
+  </dgm:styleLbl>
+  <dgm:styleLbl name="sibTrans1D1">
+    <dgm:scene3d>
+      <a:camera prst="orthographicFront"/>
+      <a:lightRig rig="threePt" dir="t"/>
+    </dgm:scene3d>
+    <dgm:sp3d/>
+    <dgm:txPr/>
+    <dgm:style>
+      <a:lnRef idx="1">
+        <a:scrgbClr r="0" g="0" b="0"/>
+      </a:lnRef>
+      <a:fillRef idx="0">
+        <a:scrgbClr r="0" g="0" b="0"/>
+      </a:fillRef>
+      <a:effectRef idx="0">
+        <a:scrgbClr r="0" g="0" b="0"/>
+      </a:effectRef>
+      <a:fontRef idx="minor"/>
+    </dgm:style>
+  </dgm:styleLbl>
+  <dgm:styleLbl name="callout">
+    <dgm:scene3d>
+      <a:camera prst="orthographicFront"/>
+      <a:lightRig rig="threePt" dir="t"/>
+    </dgm:scene3d>
+    <dgm:sp3d/>
+    <dgm:txPr/>
+    <dgm:style>
+      <a:lnRef idx="2">
+        <a:scrgbClr r="0" g="0" b="0"/>
+      </a:lnRef>
+      <a:fillRef idx="1">
+        <a:scrgbClr r="0" g="0" b="0"/>
+      </a:fillRef>
+      <a:effectRef idx="0">
+        <a:scrgbClr r="0" g="0" b="0"/>
+      </a:effectRef>
+      <a:fontRef idx="minor"/>
+    </dgm:style>
+  </dgm:styleLbl>
+  <dgm:styleLbl name="asst0">
+    <dgm:scene3d>
+      <a:camera prst="orthographicFront"/>
+      <a:lightRig rig="threePt" dir="t"/>
+    </dgm:scene3d>
+    <dgm:sp3d/>
+    <dgm:txPr/>
+    <dgm:style>
+      <a:lnRef idx="2">
+        <a:scrgbClr r="0" g="0" b="0"/>
+      </a:lnRef>
+      <a:fillRef idx="1">
+        <a:scrgbClr r="0" g="0" b="0"/>
+      </a:fillRef>
+      <a:effectRef idx="0">
+        <a:scrgbClr r="0" g="0" b="0"/>
+      </a:effectRef>
+      <a:fontRef idx="minor">
+        <a:schemeClr val="lt1"/>
+      </a:fontRef>
+    </dgm:style>
+  </dgm:styleLbl>
+  <dgm:styleLbl name="asst1">
+    <dgm:scene3d>
+      <a:camera prst="orthographicFront"/>
+      <a:lightRig rig="threePt" dir="t"/>
+    </dgm:scene3d>
+    <dgm:sp3d/>
+    <dgm:txPr/>
+    <dgm:style>
+      <a:lnRef idx="2">
+        <a:scrgbClr r="0" g="0" b="0"/>
+      </a:lnRef>
+      <a:fillRef idx="1">
+        <a:scrgbClr r="0" g="0" b="0"/>
+      </a:fillRef>
+      <a:effectRef idx="0">
+        <a:scrgbClr r="0" g="0" b="0"/>
+      </a:effectRef>
+      <a:fontRef idx="minor">
+        <a:schemeClr val="lt1"/>
+      </a:fontRef>
+    </dgm:style>
+  </dgm:styleLbl>
+  <dgm:styleLbl name="asst2">
+    <dgm:scene3d>
+      <a:camera prst="orthographicFront"/>
+      <a:lightRig rig="threePt" dir="t"/>
+    </dgm:scene3d>
+    <dgm:sp3d/>
+    <dgm:txPr/>
+    <dgm:style>
+      <a:lnRef idx="2">
+        <a:scrgbClr r="0" g="0" b="0"/>
+      </a:lnRef>
+      <a:fillRef idx="1">
+        <a:scrgbClr r="0" g="0" b="0"/>
+      </a:fillRef>
+      <a:effectRef idx="0">
+        <a:scrgbClr r="0" g="0" b="0"/>
+      </a:effectRef>
+      <a:fontRef idx="minor">
+        <a:schemeClr val="lt1"/>
+      </a:fontRef>
+    </dgm:style>
+  </dgm:styleLbl>
+  <dgm:styleLbl name="asst3">
+    <dgm:scene3d>
+      <a:camera prst="orthographicFront"/>
+      <a:lightRig rig="threePt" dir="t"/>
+    </dgm:scene3d>
+    <dgm:sp3d/>
+    <dgm:txPr/>
+    <dgm:style>
+      <a:lnRef idx="2">
+        <a:scrgbClr r="0" g="0" b="0"/>
+      </a:lnRef>
+      <a:fillRef idx="1">
+        <a:scrgbClr r="0" g="0" b="0"/>
+      </a:fillRef>
+      <a:effectRef idx="0">
+        <a:scrgbClr r="0" g="0" b="0"/>
+      </a:effectRef>
+      <a:fontRef idx="minor">
+        <a:schemeClr val="lt1"/>
+      </a:fontRef>
+    </dgm:style>
+  </dgm:styleLbl>
+  <dgm:styleLbl name="asst4">
+    <dgm:scene3d>
+      <a:camera prst="orthographicFront"/>
+      <a:lightRig rig="threePt" dir="t"/>
+    </dgm:scene3d>
+    <dgm:sp3d/>
+    <dgm:txPr/>
+    <dgm:style>
+      <a:lnRef idx="2">
+        <a:scrgbClr r="0" g="0" b="0"/>
+      </a:lnRef>
+      <a:fillRef idx="1">
+        <a:scrgbClr r="0" g="0" b="0"/>
+      </a:fillRef>
+      <a:effectRef idx="0">
+        <a:scrgbClr r="0" g="0" b="0"/>
+      </a:effectRef>
+      <a:fontRef idx="minor">
+        <a:schemeClr val="lt1"/>
+      </a:fontRef>
+    </dgm:style>
+  </dgm:styleLbl>
+  <dgm:styleLbl name="parChTrans2D1">
+    <dgm:scene3d>
+      <a:camera prst="orthographicFront"/>
+      <a:lightRig rig="threePt" dir="t"/>
+    </dgm:scene3d>
+    <dgm:sp3d/>
+    <dgm:txPr/>
+    <dgm:style>
+      <a:lnRef idx="2">
+        <a:scrgbClr r="0" g="0" b="0"/>
+      </a:lnRef>
+      <a:fillRef idx="1">
+        <a:scrgbClr r="0" g="0" b="0"/>
+      </a:fillRef>
+      <a:effectRef idx="0">
+        <a:scrgbClr r="0" g="0" b="0"/>
+      </a:effectRef>
+      <a:fontRef idx="minor">
+        <a:schemeClr val="lt1"/>
+      </a:fontRef>
+    </dgm:style>
+  </dgm:styleLbl>
+  <dgm:styleLbl name="parChTrans2D2">
+    <dgm:scene3d>
+      <a:camera prst="orthographicFront"/>
+      <a:lightRig rig="threePt" dir="t"/>
+    </dgm:scene3d>
+    <dgm:sp3d/>
+    <dgm:txPr/>
+    <dgm:style>
+      <a:lnRef idx="2">
+        <a:scrgbClr r="0" g="0" b="0"/>
+      </a:lnRef>
+      <a:fillRef idx="1">
+        <a:scrgbClr r="0" g="0" b="0"/>
+      </a:fillRef>
+      <a:effectRef idx="0">
+        <a:scrgbClr r="0" g="0" b="0"/>
+      </a:effectRef>
+      <a:fontRef idx="minor">
+        <a:schemeClr val="lt1"/>
+      </a:fontRef>
+    </dgm:style>
+  </dgm:styleLbl>
+  <dgm:styleLbl name="parChTrans2D3">
+    <dgm:scene3d>
+      <a:camera prst="orthographicFront"/>
+      <a:lightRig rig="threePt" dir="t"/>
+    </dgm:scene3d>
+    <dgm:sp3d/>
+    <dgm:txPr/>
+    <dgm:style>
+      <a:lnRef idx="2">
+        <a:scrgbClr r="0" g="0" b="0"/>
+      </a:lnRef>
+      <a:fillRef idx="1">
+        <a:scrgbClr r="0" g="0" b="0"/>
+      </a:fillRef>
+      <a:effectRef idx="0">
+        <a:scrgbClr r="0" g="0" b="0"/>
+      </a:effectRef>
+      <a:fontRef idx="minor">
+        <a:schemeClr val="lt1"/>
+      </a:fontRef>
+    </dgm:style>
+  </dgm:styleLbl>
+  <dgm:styleLbl name="parChTrans2D4">
+    <dgm:scene3d>
+      <a:camera prst="orthographicFront"/>
+      <a:lightRig rig="threePt" dir="t"/>
+    </dgm:scene3d>
+    <dgm:sp3d/>
+    <dgm:txPr/>
+    <dgm:style>
+      <a:lnRef idx="2">
+        <a:scrgbClr r="0" g="0" b="0"/>
+      </a:lnRef>
+      <a:fillRef idx="1">
+        <a:scrgbClr r="0" g="0" b="0"/>
+      </a:fillRef>
+      <a:effectRef idx="0">
+        <a:scrgbClr r="0" g="0" b="0"/>
+      </a:effectRef>
+      <a:fontRef idx="minor">
+        <a:schemeClr val="lt1"/>
+      </a:fontRef>
+    </dgm:style>
+  </dgm:styleLbl>
+  <dgm:styleLbl name="parChTrans1D1">
+    <dgm:scene3d>
+      <a:camera prst="orthographicFront"/>
+      <a:lightRig rig="threePt" dir="t"/>
+    </dgm:scene3d>
+    <dgm:sp3d/>
+    <dgm:txPr/>
+    <dgm:style>
+      <a:lnRef idx="2">
+        <a:scrgbClr r="0" g="0" b="0"/>
+      </a:lnRef>
+      <a:fillRef idx="0">
+        <a:scrgbClr r="0" g="0" b="0"/>
+      </a:fillRef>
+      <a:effectRef idx="0">
+        <a:scrgbClr r="0" g="0" b="0"/>
+      </a:effectRef>
+      <a:fontRef idx="minor"/>
+    </dgm:style>
+  </dgm:styleLbl>
+  <dgm:styleLbl name="parChTrans1D2">
+    <dgm:scene3d>
+      <a:camera prst="orthographicFront"/>
+      <a:lightRig rig="threePt" dir="t"/>
+    </dgm:scene3d>
+    <dgm:sp3d/>
+    <dgm:txPr/>
+    <dgm:style>
+      <a:lnRef idx="2">
+        <a:scrgbClr r="0" g="0" b="0"/>
+      </a:lnRef>
+      <a:fillRef idx="0">
+        <a:scrgbClr r="0" g="0" b="0"/>
+      </a:fillRef>
+      <a:effectRef idx="0">
+        <a:scrgbClr r="0" g="0" b="0"/>
+      </a:effectRef>
+      <a:fontRef idx="minor"/>
+    </dgm:style>
+  </dgm:styleLbl>
+  <dgm:styleLbl name="parChTrans1D3">
+    <dgm:scene3d>
+      <a:camera prst="orthographicFront"/>
+      <a:lightRig rig="threePt" dir="t"/>
+    </dgm:scene3d>
+    <dgm:sp3d/>
+    <dgm:txPr/>
+    <dgm:style>
+      <a:lnRef idx="2">
+        <a:scrgbClr r="0" g="0" b="0"/>
+      </a:lnRef>
+      <a:fillRef idx="0">
+        <a:scrgbClr r="0" g="0" b="0"/>
+      </a:fillRef>
+      <a:effectRef idx="0">
+        <a:scrgbClr r="0" g="0" b="0"/>
+      </a:effectRef>
+      <a:fontRef idx="minor"/>
+    </dgm:style>
+  </dgm:styleLbl>
+  <dgm:styleLbl name="parChTrans1D4">
+    <dgm:scene3d>
+      <a:camera prst="orthographicFront"/>
+      <a:lightRig rig="threePt" dir="t"/>
+    </dgm:scene3d>
+    <dgm:sp3d/>
+    <dgm:txPr/>
+    <dgm:style>
+      <a:lnRef idx="2">
+        <a:scrgbClr r="0" g="0" b="0"/>
+      </a:lnRef>
+      <a:fillRef idx="0">
+        <a:scrgbClr r="0" g="0" b="0"/>
+      </a:fillRef>
+      <a:effectRef idx="0">
+        <a:scrgbClr r="0" g="0" b="0"/>
+      </a:effectRef>
+      <a:fontRef idx="minor"/>
+    </dgm:style>
+  </dgm:styleLbl>
+  <dgm:styleLbl name="fgAcc1">
+    <dgm:scene3d>
+      <a:camera prst="orthographicFront"/>
+      <a:lightRig rig="threePt" dir="t"/>
+    </dgm:scene3d>
+    <dgm:sp3d/>
+    <dgm:txPr/>
+    <dgm:style>
+      <a:lnRef idx="2">
+        <a:scrgbClr r="0" g="0" b="0"/>
+      </a:lnRef>
+      <a:fillRef idx="1">
+        <a:scrgbClr r="0" g="0" b="0"/>
+      </a:fillRef>
+      <a:effectRef idx="0">
+        <a:scrgbClr r="0" g="0" b="0"/>
+      </a:effectRef>
+      <a:fontRef idx="minor"/>
+    </dgm:style>
+  </dgm:styleLbl>
+  <dgm:styleLbl name="conFgAcc1">
+    <dgm:scene3d>
+      <a:camera prst="orthographicFront"/>
+      <a:lightRig rig="threePt" dir="t"/>
+    </dgm:scene3d>
+    <dgm:sp3d/>
+    <dgm:txPr/>
+    <dgm:style>
+      <a:lnRef idx="2">
+        <a:scrgbClr r="0" g="0" b="0"/>
+      </a:lnRef>
+      <a:fillRef idx="1">
+        <a:scrgbClr r="0" g="0" b="0"/>
+      </a:fillRef>
+      <a:effectRef idx="0">
+        <a:scrgbClr r="0" g="0" b="0"/>
+      </a:effectRef>
+      <a:fontRef idx="minor"/>
+    </dgm:style>
+  </dgm:styleLbl>
+  <dgm:styleLbl name="alignAcc1">
+    <dgm:scene3d>
+      <a:camera prst="orthographicFront"/>
+      <a:lightRig rig="threePt" dir="t"/>
+    </dgm:scene3d>
+    <dgm:sp3d/>
+    <dgm:txPr/>
+    <dgm:style>
+      <a:lnRef idx="2">
+        <a:scrgbClr r="0" g="0" b="0"/>
+      </a:lnRef>
+      <a:fillRef idx="1">
+        <a:scrgbClr r="0" g="0" b="0"/>
+      </a:fillRef>
+      <a:effectRef idx="0">
+        <a:scrgbClr r="0" g="0" b="0"/>
+      </a:effectRef>
+      <a:fontRef idx="minor"/>
+    </dgm:style>
+  </dgm:styleLbl>
+  <dgm:styleLbl name="trAlignAcc1">
+    <dgm:scene3d>
+      <a:camera prst="orthographicFront"/>
+      <a:lightRig rig="threePt" dir="t"/>
+    </dgm:scene3d>
+    <dgm:sp3d/>
+    <dgm:txPr/>
+    <dgm:style>
+      <a:lnRef idx="1">
+        <a:scrgbClr r="0" g="0" b="0"/>
+      </a:lnRef>
+      <a:fillRef idx="1">
+        <a:scrgbClr r="0" g="0" b="0"/>
+      </a:fillRef>
+      <a:effectRef idx="0">
+        <a:scrgbClr r="0" g="0" b="0"/>
+      </a:effectRef>
+      <a:fontRef idx="minor"/>
+    </dgm:style>
+  </dgm:styleLbl>
+  <dgm:styleLbl name="bgAcc1">
+    <dgm:scene3d>
+      <a:camera prst="orthographicFront"/>
+      <a:lightRig rig="threePt" dir="t"/>
+    </dgm:scene3d>
+    <dgm:sp3d/>
+    <dgm:txPr/>
+    <dgm:style>
+      <a:lnRef idx="2">
+        <a:scrgbClr r="0" g="0" b="0"/>
+      </a:lnRef>
+      <a:fillRef idx="1">
+        <a:scrgbClr r="0" g="0" b="0"/>
+      </a:fillRef>
+      <a:effectRef idx="0">
+        <a:scrgbClr r="0" g="0" b="0"/>
+      </a:effectRef>
+      <a:fontRef idx="minor"/>
+    </dgm:style>
+  </dgm:styleLbl>
+  <dgm:styleLbl name="solidFgAcc1">
+    <dgm:scene3d>
+      <a:camera prst="orthographicFront"/>
+      <a:lightRig rig="threePt" dir="t"/>
+    </dgm:scene3d>
+    <dgm:sp3d/>
+    <dgm:txPr/>
+    <dgm:style>
+      <a:lnRef idx="2">
+        <a:scrgbClr r="0" g="0" b="0"/>
+      </a:lnRef>
+      <a:fillRef idx="1">
+        <a:scrgbClr r="0" g="0" b="0"/>
+      </a:fillRef>
+      <a:effectRef idx="0">
+        <a:scrgbClr r="0" g="0" b="0"/>
+      </a:effectRef>
+      <a:fontRef idx="minor"/>
+    </dgm:style>
+  </dgm:styleLbl>
+  <dgm:styleLbl name="solidAlignAcc1">
+    <dgm:scene3d>
+      <a:camera prst="orthographicFront"/>
+      <a:lightRig rig="threePt" dir="t"/>
+    </dgm:scene3d>
+    <dgm:sp3d/>
+    <dgm:txPr/>
+    <dgm:style>
+      <a:lnRef idx="2">
+        <a:scrgbClr r="0" g="0" b="0"/>
+      </a:lnRef>
+      <a:fillRef idx="1">
+        <a:scrgbClr r="0" g="0" b="0"/>
+      </a:fillRef>
+      <a:effectRef idx="0">
+        <a:scrgbClr r="0" g="0" b="0"/>
+      </a:effectRef>
+      <a:fontRef idx="minor"/>
+    </dgm:style>
+  </dgm:styleLbl>
+  <dgm:styleLbl name="solidBgAcc1">
+    <dgm:scene3d>
+      <a:camera prst="orthographicFront"/>
+      <a:lightRig rig="threePt" dir="t"/>
+    </dgm:scene3d>
+    <dgm:sp3d/>
+    <dgm:txPr/>
+    <dgm:style>
+      <a:lnRef idx="2">
+        <a:scrgbClr r="0" g="0" b="0"/>
+      </a:lnRef>
+      <a:fillRef idx="1">
+        <a:scrgbClr r="0" g="0" b="0"/>
+      </a:fillRef>
+      <a:effectRef idx="0">
+        <a:scrgbClr r="0" g="0" b="0"/>
+      </a:effectRef>
+      <a:fontRef idx="minor"/>
+    </dgm:style>
+  </dgm:styleLbl>
+  <dgm:styleLbl name="fgAccFollowNode1">
+    <dgm:scene3d>
+      <a:camera prst="orthographicFront"/>
+      <a:lightRig rig="threePt" dir="t"/>
+    </dgm:scene3d>
+    <dgm:sp3d/>
+    <dgm:txPr/>
+    <dgm:style>
+      <a:lnRef idx="2">
+        <a:scrgbClr r="0" g="0" b="0"/>
+      </a:lnRef>
+      <a:fillRef idx="1">
+        <a:scrgbClr r="0" g="0" b="0"/>
+      </a:fillRef>
+      <a:effectRef idx="0">
+        <a:scrgbClr r="0" g="0" b="0"/>
+      </a:effectRef>
+      <a:fontRef idx="minor"/>
+    </dgm:style>
+  </dgm:styleLbl>
+  <dgm:styleLbl name="alignAccFollowNode1">
+    <dgm:scene3d>
+      <a:camera prst="orthographicFront"/>
+      <a:lightRig rig="threePt" dir="t"/>
+    </dgm:scene3d>
+    <dgm:sp3d/>
+    <dgm:txPr/>
+    <dgm:style>
+      <a:lnRef idx="2">
+        <a:scrgbClr r="0" g="0" b="0"/>
+      </a:lnRef>
+      <a:fillRef idx="1">
+        <a:scrgbClr r="0" g="0" b="0"/>
+      </a:fillRef>
+      <a:effectRef idx="0">
+        <a:scrgbClr r="0" g="0" b="0"/>
+      </a:effectRef>
+      <a:fontRef idx="minor"/>
+    </dgm:style>
+  </dgm:styleLbl>
+  <dgm:styleLbl name="bgAccFollowNode1">
+    <dgm:scene3d>
+      <a:camera prst="orthographicFront"/>
+      <a:lightRig rig="threePt" dir="t"/>
+    </dgm:scene3d>
+    <dgm:sp3d/>
+    <dgm:txPr/>
+    <dgm:style>
+      <a:lnRef idx="2">
+        <a:scrgbClr r="0" g="0" b="0"/>
+      </a:lnRef>
+      <a:fillRef idx="1">
+        <a:scrgbClr r="0" g="0" b="0"/>
+      </a:fillRef>
+      <a:effectRef idx="0">
+        <a:scrgbClr r="0" g="0" b="0"/>
+      </a:effectRef>
+      <a:fontRef idx="minor"/>
+    </dgm:style>
+  </dgm:styleLbl>
+  <dgm:styleLbl name="fgAcc0">
+    <dgm:scene3d>
+      <a:camera prst="orthographicFront"/>
+      <a:lightRig rig="threePt" dir="t"/>
+    </dgm:scene3d>
+    <dgm:sp3d/>
+    <dgm:txPr/>
+    <dgm:style>
+      <a:lnRef idx="2">
+        <a:scrgbClr r="0" g="0" b="0"/>
+      </a:lnRef>
+      <a:fillRef idx="1">
+        <a:scrgbClr r="0" g="0" b="0"/>
+      </a:fillRef>
+      <a:effectRef idx="0">
+        <a:scrgbClr r="0" g="0" b="0"/>
+      </a:effectRef>
+      <a:fontRef idx="minor"/>
+    </dgm:style>
+  </dgm:styleLbl>
+  <dgm:styleLbl name="fgAcc2">
+    <dgm:scene3d>
+      <a:camera prst="orthographicFront"/>
+      <a:lightRig rig="threePt" dir="t"/>
+    </dgm:scene3d>
+    <dgm:sp3d/>
+    <dgm:txPr/>
+    <dgm:style>
+      <a:lnRef idx="2">
+        <a:scrgbClr r="0" g="0" b="0"/>
+      </a:lnRef>
+      <a:fillRef idx="1">
+        <a:scrgbClr r="0" g="0" b="0"/>
+      </a:fillRef>
+      <a:effectRef idx="0">
+        <a:scrgbClr r="0" g="0" b="0"/>
+      </a:effectRef>
+      <a:fontRef idx="minor"/>
+    </dgm:style>
+  </dgm:styleLbl>
+  <dgm:styleLbl name="fgAcc3">
+    <dgm:scene3d>
+      <a:camera prst="orthographicFront"/>
+      <a:lightRig rig="threePt" dir="t"/>
+    </dgm:scene3d>
+    <dgm:sp3d/>
+    <dgm:txPr/>
+    <dgm:style>
+      <a:lnRef idx="2">
+        <a:scrgbClr r="0" g="0" b="0"/>
+      </a:lnRef>
+      <a:fillRef idx="1">
+        <a:scrgbClr r="0" g="0" b="0"/>
+      </a:fillRef>
+      <a:effectRef idx="0">
+        <a:scrgbClr r="0" g="0" b="0"/>
+      </a:effectRef>
+      <a:fontRef idx="minor"/>
+    </dgm:style>
+  </dgm:styleLbl>
+  <dgm:styleLbl name="fgAcc4">
+    <dgm:scene3d>
+      <a:camera prst="orthographicFront"/>
+      <a:lightRig rig="threePt" dir="t"/>
+    </dgm:scene3d>
+    <dgm:sp3d/>
+    <dgm:txPr/>
+    <dgm:style>
+      <a:lnRef idx="2">
+        <a:scrgbClr r="0" g="0" b="0"/>
+      </a:lnRef>
+      <a:fillRef idx="1">
+        <a:scrgbClr r="0" g="0" b="0"/>
+      </a:fillRef>
+      <a:effectRef idx="0">
+        <a:scrgbClr r="0" g="0" b="0"/>
+      </a:effectRef>
+      <a:fontRef idx="minor"/>
+    </dgm:style>
+  </dgm:styleLbl>
+  <dgm:styleLbl name="bgShp">
+    <dgm:scene3d>
+      <a:camera prst="orthographicFront"/>
+      <a:lightRig rig="threePt" dir="t"/>
+    </dgm:scene3d>
+    <dgm:sp3d/>
+    <dgm:txPr/>
+    <dgm:style>
+      <a:lnRef idx="0">
+        <a:scrgbClr r="0" g="0" b="0"/>
+      </a:lnRef>
+      <a:fillRef idx="1">
+        <a:scrgbClr r="0" g="0" b="0"/>
+      </a:fillRef>
+      <a:effectRef idx="0">
+        <a:scrgbClr r="0" g="0" b="0"/>
+      </a:effectRef>
+      <a:fontRef idx="minor"/>
+    </dgm:style>
+  </dgm:styleLbl>
+  <dgm:styleLbl name="dkBgShp">
+    <dgm:scene3d>
+      <a:camera prst="orthographicFront"/>
+      <a:lightRig rig="threePt" dir="t"/>
+    </dgm:scene3d>
+    <dgm:sp3d/>
+    <dgm:txPr/>
+    <dgm:style>
+      <a:lnRef idx="0">
+        <a:scrgbClr r="0" g="0" b="0"/>
+      </a:lnRef>
+      <a:fillRef idx="1">
+        <a:scrgbClr r="0" g="0" b="0"/>
+      </a:fillRef>
+      <a:effectRef idx="0">
+        <a:scrgbClr r="0" g="0" b="0"/>
+      </a:effectRef>
+      <a:fontRef idx="minor"/>
+    </dgm:style>
+  </dgm:styleLbl>
+  <dgm:styleLbl name="trBgShp">
+    <dgm:scene3d>
+      <a:camera prst="orthographicFront"/>
+      <a:lightRig rig="threePt" dir="t"/>
+    </dgm:scene3d>
+    <dgm:sp3d/>
+    <dgm:txPr/>
+    <dgm:style>
+      <a:lnRef idx="0">
+        <a:scrgbClr r="0" g="0" b="0"/>
+      </a:lnRef>
+      <a:fillRef idx="1">
+        <a:scrgbClr r="0" g="0" b="0"/>
+      </a:fillRef>
+      <a:effectRef idx="0">
+        <a:scrgbClr r="0" g="0" b="0"/>
+      </a:effectRef>
+      <a:fontRef idx="minor"/>
+    </dgm:style>
+  </dgm:styleLbl>
+  <dgm:styleLbl name="fgShp">
+    <dgm:scene3d>
+      <a:camera prst="orthographicFront"/>
+      <a:lightRig rig="threePt" dir="t"/>
+    </dgm:scene3d>
+    <dgm:sp3d/>
+    <dgm:txPr/>
+    <dgm:style>
+      <a:lnRef idx="2">
+        <a:scrgbClr r="0" g="0" b="0"/>
+      </a:lnRef>
+      <a:fillRef idx="1">
+        <a:scrgbClr r="0" g="0" b="0"/>
+      </a:fillRef>
+      <a:effectRef idx="0">
+        <a:scrgbClr r="0" g="0" b="0"/>
+      </a:effectRef>
+      <a:fontRef idx="minor"/>
+    </dgm:style>
+  </dgm:styleLbl>
+  <dgm:styleLbl name="revTx">
+    <dgm:scene3d>
+      <a:camera prst="orthographicFront"/>
+      <a:lightRig rig="threePt" dir="t"/>
+    </dgm:scene3d>
+    <dgm:sp3d/>
+    <dgm:txPr/>
+    <dgm:style>
+      <a:lnRef idx="0">
+        <a:scrgbClr r="0" g="0" b="0"/>
+      </a:lnRef>
+      <a:fillRef idx="0">
+        <a:scrgbClr r="0" g="0" b="0"/>
+      </a:fillRef>
+      <a:effectRef idx="0">
+        <a:scrgbClr r="0" g="0" b="0"/>
+      </a:effectRef>
+      <a:fontRef idx="minor"/>
+    </dgm:style>
+  </dgm:styleLbl>
+</dgm:styleDef>
 </file>
 
 <file path=ppt/slideLayouts/slideLayout1.xml><?xml version="1.0" encoding="utf-8"?>
@@ -6826,7 +10011,356 @@
           <p:cNvPr id="2" name="Title 1">
             <a:extLst>
               <a:ext uri="{FF2B5EF4-FFF2-40B4-BE49-F238E27FC236}">
-                <a16:creationId xmlns:a16="http://schemas.microsoft.com/office/drawing/2014/main" id="{765B1717-EBCF-4987-AA17-11C39B7C896A}"/>
+                <a16:creationId xmlns:a16="http://schemas.microsoft.com/office/drawing/2014/main" id="{F55C06D7-865F-4604-85B4-71BE0126FF61}"/>
+              </a:ext>
+            </a:extLst>
+          </p:cNvPr>
+          <p:cNvSpPr>
+            <a:spLocks noGrp="1"/>
+          </p:cNvSpPr>
+          <p:nvPr>
+            <p:ph type="title"/>
+          </p:nvPr>
+        </p:nvSpPr>
+        <p:spPr>
+          <a:xfrm>
+            <a:off x="526073" y="489439"/>
+            <a:ext cx="11139854" cy="930447"/>
+          </a:xfrm>
+        </p:spPr>
+        <p:txBody>
+          <a:bodyPr vert="horz" lIns="91440" tIns="45720" rIns="91440" bIns="45720" rtlCol="0" anchor="b">
+            <a:normAutofit/>
+          </a:bodyPr>
+          <a:lstStyle/>
+          <a:p>
+            <a:pPr algn="ctr"/>
+            <a:r>
+              <a:rPr lang="en-US" sz="3000" kern="1200">
+                <a:solidFill>
+                  <a:schemeClr val="bg1"/>
+                </a:solidFill>
+                <a:latin typeface="+mj-lt"/>
+                <a:ea typeface="+mj-ea"/>
+                <a:cs typeface="+mj-cs"/>
+              </a:rPr>
+              <a:t>Right join or Right outer join : Returns all records from the table to the right of the keyword “JOIN”</a:t>
+            </a:r>
+          </a:p>
+        </p:txBody>
+      </p:sp>
+      <p:cxnSp>
+        <p:nvCxnSpPr>
+          <p:cNvPr id="14" name="Straight Connector 13">
+            <a:extLst>
+              <a:ext uri="{FF2B5EF4-FFF2-40B4-BE49-F238E27FC236}">
+                <a16:creationId xmlns:a16="http://schemas.microsoft.com/office/drawing/2014/main" id="{A82415D3-DDE5-4D63-8CB3-23A5EC581B27}"/>
+              </a:ext>
+              <a:ext uri="{C183D7F6-B498-43B3-948B-1728B52AA6E4}">
+                <adec:decorative xmlns:adec="http://schemas.microsoft.com/office/drawing/2017/decorative" val="1"/>
+              </a:ext>
+            </a:extLst>
+          </p:cNvPr>
+          <p:cNvCxnSpPr>
+            <a:cxnSpLocks noGrp="1" noRot="1" noChangeAspect="1" noMove="1" noResize="1" noEditPoints="1" noAdjustHandles="1" noChangeArrowheads="1" noChangeShapeType="1"/>
+          </p:cNvCxnSpPr>
+          <p:nvPr>
+            <p:extLst>
+              <p:ext uri="{386F3935-93C4-4BCD-93E2-E3B085C9AB24}">
+                <p16:designElem xmlns:p16="http://schemas.microsoft.com/office/powerpoint/2015/main" val="1"/>
+              </p:ext>
+            </p:extLst>
+          </p:nvPr>
+        </p:nvCxnSpPr>
+        <p:spPr>
+          <a:xfrm>
+            <a:off x="4724400" y="1479733"/>
+            <a:ext cx="2743200" cy="0"/>
+          </a:xfrm>
+          <a:prstGeom prst="line">
+            <a:avLst/>
+          </a:prstGeom>
+          <a:ln w="19050">
+            <a:solidFill>
+              <a:schemeClr val="bg1">
+                <a:alpha val="75000"/>
+              </a:schemeClr>
+            </a:solidFill>
+          </a:ln>
+        </p:spPr>
+        <p:style>
+          <a:lnRef idx="1">
+            <a:schemeClr val="accent1"/>
+          </a:lnRef>
+          <a:fillRef idx="0">
+            <a:schemeClr val="accent1"/>
+          </a:fillRef>
+          <a:effectRef idx="0">
+            <a:schemeClr val="accent1"/>
+          </a:effectRef>
+          <a:fontRef idx="minor">
+            <a:schemeClr val="tx1"/>
+          </a:fontRef>
+        </p:style>
+      </p:cxnSp>
+      <p:cxnSp>
+        <p:nvCxnSpPr>
+          <p:cNvPr id="16" name="Straight Connector 15">
+            <a:extLst>
+              <a:ext uri="{FF2B5EF4-FFF2-40B4-BE49-F238E27FC236}">
+                <a16:creationId xmlns:a16="http://schemas.microsoft.com/office/drawing/2014/main" id="{AD7193FB-6AE6-4B3B-8F89-56B55DD63B4D}"/>
+              </a:ext>
+              <a:ext uri="{C183D7F6-B498-43B3-948B-1728B52AA6E4}">
+                <adec:decorative xmlns:adec="http://schemas.microsoft.com/office/drawing/2017/decorative" val="1"/>
+              </a:ext>
+            </a:extLst>
+          </p:cNvPr>
+          <p:cNvCxnSpPr>
+            <a:cxnSpLocks noGrp="1" noRot="1" noChangeAspect="1" noMove="1" noResize="1" noEditPoints="1" noAdjustHandles="1" noChangeArrowheads="1" noChangeShapeType="1"/>
+          </p:cNvCxnSpPr>
+          <p:nvPr>
+            <p:extLst>
+              <p:ext uri="{386F3935-93C4-4BCD-93E2-E3B085C9AB24}">
+                <p16:designElem xmlns:p16="http://schemas.microsoft.com/office/powerpoint/2015/main" val="1"/>
+              </p:ext>
+            </p:extLst>
+          </p:nvPr>
+        </p:nvCxnSpPr>
+        <p:spPr bwMode="white">
+          <a:xfrm>
+            <a:off x="0" y="2201402"/>
+            <a:ext cx="12188824" cy="0"/>
+          </a:xfrm>
+          <a:prstGeom prst="line">
+            <a:avLst/>
+          </a:prstGeom>
+          <a:ln w="50800">
+            <a:solidFill>
+              <a:schemeClr val="tx1">
+                <a:lumMod val="75000"/>
+                <a:lumOff val="25000"/>
+              </a:schemeClr>
+            </a:solidFill>
+          </a:ln>
+        </p:spPr>
+        <p:style>
+          <a:lnRef idx="1">
+            <a:schemeClr val="accent1"/>
+          </a:lnRef>
+          <a:fillRef idx="0">
+            <a:schemeClr val="accent1"/>
+          </a:fillRef>
+          <a:effectRef idx="0">
+            <a:schemeClr val="accent1"/>
+          </a:effectRef>
+          <a:fontRef idx="minor">
+            <a:schemeClr val="tx1"/>
+          </a:fontRef>
+        </p:style>
+      </p:cxnSp>
+      <p:pic>
+        <p:nvPicPr>
+          <p:cNvPr id="5" name="Content Placeholder 4" descr="Shape, arrow, funnel chart&#10;&#10;Description automatically generated">
+            <a:extLst>
+              <a:ext uri="{FF2B5EF4-FFF2-40B4-BE49-F238E27FC236}">
+                <a16:creationId xmlns:a16="http://schemas.microsoft.com/office/drawing/2014/main" id="{B13C746C-79FE-4BB0-942E-023B52A00844}"/>
+              </a:ext>
+            </a:extLst>
+          </p:cNvPr>
+          <p:cNvPicPr>
+            <a:picLocks noGrp="1" noChangeAspect="1"/>
+          </p:cNvPicPr>
+          <p:nvPr>
+            <p:ph idx="1"/>
+          </p:nvPr>
+        </p:nvPicPr>
+        <p:blipFill>
+          <a:blip r:embed="rId2">
+            <a:extLst>
+              <a:ext uri="{28A0092B-C50C-407E-A947-70E740481C1C}">
+                <a14:useLocalDpi xmlns:a14="http://schemas.microsoft.com/office/drawing/2010/main" val="0"/>
+              </a:ext>
+            </a:extLst>
+          </a:blip>
+          <a:stretch>
+            <a:fillRect/>
+          </a:stretch>
+        </p:blipFill>
+        <p:spPr>
+          <a:xfrm>
+            <a:off x="357538" y="2427541"/>
+            <a:ext cx="11421824" cy="3997637"/>
+          </a:xfrm>
+          <a:prstGeom prst="rect">
+            <a:avLst/>
+          </a:prstGeom>
+        </p:spPr>
+      </p:pic>
+    </p:spTree>
+    <p:extLst>
+      <p:ext uri="{BB962C8B-B14F-4D97-AF65-F5344CB8AC3E}">
+        <p14:creationId xmlns:p14="http://schemas.microsoft.com/office/powerpoint/2010/main" val="4063834642"/>
+      </p:ext>
+    </p:extLst>
+  </p:cSld>
+  <p:clrMapOvr>
+    <a:masterClrMapping/>
+  </p:clrMapOvr>
+</p:sld>
+</file>
+
+<file path=ppt/slides/slide11.xml><?xml version="1.0" encoding="utf-8"?>
+<p:sld xmlns:a="http://schemas.openxmlformats.org/drawingml/2006/main" xmlns:r="http://schemas.openxmlformats.org/officeDocument/2006/relationships" xmlns:p="http://schemas.openxmlformats.org/presentationml/2006/main">
+  <p:cSld>
+    <p:bg>
+      <p:bgPr>
+        <a:solidFill>
+          <a:schemeClr val="bg1"/>
+        </a:solidFill>
+        <a:effectLst/>
+      </p:bgPr>
+    </p:bg>
+    <p:spTree>
+      <p:nvGrpSpPr>
+        <p:cNvPr id="1" name=""/>
+        <p:cNvGrpSpPr/>
+        <p:nvPr/>
+      </p:nvGrpSpPr>
+      <p:grpSpPr>
+        <a:xfrm>
+          <a:off x="0" y="0"/>
+          <a:ext cx="0" cy="0"/>
+          <a:chOff x="0" y="0"/>
+          <a:chExt cx="0" cy="0"/>
+        </a:xfrm>
+      </p:grpSpPr>
+      <p:cxnSp>
+        <p:nvCxnSpPr>
+          <p:cNvPr id="14" name="Straight Connector 13">
+            <a:extLst>
+              <a:ext uri="{FF2B5EF4-FFF2-40B4-BE49-F238E27FC236}">
+                <a16:creationId xmlns:a16="http://schemas.microsoft.com/office/drawing/2014/main" id="{D2E961F1-4A28-4A5F-BBD4-6E400E5E6C75}"/>
+              </a:ext>
+              <a:ext uri="{C183D7F6-B498-43B3-948B-1728B52AA6E4}">
+                <adec:decorative xmlns:adec="http://schemas.microsoft.com/office/drawing/2017/decorative" val="1"/>
+              </a:ext>
+            </a:extLst>
+          </p:cNvPr>
+          <p:cNvCxnSpPr>
+            <a:cxnSpLocks noGrp="1" noRot="1" noChangeAspect="1" noMove="1" noResize="1" noEditPoints="1" noAdjustHandles="1" noChangeArrowheads="1" noChangeShapeType="1"/>
+          </p:cNvCxnSpPr>
+          <p:nvPr>
+            <p:extLst>
+              <p:ext uri="{386F3935-93C4-4BCD-93E2-E3B085C9AB24}">
+                <p16:designElem xmlns:p16="http://schemas.microsoft.com/office/powerpoint/2015/main" val="1"/>
+              </p:ext>
+            </p:extLst>
+          </p:nvPr>
+        </p:nvCxnSpPr>
+        <p:spPr bwMode="white">
+          <a:xfrm>
+            <a:off x="0" y="272357"/>
+            <a:ext cx="12188824" cy="0"/>
+          </a:xfrm>
+          <a:prstGeom prst="line">
+            <a:avLst/>
+          </a:prstGeom>
+          <a:ln w="50800">
+            <a:solidFill>
+              <a:schemeClr val="tx1">
+                <a:lumMod val="75000"/>
+                <a:lumOff val="25000"/>
+              </a:schemeClr>
+            </a:solidFill>
+          </a:ln>
+        </p:spPr>
+        <p:style>
+          <a:lnRef idx="1">
+            <a:schemeClr val="accent1"/>
+          </a:lnRef>
+          <a:fillRef idx="0">
+            <a:schemeClr val="accent1"/>
+          </a:fillRef>
+          <a:effectRef idx="0">
+            <a:schemeClr val="accent1"/>
+          </a:effectRef>
+          <a:fontRef idx="minor">
+            <a:schemeClr val="tx1"/>
+          </a:fontRef>
+        </p:style>
+      </p:cxnSp>
+      <p:sp>
+        <p:nvSpPr>
+          <p:cNvPr id="16" name="Rectangle 15">
+            <a:extLst>
+              <a:ext uri="{FF2B5EF4-FFF2-40B4-BE49-F238E27FC236}">
+                <a16:creationId xmlns:a16="http://schemas.microsoft.com/office/drawing/2014/main" id="{7F57BEA8-497D-4AA8-8A18-BDCD696B25FE}"/>
+              </a:ext>
+              <a:ext uri="{C183D7F6-B498-43B3-948B-1728B52AA6E4}">
+                <adec:decorative xmlns:adec="http://schemas.microsoft.com/office/drawing/2017/decorative" val="1"/>
+              </a:ext>
+            </a:extLst>
+          </p:cNvPr>
+          <p:cNvSpPr>
+            <a:spLocks noGrp="1" noRot="1" noChangeAspect="1" noMove="1" noResize="1" noEditPoints="1" noAdjustHandles="1" noChangeArrowheads="1" noChangeShapeType="1" noTextEdit="1"/>
+          </p:cNvSpPr>
+          <p:nvPr>
+            <p:extLst>
+              <p:ext uri="{386F3935-93C4-4BCD-93E2-E3B085C9AB24}">
+                <p16:designElem xmlns:p16="http://schemas.microsoft.com/office/powerpoint/2015/main" val="1"/>
+              </p:ext>
+            </p:extLst>
+          </p:nvPr>
+        </p:nvSpPr>
+        <p:spPr>
+          <a:xfrm>
+            <a:off x="0" y="368596"/>
+            <a:ext cx="12192000" cy="1735555"/>
+          </a:xfrm>
+          <a:prstGeom prst="rect">
+            <a:avLst/>
+          </a:prstGeom>
+          <a:solidFill>
+            <a:schemeClr val="tx1">
+              <a:lumMod val="75000"/>
+              <a:lumOff val="25000"/>
+            </a:schemeClr>
+          </a:solidFill>
+          <a:ln>
+            <a:noFill/>
+          </a:ln>
+        </p:spPr>
+        <p:style>
+          <a:lnRef idx="2">
+            <a:schemeClr val="accent1">
+              <a:shade val="50000"/>
+            </a:schemeClr>
+          </a:lnRef>
+          <a:fillRef idx="1">
+            <a:schemeClr val="accent1"/>
+          </a:fillRef>
+          <a:effectRef idx="0">
+            <a:schemeClr val="accent1"/>
+          </a:effectRef>
+          <a:fontRef idx="minor">
+            <a:schemeClr val="lt1"/>
+          </a:fontRef>
+        </p:style>
+        <p:txBody>
+          <a:bodyPr rtlCol="0" anchor="ctr"/>
+          <a:lstStyle/>
+          <a:p>
+            <a:pPr algn="ctr"/>
+            <a:endParaRPr lang="en-US"/>
+          </a:p>
+        </p:txBody>
+      </p:sp>
+      <p:sp>
+        <p:nvSpPr>
+          <p:cNvPr id="2" name="Title 1">
+            <a:extLst>
+              <a:ext uri="{FF2B5EF4-FFF2-40B4-BE49-F238E27FC236}">
+                <a16:creationId xmlns:a16="http://schemas.microsoft.com/office/drawing/2014/main" id="{3BB84CDE-338D-4260-8495-19DF18A9F289}"/>
               </a:ext>
             </a:extLst>
           </p:cNvPr>
@@ -6859,7 +10393,356 @@
                 <a:ea typeface="+mj-ea"/>
                 <a:cs typeface="+mj-cs"/>
               </a:rPr>
-              <a:t>Display mismatch row using left join</a:t>
+              <a:t>Self Join- Joining a table with itself</a:t>
+            </a:r>
+          </a:p>
+        </p:txBody>
+      </p:sp>
+      <p:cxnSp>
+        <p:nvCxnSpPr>
+          <p:cNvPr id="18" name="Straight Connector 17">
+            <a:extLst>
+              <a:ext uri="{FF2B5EF4-FFF2-40B4-BE49-F238E27FC236}">
+                <a16:creationId xmlns:a16="http://schemas.microsoft.com/office/drawing/2014/main" id="{A82415D3-DDE5-4D63-8CB3-23A5EC581B27}"/>
+              </a:ext>
+              <a:ext uri="{C183D7F6-B498-43B3-948B-1728B52AA6E4}">
+                <adec:decorative xmlns:adec="http://schemas.microsoft.com/office/drawing/2017/decorative" val="1"/>
+              </a:ext>
+            </a:extLst>
+          </p:cNvPr>
+          <p:cNvCxnSpPr>
+            <a:cxnSpLocks noGrp="1" noRot="1" noChangeAspect="1" noMove="1" noResize="1" noEditPoints="1" noAdjustHandles="1" noChangeArrowheads="1" noChangeShapeType="1"/>
+          </p:cNvCxnSpPr>
+          <p:nvPr>
+            <p:extLst>
+              <p:ext uri="{386F3935-93C4-4BCD-93E2-E3B085C9AB24}">
+                <p16:designElem xmlns:p16="http://schemas.microsoft.com/office/powerpoint/2015/main" val="1"/>
+              </p:ext>
+            </p:extLst>
+          </p:nvPr>
+        </p:nvCxnSpPr>
+        <p:spPr>
+          <a:xfrm>
+            <a:off x="4724400" y="1479733"/>
+            <a:ext cx="2743200" cy="0"/>
+          </a:xfrm>
+          <a:prstGeom prst="line">
+            <a:avLst/>
+          </a:prstGeom>
+          <a:ln w="19050">
+            <a:solidFill>
+              <a:schemeClr val="bg1">
+                <a:alpha val="75000"/>
+              </a:schemeClr>
+            </a:solidFill>
+          </a:ln>
+        </p:spPr>
+        <p:style>
+          <a:lnRef idx="1">
+            <a:schemeClr val="accent1"/>
+          </a:lnRef>
+          <a:fillRef idx="0">
+            <a:schemeClr val="accent1"/>
+          </a:fillRef>
+          <a:effectRef idx="0">
+            <a:schemeClr val="accent1"/>
+          </a:effectRef>
+          <a:fontRef idx="minor">
+            <a:schemeClr val="tx1"/>
+          </a:fontRef>
+        </p:style>
+      </p:cxnSp>
+      <p:cxnSp>
+        <p:nvCxnSpPr>
+          <p:cNvPr id="20" name="Straight Connector 19">
+            <a:extLst>
+              <a:ext uri="{FF2B5EF4-FFF2-40B4-BE49-F238E27FC236}">
+                <a16:creationId xmlns:a16="http://schemas.microsoft.com/office/drawing/2014/main" id="{AD7193FB-6AE6-4B3B-8F89-56B55DD63B4D}"/>
+              </a:ext>
+              <a:ext uri="{C183D7F6-B498-43B3-948B-1728B52AA6E4}">
+                <adec:decorative xmlns:adec="http://schemas.microsoft.com/office/drawing/2017/decorative" val="1"/>
+              </a:ext>
+            </a:extLst>
+          </p:cNvPr>
+          <p:cNvCxnSpPr>
+            <a:cxnSpLocks noGrp="1" noRot="1" noChangeAspect="1" noMove="1" noResize="1" noEditPoints="1" noAdjustHandles="1" noChangeArrowheads="1" noChangeShapeType="1"/>
+          </p:cNvCxnSpPr>
+          <p:nvPr>
+            <p:extLst>
+              <p:ext uri="{386F3935-93C4-4BCD-93E2-E3B085C9AB24}">
+                <p16:designElem xmlns:p16="http://schemas.microsoft.com/office/powerpoint/2015/main" val="1"/>
+              </p:ext>
+            </p:extLst>
+          </p:nvPr>
+        </p:nvCxnSpPr>
+        <p:spPr bwMode="white">
+          <a:xfrm>
+            <a:off x="0" y="2201402"/>
+            <a:ext cx="12188824" cy="0"/>
+          </a:xfrm>
+          <a:prstGeom prst="line">
+            <a:avLst/>
+          </a:prstGeom>
+          <a:ln w="50800">
+            <a:solidFill>
+              <a:schemeClr val="tx1">
+                <a:lumMod val="75000"/>
+                <a:lumOff val="25000"/>
+              </a:schemeClr>
+            </a:solidFill>
+          </a:ln>
+        </p:spPr>
+        <p:style>
+          <a:lnRef idx="1">
+            <a:schemeClr val="accent1"/>
+          </a:lnRef>
+          <a:fillRef idx="0">
+            <a:schemeClr val="accent1"/>
+          </a:fillRef>
+          <a:effectRef idx="0">
+            <a:schemeClr val="accent1"/>
+          </a:effectRef>
+          <a:fontRef idx="minor">
+            <a:schemeClr val="tx1"/>
+          </a:fontRef>
+        </p:style>
+      </p:cxnSp>
+      <p:pic>
+        <p:nvPicPr>
+          <p:cNvPr id="9" name="Content Placeholder 8" descr="Arrow&#10;&#10;Description automatically generated with medium confidence">
+            <a:extLst>
+              <a:ext uri="{FF2B5EF4-FFF2-40B4-BE49-F238E27FC236}">
+                <a16:creationId xmlns:a16="http://schemas.microsoft.com/office/drawing/2014/main" id="{84B91E81-BFD5-4A1D-A982-BBFAF6613B54}"/>
+              </a:ext>
+            </a:extLst>
+          </p:cNvPr>
+          <p:cNvPicPr>
+            <a:picLocks noGrp="1" noChangeAspect="1"/>
+          </p:cNvPicPr>
+          <p:nvPr>
+            <p:ph idx="1"/>
+          </p:nvPr>
+        </p:nvPicPr>
+        <p:blipFill>
+          <a:blip r:embed="rId2">
+            <a:extLst>
+              <a:ext uri="{28A0092B-C50C-407E-A947-70E740481C1C}">
+                <a14:useLocalDpi xmlns:a14="http://schemas.microsoft.com/office/drawing/2010/main" val="0"/>
+              </a:ext>
+            </a:extLst>
+          </a:blip>
+          <a:stretch>
+            <a:fillRect/>
+          </a:stretch>
+        </p:blipFill>
+        <p:spPr>
+          <a:xfrm>
+            <a:off x="516177" y="2427541"/>
+            <a:ext cx="11104547" cy="3997637"/>
+          </a:xfrm>
+          <a:prstGeom prst="rect">
+            <a:avLst/>
+          </a:prstGeom>
+        </p:spPr>
+      </p:pic>
+    </p:spTree>
+    <p:extLst>
+      <p:ext uri="{BB962C8B-B14F-4D97-AF65-F5344CB8AC3E}">
+        <p14:creationId xmlns:p14="http://schemas.microsoft.com/office/powerpoint/2010/main" val="415634593"/>
+      </p:ext>
+    </p:extLst>
+  </p:cSld>
+  <p:clrMapOvr>
+    <a:masterClrMapping/>
+  </p:clrMapOvr>
+</p:sld>
+</file>
+
+<file path=ppt/slides/slide12.xml><?xml version="1.0" encoding="utf-8"?>
+<p:sld xmlns:a="http://schemas.openxmlformats.org/drawingml/2006/main" xmlns:r="http://schemas.openxmlformats.org/officeDocument/2006/relationships" xmlns:p="http://schemas.openxmlformats.org/presentationml/2006/main">
+  <p:cSld>
+    <p:bg>
+      <p:bgPr>
+        <a:solidFill>
+          <a:schemeClr val="bg1"/>
+        </a:solidFill>
+        <a:effectLst/>
+      </p:bgPr>
+    </p:bg>
+    <p:spTree>
+      <p:nvGrpSpPr>
+        <p:cNvPr id="1" name=""/>
+        <p:cNvGrpSpPr/>
+        <p:nvPr/>
+      </p:nvGrpSpPr>
+      <p:grpSpPr>
+        <a:xfrm>
+          <a:off x="0" y="0"/>
+          <a:ext cx="0" cy="0"/>
+          <a:chOff x="0" y="0"/>
+          <a:chExt cx="0" cy="0"/>
+        </a:xfrm>
+      </p:grpSpPr>
+      <p:cxnSp>
+        <p:nvCxnSpPr>
+          <p:cNvPr id="10" name="Straight Connector 9">
+            <a:extLst>
+              <a:ext uri="{FF2B5EF4-FFF2-40B4-BE49-F238E27FC236}">
+                <a16:creationId xmlns:a16="http://schemas.microsoft.com/office/drawing/2014/main" id="{D2E961F1-4A28-4A5F-BBD4-6E400E5E6C75}"/>
+              </a:ext>
+              <a:ext uri="{C183D7F6-B498-43B3-948B-1728B52AA6E4}">
+                <adec:decorative xmlns:adec="http://schemas.microsoft.com/office/drawing/2017/decorative" val="1"/>
+              </a:ext>
+            </a:extLst>
+          </p:cNvPr>
+          <p:cNvCxnSpPr>
+            <a:cxnSpLocks noGrp="1" noRot="1" noChangeAspect="1" noMove="1" noResize="1" noEditPoints="1" noAdjustHandles="1" noChangeArrowheads="1" noChangeShapeType="1"/>
+          </p:cNvCxnSpPr>
+          <p:nvPr>
+            <p:extLst>
+              <p:ext uri="{386F3935-93C4-4BCD-93E2-E3B085C9AB24}">
+                <p16:designElem xmlns:p16="http://schemas.microsoft.com/office/powerpoint/2015/main" val="1"/>
+              </p:ext>
+            </p:extLst>
+          </p:nvPr>
+        </p:nvCxnSpPr>
+        <p:spPr bwMode="white">
+          <a:xfrm>
+            <a:off x="0" y="272357"/>
+            <a:ext cx="12188824" cy="0"/>
+          </a:xfrm>
+          <a:prstGeom prst="line">
+            <a:avLst/>
+          </a:prstGeom>
+          <a:ln w="50800">
+            <a:solidFill>
+              <a:schemeClr val="tx1">
+                <a:lumMod val="75000"/>
+                <a:lumOff val="25000"/>
+              </a:schemeClr>
+            </a:solidFill>
+          </a:ln>
+        </p:spPr>
+        <p:style>
+          <a:lnRef idx="1">
+            <a:schemeClr val="accent1"/>
+          </a:lnRef>
+          <a:fillRef idx="0">
+            <a:schemeClr val="accent1"/>
+          </a:fillRef>
+          <a:effectRef idx="0">
+            <a:schemeClr val="accent1"/>
+          </a:effectRef>
+          <a:fontRef idx="minor">
+            <a:schemeClr val="tx1"/>
+          </a:fontRef>
+        </p:style>
+      </p:cxnSp>
+      <p:sp>
+        <p:nvSpPr>
+          <p:cNvPr id="12" name="Rectangle 11">
+            <a:extLst>
+              <a:ext uri="{FF2B5EF4-FFF2-40B4-BE49-F238E27FC236}">
+                <a16:creationId xmlns:a16="http://schemas.microsoft.com/office/drawing/2014/main" id="{7F57BEA8-497D-4AA8-8A18-BDCD696B25FE}"/>
+              </a:ext>
+              <a:ext uri="{C183D7F6-B498-43B3-948B-1728B52AA6E4}">
+                <adec:decorative xmlns:adec="http://schemas.microsoft.com/office/drawing/2017/decorative" val="1"/>
+              </a:ext>
+            </a:extLst>
+          </p:cNvPr>
+          <p:cNvSpPr>
+            <a:spLocks noGrp="1" noRot="1" noChangeAspect="1" noMove="1" noResize="1" noEditPoints="1" noAdjustHandles="1" noChangeArrowheads="1" noChangeShapeType="1" noTextEdit="1"/>
+          </p:cNvSpPr>
+          <p:nvPr>
+            <p:extLst>
+              <p:ext uri="{386F3935-93C4-4BCD-93E2-E3B085C9AB24}">
+                <p16:designElem xmlns:p16="http://schemas.microsoft.com/office/powerpoint/2015/main" val="1"/>
+              </p:ext>
+            </p:extLst>
+          </p:nvPr>
+        </p:nvSpPr>
+        <p:spPr>
+          <a:xfrm>
+            <a:off x="0" y="368596"/>
+            <a:ext cx="12192000" cy="1735555"/>
+          </a:xfrm>
+          <a:prstGeom prst="rect">
+            <a:avLst/>
+          </a:prstGeom>
+          <a:solidFill>
+            <a:schemeClr val="tx1">
+              <a:lumMod val="75000"/>
+              <a:lumOff val="25000"/>
+            </a:schemeClr>
+          </a:solidFill>
+          <a:ln>
+            <a:noFill/>
+          </a:ln>
+        </p:spPr>
+        <p:style>
+          <a:lnRef idx="2">
+            <a:schemeClr val="accent1">
+              <a:shade val="50000"/>
+            </a:schemeClr>
+          </a:lnRef>
+          <a:fillRef idx="1">
+            <a:schemeClr val="accent1"/>
+          </a:fillRef>
+          <a:effectRef idx="0">
+            <a:schemeClr val="accent1"/>
+          </a:effectRef>
+          <a:fontRef idx="minor">
+            <a:schemeClr val="lt1"/>
+          </a:fontRef>
+        </p:style>
+        <p:txBody>
+          <a:bodyPr rtlCol="0" anchor="ctr"/>
+          <a:lstStyle/>
+          <a:p>
+            <a:pPr algn="ctr"/>
+            <a:endParaRPr lang="en-US"/>
+          </a:p>
+        </p:txBody>
+      </p:sp>
+      <p:sp>
+        <p:nvSpPr>
+          <p:cNvPr id="2" name="Title 1">
+            <a:extLst>
+              <a:ext uri="{FF2B5EF4-FFF2-40B4-BE49-F238E27FC236}">
+                <a16:creationId xmlns:a16="http://schemas.microsoft.com/office/drawing/2014/main" id="{568A8BF9-2479-44F5-9796-665877A1DC91}"/>
+              </a:ext>
+            </a:extLst>
+          </p:cNvPr>
+          <p:cNvSpPr>
+            <a:spLocks noGrp="1"/>
+          </p:cNvSpPr>
+          <p:nvPr>
+            <p:ph type="title"/>
+          </p:nvPr>
+        </p:nvSpPr>
+        <p:spPr>
+          <a:xfrm>
+            <a:off x="526073" y="489439"/>
+            <a:ext cx="11139854" cy="930447"/>
+          </a:xfrm>
+        </p:spPr>
+        <p:txBody>
+          <a:bodyPr vert="horz" lIns="91440" tIns="45720" rIns="91440" bIns="45720" rtlCol="0" anchor="b">
+            <a:normAutofit/>
+          </a:bodyPr>
+          <a:lstStyle/>
+          <a:p>
+            <a:pPr algn="ctr"/>
+            <a:r>
+              <a:rPr lang="en-US" sz="3400" kern="1200">
+                <a:solidFill>
+                  <a:schemeClr val="bg1"/>
+                </a:solidFill>
+                <a:latin typeface="+mj-lt"/>
+                <a:ea typeface="+mj-ea"/>
+                <a:cs typeface="+mj-cs"/>
+              </a:rPr>
+              <a:t>Cross Join- Returns Cartesian product between two tables</a:t>
             </a:r>
           </a:p>
         </p:txBody>
@@ -6978,6 +10861,355 @@
           <p:cNvPr id="5" name="Content Placeholder 4" descr="Arrow&#10;&#10;Description automatically generated">
             <a:extLst>
               <a:ext uri="{FF2B5EF4-FFF2-40B4-BE49-F238E27FC236}">
+                <a16:creationId xmlns:a16="http://schemas.microsoft.com/office/drawing/2014/main" id="{A91C2A30-E4C6-436F-86E5-E46BB884C763}"/>
+              </a:ext>
+            </a:extLst>
+          </p:cNvPr>
+          <p:cNvPicPr>
+            <a:picLocks noGrp="1" noChangeAspect="1"/>
+          </p:cNvPicPr>
+          <p:nvPr>
+            <p:ph idx="1"/>
+          </p:nvPr>
+        </p:nvPicPr>
+        <p:blipFill>
+          <a:blip r:embed="rId2">
+            <a:extLst>
+              <a:ext uri="{28A0092B-C50C-407E-A947-70E740481C1C}">
+                <a14:useLocalDpi xmlns:a14="http://schemas.microsoft.com/office/drawing/2010/main" val="0"/>
+              </a:ext>
+            </a:extLst>
+          </a:blip>
+          <a:stretch>
+            <a:fillRect/>
+          </a:stretch>
+        </p:blipFill>
+        <p:spPr>
+          <a:xfrm>
+            <a:off x="808400" y="2427541"/>
+            <a:ext cx="10520100" cy="3997637"/>
+          </a:xfrm>
+          <a:prstGeom prst="rect">
+            <a:avLst/>
+          </a:prstGeom>
+        </p:spPr>
+      </p:pic>
+    </p:spTree>
+    <p:extLst>
+      <p:ext uri="{BB962C8B-B14F-4D97-AF65-F5344CB8AC3E}">
+        <p14:creationId xmlns:p14="http://schemas.microsoft.com/office/powerpoint/2010/main" val="1485602332"/>
+      </p:ext>
+    </p:extLst>
+  </p:cSld>
+  <p:clrMapOvr>
+    <a:masterClrMapping/>
+  </p:clrMapOvr>
+</p:sld>
+</file>
+
+<file path=ppt/slides/slide13.xml><?xml version="1.0" encoding="utf-8"?>
+<p:sld xmlns:a="http://schemas.openxmlformats.org/drawingml/2006/main" xmlns:r="http://schemas.openxmlformats.org/officeDocument/2006/relationships" xmlns:p="http://schemas.openxmlformats.org/presentationml/2006/main">
+  <p:cSld>
+    <p:bg>
+      <p:bgPr>
+        <a:solidFill>
+          <a:schemeClr val="bg1"/>
+        </a:solidFill>
+        <a:effectLst/>
+      </p:bgPr>
+    </p:bg>
+    <p:spTree>
+      <p:nvGrpSpPr>
+        <p:cNvPr id="1" name=""/>
+        <p:cNvGrpSpPr/>
+        <p:nvPr/>
+      </p:nvGrpSpPr>
+      <p:grpSpPr>
+        <a:xfrm>
+          <a:off x="0" y="0"/>
+          <a:ext cx="0" cy="0"/>
+          <a:chOff x="0" y="0"/>
+          <a:chExt cx="0" cy="0"/>
+        </a:xfrm>
+      </p:grpSpPr>
+      <p:cxnSp>
+        <p:nvCxnSpPr>
+          <p:cNvPr id="10" name="Straight Connector 9">
+            <a:extLst>
+              <a:ext uri="{FF2B5EF4-FFF2-40B4-BE49-F238E27FC236}">
+                <a16:creationId xmlns:a16="http://schemas.microsoft.com/office/drawing/2014/main" id="{D2E961F1-4A28-4A5F-BBD4-6E400E5E6C75}"/>
+              </a:ext>
+              <a:ext uri="{C183D7F6-B498-43B3-948B-1728B52AA6E4}">
+                <adec:decorative xmlns:adec="http://schemas.microsoft.com/office/drawing/2017/decorative" val="1"/>
+              </a:ext>
+            </a:extLst>
+          </p:cNvPr>
+          <p:cNvCxnSpPr>
+            <a:cxnSpLocks noGrp="1" noRot="1" noChangeAspect="1" noMove="1" noResize="1" noEditPoints="1" noAdjustHandles="1" noChangeArrowheads="1" noChangeShapeType="1"/>
+          </p:cNvCxnSpPr>
+          <p:nvPr>
+            <p:extLst>
+              <p:ext uri="{386F3935-93C4-4BCD-93E2-E3B085C9AB24}">
+                <p16:designElem xmlns:p16="http://schemas.microsoft.com/office/powerpoint/2015/main" val="1"/>
+              </p:ext>
+            </p:extLst>
+          </p:nvPr>
+        </p:nvCxnSpPr>
+        <p:spPr bwMode="white">
+          <a:xfrm>
+            <a:off x="0" y="272357"/>
+            <a:ext cx="12188824" cy="0"/>
+          </a:xfrm>
+          <a:prstGeom prst="line">
+            <a:avLst/>
+          </a:prstGeom>
+          <a:ln w="50800">
+            <a:solidFill>
+              <a:schemeClr val="tx1">
+                <a:lumMod val="75000"/>
+                <a:lumOff val="25000"/>
+              </a:schemeClr>
+            </a:solidFill>
+          </a:ln>
+        </p:spPr>
+        <p:style>
+          <a:lnRef idx="1">
+            <a:schemeClr val="accent1"/>
+          </a:lnRef>
+          <a:fillRef idx="0">
+            <a:schemeClr val="accent1"/>
+          </a:fillRef>
+          <a:effectRef idx="0">
+            <a:schemeClr val="accent1"/>
+          </a:effectRef>
+          <a:fontRef idx="minor">
+            <a:schemeClr val="tx1"/>
+          </a:fontRef>
+        </p:style>
+      </p:cxnSp>
+      <p:sp>
+        <p:nvSpPr>
+          <p:cNvPr id="12" name="Rectangle 11">
+            <a:extLst>
+              <a:ext uri="{FF2B5EF4-FFF2-40B4-BE49-F238E27FC236}">
+                <a16:creationId xmlns:a16="http://schemas.microsoft.com/office/drawing/2014/main" id="{7F57BEA8-497D-4AA8-8A18-BDCD696B25FE}"/>
+              </a:ext>
+              <a:ext uri="{C183D7F6-B498-43B3-948B-1728B52AA6E4}">
+                <adec:decorative xmlns:adec="http://schemas.microsoft.com/office/drawing/2017/decorative" val="1"/>
+              </a:ext>
+            </a:extLst>
+          </p:cNvPr>
+          <p:cNvSpPr>
+            <a:spLocks noGrp="1" noRot="1" noChangeAspect="1" noMove="1" noResize="1" noEditPoints="1" noAdjustHandles="1" noChangeArrowheads="1" noChangeShapeType="1" noTextEdit="1"/>
+          </p:cNvSpPr>
+          <p:nvPr>
+            <p:extLst>
+              <p:ext uri="{386F3935-93C4-4BCD-93E2-E3B085C9AB24}">
+                <p16:designElem xmlns:p16="http://schemas.microsoft.com/office/powerpoint/2015/main" val="1"/>
+              </p:ext>
+            </p:extLst>
+          </p:nvPr>
+        </p:nvSpPr>
+        <p:spPr>
+          <a:xfrm>
+            <a:off x="0" y="368596"/>
+            <a:ext cx="12192000" cy="1735555"/>
+          </a:xfrm>
+          <a:prstGeom prst="rect">
+            <a:avLst/>
+          </a:prstGeom>
+          <a:solidFill>
+            <a:schemeClr val="tx1">
+              <a:lumMod val="75000"/>
+              <a:lumOff val="25000"/>
+            </a:schemeClr>
+          </a:solidFill>
+          <a:ln>
+            <a:noFill/>
+          </a:ln>
+        </p:spPr>
+        <p:style>
+          <a:lnRef idx="2">
+            <a:schemeClr val="accent1">
+              <a:shade val="50000"/>
+            </a:schemeClr>
+          </a:lnRef>
+          <a:fillRef idx="1">
+            <a:schemeClr val="accent1"/>
+          </a:fillRef>
+          <a:effectRef idx="0">
+            <a:schemeClr val="accent1"/>
+          </a:effectRef>
+          <a:fontRef idx="minor">
+            <a:schemeClr val="lt1"/>
+          </a:fontRef>
+        </p:style>
+        <p:txBody>
+          <a:bodyPr rtlCol="0" anchor="ctr"/>
+          <a:lstStyle/>
+          <a:p>
+            <a:pPr algn="ctr"/>
+            <a:endParaRPr lang="en-US"/>
+          </a:p>
+        </p:txBody>
+      </p:sp>
+      <p:sp>
+        <p:nvSpPr>
+          <p:cNvPr id="2" name="Title 1">
+            <a:extLst>
+              <a:ext uri="{FF2B5EF4-FFF2-40B4-BE49-F238E27FC236}">
+                <a16:creationId xmlns:a16="http://schemas.microsoft.com/office/drawing/2014/main" id="{765B1717-EBCF-4987-AA17-11C39B7C896A}"/>
+              </a:ext>
+            </a:extLst>
+          </p:cNvPr>
+          <p:cNvSpPr>
+            <a:spLocks noGrp="1"/>
+          </p:cNvSpPr>
+          <p:nvPr>
+            <p:ph type="title"/>
+          </p:nvPr>
+        </p:nvSpPr>
+        <p:spPr>
+          <a:xfrm>
+            <a:off x="526073" y="489439"/>
+            <a:ext cx="11139854" cy="930447"/>
+          </a:xfrm>
+        </p:spPr>
+        <p:txBody>
+          <a:bodyPr vert="horz" lIns="91440" tIns="45720" rIns="91440" bIns="45720" rtlCol="0" anchor="b">
+            <a:normAutofit/>
+          </a:bodyPr>
+          <a:lstStyle/>
+          <a:p>
+            <a:pPr algn="ctr"/>
+            <a:r>
+              <a:rPr lang="en-US" sz="5400" kern="1200">
+                <a:solidFill>
+                  <a:schemeClr val="bg1"/>
+                </a:solidFill>
+                <a:latin typeface="+mj-lt"/>
+                <a:ea typeface="+mj-ea"/>
+                <a:cs typeface="+mj-cs"/>
+              </a:rPr>
+              <a:t>Display mismatch row using left join</a:t>
+            </a:r>
+          </a:p>
+        </p:txBody>
+      </p:sp>
+      <p:cxnSp>
+        <p:nvCxnSpPr>
+          <p:cNvPr id="14" name="Straight Connector 13">
+            <a:extLst>
+              <a:ext uri="{FF2B5EF4-FFF2-40B4-BE49-F238E27FC236}">
+                <a16:creationId xmlns:a16="http://schemas.microsoft.com/office/drawing/2014/main" id="{A82415D3-DDE5-4D63-8CB3-23A5EC581B27}"/>
+              </a:ext>
+              <a:ext uri="{C183D7F6-B498-43B3-948B-1728B52AA6E4}">
+                <adec:decorative xmlns:adec="http://schemas.microsoft.com/office/drawing/2017/decorative" val="1"/>
+              </a:ext>
+            </a:extLst>
+          </p:cNvPr>
+          <p:cNvCxnSpPr>
+            <a:cxnSpLocks noGrp="1" noRot="1" noChangeAspect="1" noMove="1" noResize="1" noEditPoints="1" noAdjustHandles="1" noChangeArrowheads="1" noChangeShapeType="1"/>
+          </p:cNvCxnSpPr>
+          <p:nvPr>
+            <p:extLst>
+              <p:ext uri="{386F3935-93C4-4BCD-93E2-E3B085C9AB24}">
+                <p16:designElem xmlns:p16="http://schemas.microsoft.com/office/powerpoint/2015/main" val="1"/>
+              </p:ext>
+            </p:extLst>
+          </p:nvPr>
+        </p:nvCxnSpPr>
+        <p:spPr>
+          <a:xfrm>
+            <a:off x="4724400" y="1479733"/>
+            <a:ext cx="2743200" cy="0"/>
+          </a:xfrm>
+          <a:prstGeom prst="line">
+            <a:avLst/>
+          </a:prstGeom>
+          <a:ln w="19050">
+            <a:solidFill>
+              <a:schemeClr val="bg1">
+                <a:alpha val="75000"/>
+              </a:schemeClr>
+            </a:solidFill>
+          </a:ln>
+        </p:spPr>
+        <p:style>
+          <a:lnRef idx="1">
+            <a:schemeClr val="accent1"/>
+          </a:lnRef>
+          <a:fillRef idx="0">
+            <a:schemeClr val="accent1"/>
+          </a:fillRef>
+          <a:effectRef idx="0">
+            <a:schemeClr val="accent1"/>
+          </a:effectRef>
+          <a:fontRef idx="minor">
+            <a:schemeClr val="tx1"/>
+          </a:fontRef>
+        </p:style>
+      </p:cxnSp>
+      <p:cxnSp>
+        <p:nvCxnSpPr>
+          <p:cNvPr id="16" name="Straight Connector 15">
+            <a:extLst>
+              <a:ext uri="{FF2B5EF4-FFF2-40B4-BE49-F238E27FC236}">
+                <a16:creationId xmlns:a16="http://schemas.microsoft.com/office/drawing/2014/main" id="{AD7193FB-6AE6-4B3B-8F89-56B55DD63B4D}"/>
+              </a:ext>
+              <a:ext uri="{C183D7F6-B498-43B3-948B-1728B52AA6E4}">
+                <adec:decorative xmlns:adec="http://schemas.microsoft.com/office/drawing/2017/decorative" val="1"/>
+              </a:ext>
+            </a:extLst>
+          </p:cNvPr>
+          <p:cNvCxnSpPr>
+            <a:cxnSpLocks noGrp="1" noRot="1" noChangeAspect="1" noMove="1" noResize="1" noEditPoints="1" noAdjustHandles="1" noChangeArrowheads="1" noChangeShapeType="1"/>
+          </p:cNvCxnSpPr>
+          <p:nvPr>
+            <p:extLst>
+              <p:ext uri="{386F3935-93C4-4BCD-93E2-E3B085C9AB24}">
+                <p16:designElem xmlns:p16="http://schemas.microsoft.com/office/powerpoint/2015/main" val="1"/>
+              </p:ext>
+            </p:extLst>
+          </p:nvPr>
+        </p:nvCxnSpPr>
+        <p:spPr bwMode="white">
+          <a:xfrm>
+            <a:off x="0" y="2201402"/>
+            <a:ext cx="12188824" cy="0"/>
+          </a:xfrm>
+          <a:prstGeom prst="line">
+            <a:avLst/>
+          </a:prstGeom>
+          <a:ln w="50800">
+            <a:solidFill>
+              <a:schemeClr val="tx1">
+                <a:lumMod val="75000"/>
+                <a:lumOff val="25000"/>
+              </a:schemeClr>
+            </a:solidFill>
+          </a:ln>
+        </p:spPr>
+        <p:style>
+          <a:lnRef idx="1">
+            <a:schemeClr val="accent1"/>
+          </a:lnRef>
+          <a:fillRef idx="0">
+            <a:schemeClr val="accent1"/>
+          </a:fillRef>
+          <a:effectRef idx="0">
+            <a:schemeClr val="accent1"/>
+          </a:effectRef>
+          <a:fontRef idx="minor">
+            <a:schemeClr val="tx1"/>
+          </a:fontRef>
+        </p:style>
+      </p:cxnSp>
+      <p:pic>
+        <p:nvPicPr>
+          <p:cNvPr id="5" name="Content Placeholder 4" descr="Arrow&#10;&#10;Description automatically generated">
+            <a:extLst>
+              <a:ext uri="{FF2B5EF4-FFF2-40B4-BE49-F238E27FC236}">
                 <a16:creationId xmlns:a16="http://schemas.microsoft.com/office/drawing/2014/main" id="{8D6F6B65-EB08-4415-A292-B8329FBB23A0}"/>
               </a:ext>
             </a:extLst>
@@ -7024,7 +11256,7 @@
 </p:sld>
 </file>
 
-<file path=ppt/slides/slide11.xml><?xml version="1.0" encoding="utf-8"?>
+<file path=ppt/slides/slide14.xml><?xml version="1.0" encoding="utf-8"?>
 <p:sld xmlns:a="http://schemas.openxmlformats.org/drawingml/2006/main" xmlns:r="http://schemas.openxmlformats.org/officeDocument/2006/relationships" xmlns:p="http://schemas.openxmlformats.org/presentationml/2006/main">
   <p:cSld>
     <p:spTree>
@@ -7251,67 +11483,12 @@
           <a:chExt cx="0" cy="0"/>
         </a:xfrm>
       </p:grpSpPr>
-      <p:cxnSp>
-        <p:nvCxnSpPr>
-          <p:cNvPr id="13" name="Straight Connector 9">
+      <p:sp useBgFill="1">
+        <p:nvSpPr>
+          <p:cNvPr id="9" name="Rectangle 8">
             <a:extLst>
               <a:ext uri="{FF2B5EF4-FFF2-40B4-BE49-F238E27FC236}">
-                <a16:creationId xmlns:a16="http://schemas.microsoft.com/office/drawing/2014/main" id="{D2E961F1-4A28-4A5F-BBD4-6E400E5E6C75}"/>
-              </a:ext>
-              <a:ext uri="{C183D7F6-B498-43B3-948B-1728B52AA6E4}">
-                <adec:decorative xmlns:adec="http://schemas.microsoft.com/office/drawing/2017/decorative" val="1"/>
-              </a:ext>
-            </a:extLst>
-          </p:cNvPr>
-          <p:cNvCxnSpPr>
-            <a:cxnSpLocks noGrp="1" noRot="1" noChangeAspect="1" noMove="1" noResize="1" noEditPoints="1" noAdjustHandles="1" noChangeArrowheads="1" noChangeShapeType="1"/>
-          </p:cNvCxnSpPr>
-          <p:nvPr>
-            <p:extLst>
-              <p:ext uri="{386F3935-93C4-4BCD-93E2-E3B085C9AB24}">
-                <p16:designElem xmlns:p16="http://schemas.microsoft.com/office/powerpoint/2015/main" val="1"/>
-              </p:ext>
-            </p:extLst>
-          </p:nvPr>
-        </p:nvCxnSpPr>
-        <p:spPr bwMode="white">
-          <a:xfrm>
-            <a:off x="0" y="272357"/>
-            <a:ext cx="12188824" cy="0"/>
-          </a:xfrm>
-          <a:prstGeom prst="line">
-            <a:avLst/>
-          </a:prstGeom>
-          <a:ln w="50800">
-            <a:solidFill>
-              <a:schemeClr val="tx1">
-                <a:lumMod val="75000"/>
-                <a:lumOff val="25000"/>
-              </a:schemeClr>
-            </a:solidFill>
-          </a:ln>
-        </p:spPr>
-        <p:style>
-          <a:lnRef idx="1">
-            <a:schemeClr val="accent1"/>
-          </a:lnRef>
-          <a:fillRef idx="0">
-            <a:schemeClr val="accent1"/>
-          </a:fillRef>
-          <a:effectRef idx="0">
-            <a:schemeClr val="accent1"/>
-          </a:effectRef>
-          <a:fontRef idx="minor">
-            <a:schemeClr val="tx1"/>
-          </a:fontRef>
-        </p:style>
-      </p:cxnSp>
-      <p:sp>
-        <p:nvSpPr>
-          <p:cNvPr id="12" name="Rectangle 11">
-            <a:extLst>
-              <a:ext uri="{FF2B5EF4-FFF2-40B4-BE49-F238E27FC236}">
-                <a16:creationId xmlns:a16="http://schemas.microsoft.com/office/drawing/2014/main" id="{7F57BEA8-497D-4AA8-8A18-BDCD696B25FE}"/>
+                <a16:creationId xmlns:a16="http://schemas.microsoft.com/office/drawing/2014/main" id="{738F59A4-4431-460D-8E49-6E65C189A566}"/>
               </a:ext>
               <a:ext uri="{C183D7F6-B498-43B3-948B-1728B52AA6E4}">
                 <adec:decorative xmlns:adec="http://schemas.microsoft.com/office/drawing/2017/decorative" val="1"/>
@@ -7331,21 +11508,31 @@
         </p:nvSpPr>
         <p:spPr>
           <a:xfrm>
-            <a:off x="0" y="368596"/>
-            <a:ext cx="12192000" cy="1735555"/>
+            <a:off x="0" y="0"/>
+            <a:ext cx="12192000" cy="6858000"/>
           </a:xfrm>
           <a:prstGeom prst="rect">
             <a:avLst/>
           </a:prstGeom>
-          <a:solidFill>
-            <a:schemeClr val="tx1">
-              <a:lumMod val="75000"/>
-              <a:lumOff val="25000"/>
-            </a:schemeClr>
-          </a:solidFill>
-          <a:ln>
+          <a:ln w="12700" cap="flat" cmpd="sng" algn="ctr">
             <a:noFill/>
+            <a:prstDash val="solid"/>
+            <a:miter lim="800000"/>
           </a:ln>
+          <a:effectLst/>
+          <a:extLst>
+            <a:ext uri="{91240B29-F687-4F45-9708-019B960494DF}">
+              <a14:hiddenLine xmlns:a14="http://schemas.microsoft.com/office/drawing/2010/main" w="12700" cap="flat" cmpd="sng" algn="ctr">
+                <a:solidFill>
+                  <a:schemeClr val="accent1">
+                    <a:shade val="50000"/>
+                  </a:schemeClr>
+                </a:solidFill>
+                <a:prstDash val="solid"/>
+                <a:miter lim="800000"/>
+              </a14:hiddenLine>
+            </a:ext>
+          </a:extLst>
         </p:spPr>
         <p:style>
           <a:lnRef idx="2">
@@ -7372,12 +11559,171 @@
           </a:p>
         </p:txBody>
       </p:sp>
+      <p:grpSp>
+        <p:nvGrpSpPr>
+          <p:cNvPr id="11" name="Group 10">
+            <a:extLst>
+              <a:ext uri="{FF2B5EF4-FFF2-40B4-BE49-F238E27FC236}">
+                <a16:creationId xmlns:a16="http://schemas.microsoft.com/office/drawing/2014/main" id="{8A919B9C-5C01-47E4-B2F2-45F589208ABF}"/>
+              </a:ext>
+              <a:ext uri="{C183D7F6-B498-43B3-948B-1728B52AA6E4}">
+                <adec:decorative xmlns:adec="http://schemas.microsoft.com/office/drawing/2017/decorative" val="1"/>
+              </a:ext>
+            </a:extLst>
+          </p:cNvPr>
+          <p:cNvGrpSpPr>
+            <a:grpSpLocks noGrp="1" noUngrp="1" noRot="1" noChangeAspect="1" noMove="1" noResize="1"/>
+          </p:cNvGrpSpPr>
+          <p:nvPr>
+            <p:extLst>
+              <p:ext uri="{386F3935-93C4-4BCD-93E2-E3B085C9AB24}">
+                <p16:designElem xmlns:p16="http://schemas.microsoft.com/office/powerpoint/2015/main" val="1"/>
+              </p:ext>
+            </p:extLst>
+          </p:nvPr>
+        </p:nvGrpSpPr>
+        <p:grpSpPr>
+          <a:xfrm>
+            <a:off x="0" y="0"/>
+            <a:ext cx="12192000" cy="6858000"/>
+            <a:chOff x="0" y="0"/>
+            <a:chExt cx="12192000" cy="6858000"/>
+          </a:xfrm>
+        </p:grpSpPr>
+        <p:sp>
+          <p:nvSpPr>
+            <p:cNvPr id="12" name="Rectangle 11">
+              <a:extLst>
+                <a:ext uri="{FF2B5EF4-FFF2-40B4-BE49-F238E27FC236}">
+                  <a16:creationId xmlns:a16="http://schemas.microsoft.com/office/drawing/2014/main" id="{E85A82CE-D835-4542-BE8D-62A8F5A943CC}"/>
+                </a:ext>
+                <a:ext uri="{C183D7F6-B498-43B3-948B-1728B52AA6E4}">
+                  <adec:decorative xmlns:adec="http://schemas.microsoft.com/office/drawing/2017/decorative" val="1"/>
+                </a:ext>
+              </a:extLst>
+            </p:cNvPr>
+            <p:cNvSpPr/>
+            <p:nvPr>
+              <p:extLst>
+                <p:ext uri="{386F3935-93C4-4BCD-93E2-E3B085C9AB24}">
+                  <p16:designElem xmlns:p16="http://schemas.microsoft.com/office/powerpoint/2015/main" val="1"/>
+                </p:ext>
+              </p:extLst>
+            </p:nvPr>
+          </p:nvSpPr>
+          <p:spPr>
+            <a:xfrm>
+              <a:off x="0" y="0"/>
+              <a:ext cx="12192000" cy="6858000"/>
+            </a:xfrm>
+            <a:prstGeom prst="rect">
+              <a:avLst/>
+            </a:prstGeom>
+            <a:solidFill>
+              <a:schemeClr val="bg1">
+                <a:lumMod val="95000"/>
+              </a:schemeClr>
+            </a:solidFill>
+            <a:ln>
+              <a:noFill/>
+            </a:ln>
+          </p:spPr>
+          <p:style>
+            <a:lnRef idx="2">
+              <a:schemeClr val="accent1">
+                <a:shade val="50000"/>
+              </a:schemeClr>
+            </a:lnRef>
+            <a:fillRef idx="1">
+              <a:schemeClr val="accent1"/>
+            </a:fillRef>
+            <a:effectRef idx="0">
+              <a:schemeClr val="accent1"/>
+            </a:effectRef>
+            <a:fontRef idx="minor">
+              <a:schemeClr val="lt1"/>
+            </a:fontRef>
+          </p:style>
+          <p:txBody>
+            <a:bodyPr rtlCol="0" anchor="ctr"/>
+            <a:lstStyle/>
+            <a:p>
+              <a:pPr algn="ctr"/>
+              <a:endParaRPr lang="en-US"/>
+            </a:p>
+          </p:txBody>
+        </p:sp>
+        <p:sp>
+          <p:nvSpPr>
+            <p:cNvPr id="13" name="Rectangle 12">
+              <a:extLst>
+                <a:ext uri="{FF2B5EF4-FFF2-40B4-BE49-F238E27FC236}">
+                  <a16:creationId xmlns:a16="http://schemas.microsoft.com/office/drawing/2014/main" id="{063D7EF0-3AC8-4029-B55D-EBDD733D394B}"/>
+                </a:ext>
+                <a:ext uri="{C183D7F6-B498-43B3-948B-1728B52AA6E4}">
+                  <adec:decorative xmlns:adec="http://schemas.microsoft.com/office/drawing/2017/decorative" val="1"/>
+                </a:ext>
+              </a:extLst>
+            </p:cNvPr>
+            <p:cNvSpPr/>
+            <p:nvPr>
+              <p:extLst>
+                <p:ext uri="{386F3935-93C4-4BCD-93E2-E3B085C9AB24}">
+                  <p16:designElem xmlns:p16="http://schemas.microsoft.com/office/powerpoint/2015/main" val="1"/>
+                </p:ext>
+              </p:extLst>
+            </p:nvPr>
+          </p:nvSpPr>
+          <p:spPr>
+            <a:xfrm>
+              <a:off x="0" y="0"/>
+              <a:ext cx="12192000" cy="6858000"/>
+            </a:xfrm>
+            <a:prstGeom prst="rect">
+              <a:avLst/>
+            </a:prstGeom>
+            <a:solidFill>
+              <a:schemeClr val="accent4">
+                <a:lumMod val="75000"/>
+                <a:alpha val="7000"/>
+              </a:schemeClr>
+            </a:solidFill>
+            <a:ln>
+              <a:noFill/>
+            </a:ln>
+          </p:spPr>
+          <p:style>
+            <a:lnRef idx="2">
+              <a:schemeClr val="accent1">
+                <a:shade val="50000"/>
+              </a:schemeClr>
+            </a:lnRef>
+            <a:fillRef idx="1">
+              <a:schemeClr val="accent1"/>
+            </a:fillRef>
+            <a:effectRef idx="0">
+              <a:schemeClr val="accent1"/>
+            </a:effectRef>
+            <a:fontRef idx="minor">
+              <a:schemeClr val="lt1"/>
+            </a:fontRef>
+          </p:style>
+          <p:txBody>
+            <a:bodyPr rtlCol="0" anchor="ctr"/>
+            <a:lstStyle/>
+            <a:p>
+              <a:pPr algn="ctr"/>
+              <a:endParaRPr lang="en-US"/>
+            </a:p>
+          </p:txBody>
+        </p:sp>
+      </p:grpSp>
       <p:sp>
         <p:nvSpPr>
           <p:cNvPr id="2" name="Title 1">
             <a:extLst>
               <a:ext uri="{FF2B5EF4-FFF2-40B4-BE49-F238E27FC236}">
-                <a16:creationId xmlns:a16="http://schemas.microsoft.com/office/drawing/2014/main" id="{C641BD45-C692-4298-8B39-33D06F12C886}"/>
+                <a16:creationId xmlns:a16="http://schemas.microsoft.com/office/drawing/2014/main" id="{5E21E9F1-237C-4EA7-B4E2-B1E1B14495FC}"/>
               </a:ext>
             </a:extLst>
           </p:cNvPr>
@@ -7390,182 +11736,59 @@
         </p:nvSpPr>
         <p:spPr>
           <a:xfrm>
-            <a:off x="526073" y="489439"/>
-            <a:ext cx="11139854" cy="930447"/>
+            <a:off x="550863" y="365125"/>
+            <a:ext cx="11090274" cy="1325563"/>
           </a:xfrm>
         </p:spPr>
         <p:txBody>
-          <a:bodyPr vert="horz" lIns="91440" tIns="45720" rIns="91440" bIns="45720" rtlCol="0" anchor="b">
+          <a:bodyPr>
             <a:normAutofit/>
           </a:bodyPr>
           <a:lstStyle/>
           <a:p>
-            <a:pPr algn="ctr"/>
             <a:r>
-              <a:rPr lang="en-US" sz="5400" kern="1200">
-                <a:solidFill>
-                  <a:schemeClr val="bg1"/>
-                </a:solidFill>
-                <a:latin typeface="+mj-lt"/>
-                <a:ea typeface="+mj-ea"/>
-                <a:cs typeface="+mj-cs"/>
-              </a:rPr>
-              <a:t>Inner Join</a:t>
+              <a:rPr lang="en-US" sz="4000"/>
+              <a:t>We will cover the following</a:t>
             </a:r>
+            <a:endParaRPr lang="en-AU" sz="4000"/>
           </a:p>
         </p:txBody>
       </p:sp>
-      <p:cxnSp>
-        <p:nvCxnSpPr>
-          <p:cNvPr id="14" name="Straight Connector 13">
+      <p:graphicFrame>
+        <p:nvGraphicFramePr>
+          <p:cNvPr id="5" name="Content Placeholder 2">
             <a:extLst>
               <a:ext uri="{FF2B5EF4-FFF2-40B4-BE49-F238E27FC236}">
-                <a16:creationId xmlns:a16="http://schemas.microsoft.com/office/drawing/2014/main" id="{A82415D3-DDE5-4D63-8CB3-23A5EC581B27}"/>
-              </a:ext>
-              <a:ext uri="{C183D7F6-B498-43B3-948B-1728B52AA6E4}">
-                <adec:decorative xmlns:adec="http://schemas.microsoft.com/office/drawing/2017/decorative" val="1"/>
+                <a16:creationId xmlns:a16="http://schemas.microsoft.com/office/drawing/2014/main" id="{6889BDBD-7234-4F17-853F-11B053429CA9}"/>
               </a:ext>
             </a:extLst>
           </p:cNvPr>
-          <p:cNvCxnSpPr>
-            <a:cxnSpLocks noGrp="1" noRot="1" noChangeAspect="1" noMove="1" noResize="1" noEditPoints="1" noAdjustHandles="1" noChangeArrowheads="1" noChangeShapeType="1"/>
-          </p:cNvCxnSpPr>
+          <p:cNvGraphicFramePr>
+            <a:graphicFrameLocks noGrp="1"/>
+          </p:cNvGraphicFramePr>
           <p:nvPr>
+            <p:ph idx="1"/>
             <p:extLst>
-              <p:ext uri="{386F3935-93C4-4BCD-93E2-E3B085C9AB24}">
-                <p16:designElem xmlns:p16="http://schemas.microsoft.com/office/powerpoint/2015/main" val="1"/>
+              <p:ext uri="{D42A27DB-BD31-4B8C-83A1-F6EECF244321}">
+                <p14:modId xmlns:p14="http://schemas.microsoft.com/office/powerpoint/2010/main" val="1257656007"/>
               </p:ext>
             </p:extLst>
           </p:nvPr>
-        </p:nvCxnSpPr>
-        <p:spPr>
-          <a:xfrm>
-            <a:off x="4724400" y="1479733"/>
-            <a:ext cx="2743200" cy="0"/>
-          </a:xfrm>
-          <a:prstGeom prst="line">
-            <a:avLst/>
-          </a:prstGeom>
-          <a:ln w="19050">
-            <a:solidFill>
-              <a:schemeClr val="bg1">
-                <a:alpha val="75000"/>
-              </a:schemeClr>
-            </a:solidFill>
-          </a:ln>
-        </p:spPr>
-        <p:style>
-          <a:lnRef idx="1">
-            <a:schemeClr val="accent1"/>
-          </a:lnRef>
-          <a:fillRef idx="0">
-            <a:schemeClr val="accent1"/>
-          </a:fillRef>
-          <a:effectRef idx="0">
-            <a:schemeClr val="accent1"/>
-          </a:effectRef>
-          <a:fontRef idx="minor">
-            <a:schemeClr val="tx1"/>
-          </a:fontRef>
-        </p:style>
-      </p:cxnSp>
-      <p:cxnSp>
-        <p:nvCxnSpPr>
-          <p:cNvPr id="16" name="Straight Connector 15">
-            <a:extLst>
-              <a:ext uri="{FF2B5EF4-FFF2-40B4-BE49-F238E27FC236}">
-                <a16:creationId xmlns:a16="http://schemas.microsoft.com/office/drawing/2014/main" id="{AD7193FB-6AE6-4B3B-8F89-56B55DD63B4D}"/>
-              </a:ext>
-              <a:ext uri="{C183D7F6-B498-43B3-948B-1728B52AA6E4}">
-                <adec:decorative xmlns:adec="http://schemas.microsoft.com/office/drawing/2017/decorative" val="1"/>
-              </a:ext>
-            </a:extLst>
-          </p:cNvPr>
-          <p:cNvCxnSpPr>
-            <a:cxnSpLocks noGrp="1" noRot="1" noChangeAspect="1" noMove="1" noResize="1" noEditPoints="1" noAdjustHandles="1" noChangeArrowheads="1" noChangeShapeType="1"/>
-          </p:cNvCxnSpPr>
-          <p:nvPr>
-            <p:extLst>
-              <p:ext uri="{386F3935-93C4-4BCD-93E2-E3B085C9AB24}">
-                <p16:designElem xmlns:p16="http://schemas.microsoft.com/office/powerpoint/2015/main" val="1"/>
-              </p:ext>
-            </p:extLst>
-          </p:nvPr>
-        </p:nvCxnSpPr>
-        <p:spPr bwMode="white">
-          <a:xfrm>
-            <a:off x="0" y="2201402"/>
-            <a:ext cx="12188824" cy="0"/>
-          </a:xfrm>
-          <a:prstGeom prst="line">
-            <a:avLst/>
-          </a:prstGeom>
-          <a:ln w="50800">
-            <a:solidFill>
-              <a:schemeClr val="tx1">
-                <a:lumMod val="75000"/>
-                <a:lumOff val="25000"/>
-              </a:schemeClr>
-            </a:solidFill>
-          </a:ln>
-        </p:spPr>
-        <p:style>
-          <a:lnRef idx="1">
-            <a:schemeClr val="accent1"/>
-          </a:lnRef>
-          <a:fillRef idx="0">
-            <a:schemeClr val="accent1"/>
-          </a:fillRef>
-          <a:effectRef idx="0">
-            <a:schemeClr val="accent1"/>
-          </a:effectRef>
-          <a:fontRef idx="minor">
-            <a:schemeClr val="tx1"/>
-          </a:fontRef>
-        </p:style>
-      </p:cxnSp>
-      <p:pic>
-        <p:nvPicPr>
-          <p:cNvPr id="5" name="Content Placeholder 4" descr="Table&#10;&#10;Description automatically generated">
-            <a:extLst>
-              <a:ext uri="{FF2B5EF4-FFF2-40B4-BE49-F238E27FC236}">
-                <a16:creationId xmlns:a16="http://schemas.microsoft.com/office/drawing/2014/main" id="{660C3585-B146-4A36-9FA7-F57D21DA0A13}"/>
-              </a:ext>
-            </a:extLst>
-          </p:cNvPr>
-          <p:cNvPicPr>
-            <a:picLocks noGrp="1" noChangeAspect="1"/>
-          </p:cNvPicPr>
-          <p:nvPr>
-            <p:ph idx="1"/>
-          </p:nvPr>
-        </p:nvPicPr>
-        <p:blipFill>
-          <a:blip r:embed="rId2">
-            <a:extLst>
-              <a:ext uri="{28A0092B-C50C-407E-A947-70E740481C1C}">
-                <a14:useLocalDpi xmlns:a14="http://schemas.microsoft.com/office/drawing/2010/main" val="0"/>
-              </a:ext>
-            </a:extLst>
-          </a:blip>
-          <a:stretch>
-            <a:fillRect/>
-          </a:stretch>
-        </p:blipFill>
-        <p:spPr>
-          <a:xfrm>
-            <a:off x="1193282" y="2427541"/>
-            <a:ext cx="9750336" cy="3997637"/>
-          </a:xfrm>
-          <a:prstGeom prst="rect">
-            <a:avLst/>
-          </a:prstGeom>
-        </p:spPr>
-      </p:pic>
+        </p:nvGraphicFramePr>
+        <p:xfrm>
+          <a:off x="547688" y="2133600"/>
+          <a:ext cx="11093450" cy="4157664"/>
+        </p:xfrm>
+        <a:graphic>
+          <a:graphicData uri="http://schemas.openxmlformats.org/drawingml/2006/diagram">
+            <dgm:relIds xmlns:dgm="http://schemas.openxmlformats.org/drawingml/2006/diagram" xmlns:r="http://schemas.openxmlformats.org/officeDocument/2006/relationships" r:dm="rId2" r:lo="rId3" r:qs="rId4" r:cs="rId5"/>
+          </a:graphicData>
+        </a:graphic>
+      </p:graphicFrame>
     </p:spTree>
     <p:extLst>
       <p:ext uri="{BB962C8B-B14F-4D97-AF65-F5344CB8AC3E}">
-        <p14:creationId xmlns:p14="http://schemas.microsoft.com/office/powerpoint/2010/main" val="1578190178"/>
+        <p14:creationId xmlns:p14="http://schemas.microsoft.com/office/powerpoint/2010/main" val="1908462926"/>
       </p:ext>
     </p:extLst>
   </p:cSld>
@@ -7602,1463 +11825,7 @@
       </p:grpSpPr>
       <p:sp>
         <p:nvSpPr>
-          <p:cNvPr id="10" name="Rectangle 9">
-            <a:extLst>
-              <a:ext uri="{FF2B5EF4-FFF2-40B4-BE49-F238E27FC236}">
-                <a16:creationId xmlns:a16="http://schemas.microsoft.com/office/drawing/2014/main" id="{AB45A142-4255-493C-8284-5D566C121B10}"/>
-              </a:ext>
-              <a:ext uri="{C183D7F6-B498-43B3-948B-1728B52AA6E4}">
-                <adec:decorative xmlns:adec="http://schemas.microsoft.com/office/drawing/2017/decorative" val="1"/>
-              </a:ext>
-            </a:extLst>
-          </p:cNvPr>
-          <p:cNvSpPr>
-            <a:spLocks noGrp="1" noRot="1" noChangeAspect="1" noMove="1" noResize="1" noEditPoints="1" noAdjustHandles="1" noChangeArrowheads="1" noChangeShapeType="1" noTextEdit="1"/>
-          </p:cNvSpPr>
-          <p:nvPr>
-            <p:extLst>
-              <p:ext uri="{386F3935-93C4-4BCD-93E2-E3B085C9AB24}">
-                <p16:designElem xmlns:p16="http://schemas.microsoft.com/office/powerpoint/2015/main" val="1"/>
-              </p:ext>
-            </p:extLst>
-          </p:nvPr>
-        </p:nvSpPr>
-        <p:spPr bwMode="ltGray">
-          <a:xfrm>
-            <a:off x="336884" y="321177"/>
-            <a:ext cx="4332307" cy="6179552"/>
-          </a:xfrm>
-          <a:prstGeom prst="rect">
-            <a:avLst/>
-          </a:prstGeom>
-          <a:solidFill>
-            <a:srgbClr val="404040">
-              <a:alpha val="89804"/>
-            </a:srgbClr>
-          </a:solidFill>
-          <a:ln w="127000" cap="sq" cmpd="thinThick">
-            <a:solidFill>
-              <a:srgbClr val="595959">
-                <a:alpha val="80000"/>
-              </a:srgbClr>
-            </a:solidFill>
-          </a:ln>
-        </p:spPr>
-        <p:style>
-          <a:lnRef idx="2">
-            <a:schemeClr val="accent1">
-              <a:shade val="50000"/>
-            </a:schemeClr>
-          </a:lnRef>
-          <a:fillRef idx="1">
-            <a:schemeClr val="accent1"/>
-          </a:fillRef>
-          <a:effectRef idx="0">
-            <a:schemeClr val="accent1"/>
-          </a:effectRef>
-          <a:fontRef idx="minor">
-            <a:schemeClr val="lt1"/>
-          </a:fontRef>
-        </p:style>
-        <p:txBody>
-          <a:bodyPr rtlCol="0" anchor="ctr"/>
-          <a:lstStyle/>
-          <a:p>
-            <a:pPr algn="ctr"/>
-            <a:endParaRPr lang="en-US"/>
-          </a:p>
-        </p:txBody>
-      </p:sp>
-      <p:sp>
-        <p:nvSpPr>
-          <p:cNvPr id="2" name="Title 1">
-            <a:extLst>
-              <a:ext uri="{FF2B5EF4-FFF2-40B4-BE49-F238E27FC236}">
-                <a16:creationId xmlns:a16="http://schemas.microsoft.com/office/drawing/2014/main" id="{97CB4096-83DE-4407-8DA5-0C8BAF23CD0C}"/>
-              </a:ext>
-            </a:extLst>
-          </p:cNvPr>
-          <p:cNvSpPr>
-            <a:spLocks noGrp="1"/>
-          </p:cNvSpPr>
-          <p:nvPr>
-            <p:ph type="title"/>
-          </p:nvPr>
-        </p:nvSpPr>
-        <p:spPr>
-          <a:xfrm>
-            <a:off x="674237" y="914400"/>
-            <a:ext cx="3657600" cy="2887579"/>
-          </a:xfrm>
-        </p:spPr>
-        <p:txBody>
-          <a:bodyPr vert="horz" lIns="91440" tIns="45720" rIns="91440" bIns="45720" rtlCol="0" anchor="b">
-            <a:normAutofit/>
-          </a:bodyPr>
-          <a:lstStyle/>
-          <a:p>
-            <a:pPr algn="ctr"/>
-            <a:r>
-              <a:rPr lang="en-US" sz="4800" kern="1200" dirty="0">
-                <a:solidFill>
-                  <a:srgbClr val="FFFFFF"/>
-                </a:solidFill>
-                <a:latin typeface="+mj-lt"/>
-                <a:ea typeface="+mj-ea"/>
-                <a:cs typeface="+mj-cs"/>
-              </a:rPr>
-              <a:t>Inner Join or Join using Venn diagram</a:t>
-            </a:r>
-          </a:p>
-        </p:txBody>
-      </p:sp>
-      <p:cxnSp>
-        <p:nvCxnSpPr>
-          <p:cNvPr id="12" name="Straight Connector 11">
-            <a:extLst>
-              <a:ext uri="{FF2B5EF4-FFF2-40B4-BE49-F238E27FC236}">
-                <a16:creationId xmlns:a16="http://schemas.microsoft.com/office/drawing/2014/main" id="{38FB9660-F42F-4313-BBC4-47C007FE484C}"/>
-              </a:ext>
-              <a:ext uri="{C183D7F6-B498-43B3-948B-1728B52AA6E4}">
-                <adec:decorative xmlns:adec="http://schemas.microsoft.com/office/drawing/2017/decorative" val="1"/>
-              </a:ext>
-            </a:extLst>
-          </p:cNvPr>
-          <p:cNvCxnSpPr>
-            <a:cxnSpLocks noGrp="1" noRot="1" noChangeAspect="1" noMove="1" noResize="1" noEditPoints="1" noAdjustHandles="1" noChangeArrowheads="1" noChangeShapeType="1"/>
-          </p:cNvCxnSpPr>
-          <p:nvPr>
-            <p:extLst>
-              <p:ext uri="{386F3935-93C4-4BCD-93E2-E3B085C9AB24}">
-                <p16:designElem xmlns:p16="http://schemas.microsoft.com/office/powerpoint/2015/main" val="1"/>
-              </p:ext>
-            </p:extLst>
-          </p:nvPr>
-        </p:nvCxnSpPr>
-        <p:spPr>
-          <a:xfrm>
-            <a:off x="1191126" y="3910267"/>
-            <a:ext cx="2586790" cy="0"/>
-          </a:xfrm>
-          <a:prstGeom prst="line">
-            <a:avLst/>
-          </a:prstGeom>
-          <a:ln w="22225">
-            <a:solidFill>
-              <a:srgbClr val="D9D9D9"/>
-            </a:solidFill>
-          </a:ln>
-        </p:spPr>
-        <p:style>
-          <a:lnRef idx="1">
-            <a:schemeClr val="accent1"/>
-          </a:lnRef>
-          <a:fillRef idx="0">
-            <a:schemeClr val="accent1"/>
-          </a:fillRef>
-          <a:effectRef idx="0">
-            <a:schemeClr val="accent1"/>
-          </a:effectRef>
-          <a:fontRef idx="minor">
-            <a:schemeClr val="tx1"/>
-          </a:fontRef>
-        </p:style>
-      </p:cxnSp>
-      <p:pic>
-        <p:nvPicPr>
-          <p:cNvPr id="5" name="Content Placeholder 4" descr="Diagram, venn diagram&#10;&#10;Description automatically generated">
-            <a:extLst>
-              <a:ext uri="{FF2B5EF4-FFF2-40B4-BE49-F238E27FC236}">
-                <a16:creationId xmlns:a16="http://schemas.microsoft.com/office/drawing/2014/main" id="{22A11F8B-85E5-4CF1-8E19-A4C28194E09D}"/>
-              </a:ext>
-            </a:extLst>
-          </p:cNvPr>
-          <p:cNvPicPr>
-            <a:picLocks noGrp="1" noChangeAspect="1"/>
-          </p:cNvPicPr>
-          <p:nvPr>
-            <p:ph idx="1"/>
-          </p:nvPr>
-        </p:nvPicPr>
-        <p:blipFill>
-          <a:blip r:embed="rId2">
-            <a:extLst>
-              <a:ext uri="{28A0092B-C50C-407E-A947-70E740481C1C}">
-                <a14:useLocalDpi xmlns:a14="http://schemas.microsoft.com/office/drawing/2010/main" val="0"/>
-              </a:ext>
-            </a:extLst>
-          </a:blip>
-          <a:stretch>
-            <a:fillRect/>
-          </a:stretch>
-        </p:blipFill>
-        <p:spPr>
-          <a:xfrm>
-            <a:off x="5153822" y="1507867"/>
-            <a:ext cx="6553545" cy="3850207"/>
-          </a:xfrm>
-          <a:prstGeom prst="rect">
-            <a:avLst/>
-          </a:prstGeom>
-        </p:spPr>
-      </p:pic>
-    </p:spTree>
-    <p:extLst>
-      <p:ext uri="{BB962C8B-B14F-4D97-AF65-F5344CB8AC3E}">
-        <p14:creationId xmlns:p14="http://schemas.microsoft.com/office/powerpoint/2010/main" val="3503387542"/>
-      </p:ext>
-    </p:extLst>
-  </p:cSld>
-  <p:clrMapOvr>
-    <a:masterClrMapping/>
-  </p:clrMapOvr>
-</p:sld>
-</file>
-
-<file path=ppt/slides/slide4.xml><?xml version="1.0" encoding="utf-8"?>
-<p:sld xmlns:a="http://schemas.openxmlformats.org/drawingml/2006/main" xmlns:r="http://schemas.openxmlformats.org/officeDocument/2006/relationships" xmlns:p="http://schemas.openxmlformats.org/presentationml/2006/main">
-  <p:cSld>
-    <p:bg>
-      <p:bgPr>
-        <a:solidFill>
-          <a:srgbClr val="FFFFFF"/>
-        </a:solidFill>
-        <a:effectLst/>
-      </p:bgPr>
-    </p:bg>
-    <p:spTree>
-      <p:nvGrpSpPr>
-        <p:cNvPr id="1" name=""/>
-        <p:cNvGrpSpPr/>
-        <p:nvPr/>
-      </p:nvGrpSpPr>
-      <p:grpSpPr>
-        <a:xfrm>
-          <a:off x="0" y="0"/>
-          <a:ext cx="0" cy="0"/>
-          <a:chOff x="0" y="0"/>
-          <a:chExt cx="0" cy="0"/>
-        </a:xfrm>
-      </p:grpSpPr>
-      <p:sp>
-        <p:nvSpPr>
-          <p:cNvPr id="40" name="Rectangle 36">
-            <a:extLst>
-              <a:ext uri="{FF2B5EF4-FFF2-40B4-BE49-F238E27FC236}">
-                <a16:creationId xmlns:a16="http://schemas.microsoft.com/office/drawing/2014/main" id="{4351DFE5-F63D-4BE0-BDA9-E3EB88F01AA5}"/>
-              </a:ext>
-              <a:ext uri="{C183D7F6-B498-43B3-948B-1728B52AA6E4}">
-                <adec:decorative xmlns:adec="http://schemas.microsoft.com/office/drawing/2017/decorative" val="1"/>
-              </a:ext>
-            </a:extLst>
-          </p:cNvPr>
-          <p:cNvSpPr>
-            <a:spLocks noGrp="1" noRot="1" noChangeAspect="1" noMove="1" noResize="1" noEditPoints="1" noAdjustHandles="1" noChangeArrowheads="1" noChangeShapeType="1" noTextEdit="1"/>
-          </p:cNvSpPr>
-          <p:nvPr>
-            <p:extLst>
-              <p:ext uri="{386F3935-93C4-4BCD-93E2-E3B085C9AB24}">
-                <p16:designElem xmlns:p16="http://schemas.microsoft.com/office/powerpoint/2015/main" val="1"/>
-              </p:ext>
-            </p:extLst>
-          </p:nvPr>
-        </p:nvSpPr>
-        <p:spPr>
-          <a:xfrm>
-            <a:off x="355601" y="0"/>
-            <a:ext cx="11480494" cy="2753936"/>
-          </a:xfrm>
-          <a:prstGeom prst="rect">
-            <a:avLst/>
-          </a:prstGeom>
-          <a:gradFill>
-            <a:gsLst>
-              <a:gs pos="0">
-                <a:schemeClr val="accent5"/>
-              </a:gs>
-              <a:gs pos="25000">
-                <a:schemeClr val="accent5"/>
-              </a:gs>
-              <a:gs pos="94000">
-                <a:schemeClr val="bg2">
-                  <a:lumMod val="25000"/>
-                </a:schemeClr>
-              </a:gs>
-              <a:gs pos="100000">
-                <a:schemeClr val="bg2">
-                  <a:lumMod val="25000"/>
-                </a:schemeClr>
-              </a:gs>
-            </a:gsLst>
-            <a:lin ang="4200000" scaled="0"/>
-          </a:gradFill>
-          <a:ln>
-            <a:noFill/>
-          </a:ln>
-        </p:spPr>
-        <p:style>
-          <a:lnRef idx="2">
-            <a:schemeClr val="accent1">
-              <a:shade val="50000"/>
-            </a:schemeClr>
-          </a:lnRef>
-          <a:fillRef idx="1">
-            <a:schemeClr val="accent1"/>
-          </a:fillRef>
-          <a:effectRef idx="0">
-            <a:schemeClr val="accent1"/>
-          </a:effectRef>
-          <a:fontRef idx="minor">
-            <a:schemeClr val="lt1"/>
-          </a:fontRef>
-        </p:style>
-        <p:txBody>
-          <a:bodyPr rtlCol="0" anchor="ctr"/>
-          <a:lstStyle/>
-          <a:p>
-            <a:pPr algn="ctr"/>
-            <a:endParaRPr lang="en-US"/>
-          </a:p>
-        </p:txBody>
-      </p:sp>
-      <p:pic>
-        <p:nvPicPr>
-          <p:cNvPr id="39" name="Picture 38">
-            <a:extLst>
-              <a:ext uri="{FF2B5EF4-FFF2-40B4-BE49-F238E27FC236}">
-                <a16:creationId xmlns:a16="http://schemas.microsoft.com/office/drawing/2014/main" id="{02DD2BC0-6F29-4B4F-8D61-2DCF6D2E8E73}"/>
-              </a:ext>
-              <a:ext uri="{C183D7F6-B498-43B3-948B-1728B52AA6E4}">
-                <adec:decorative xmlns:adec="http://schemas.microsoft.com/office/drawing/2017/decorative" val="1"/>
-              </a:ext>
-            </a:extLst>
-          </p:cNvPr>
-          <p:cNvPicPr>
-            <a:picLocks noGrp="1" noRot="1" noChangeAspect="1" noMove="1" noResize="1" noEditPoints="1" noAdjustHandles="1" noChangeArrowheads="1" noChangeShapeType="1" noCrop="1"/>
-          </p:cNvPicPr>
-          <p:nvPr>
-            <p:extLst>
-              <p:ext uri="{386F3935-93C4-4BCD-93E2-E3B085C9AB24}">
-                <p16:designElem xmlns:p16="http://schemas.microsoft.com/office/powerpoint/2015/main" val="1"/>
-              </p:ext>
-            </p:extLst>
-          </p:nvPr>
-        </p:nvPicPr>
-        <p:blipFill>
-          <a:blip r:embed="rId2">
-            <a:extLst>
-              <a:ext uri="{28A0092B-C50C-407E-A947-70E740481C1C}">
-                <a14:useLocalDpi xmlns:a14="http://schemas.microsoft.com/office/drawing/2010/main" val="0"/>
-              </a:ext>
-            </a:extLst>
-          </a:blip>
-          <a:stretch>
-            <a:fillRect/>
-          </a:stretch>
-        </p:blipFill>
-        <p:spPr>
-          <a:xfrm>
-            <a:off x="0" y="0"/>
-            <a:ext cx="12192000" cy="6858000"/>
-          </a:xfrm>
-          <a:prstGeom prst="rect">
-            <a:avLst/>
-          </a:prstGeom>
-        </p:spPr>
-      </p:pic>
-      <p:pic>
-        <p:nvPicPr>
-          <p:cNvPr id="5" name="Content Placeholder 4" descr="Table&#10;&#10;Description automatically generated">
-            <a:extLst>
-              <a:ext uri="{FF2B5EF4-FFF2-40B4-BE49-F238E27FC236}">
-                <a16:creationId xmlns:a16="http://schemas.microsoft.com/office/drawing/2014/main" id="{5114B11C-0823-403D-8619-A75AEDB0732E}"/>
-              </a:ext>
-            </a:extLst>
-          </p:cNvPr>
-          <p:cNvPicPr>
-            <a:picLocks noChangeAspect="1"/>
-          </p:cNvPicPr>
-          <p:nvPr/>
-        </p:nvPicPr>
-        <p:blipFill>
-          <a:blip r:embed="rId3">
-            <a:extLst>
-              <a:ext uri="{28A0092B-C50C-407E-A947-70E740481C1C}">
-                <a14:useLocalDpi xmlns:a14="http://schemas.microsoft.com/office/drawing/2010/main" val="0"/>
-              </a:ext>
-            </a:extLst>
-          </a:blip>
-          <a:stretch>
-            <a:fillRect/>
-          </a:stretch>
-        </p:blipFill>
-        <p:spPr>
-          <a:xfrm>
-            <a:off x="1106488" y="2898775"/>
-            <a:ext cx="6361113" cy="3130550"/>
-          </a:xfrm>
-          <a:prstGeom prst="rect">
-            <a:avLst/>
-          </a:prstGeom>
-        </p:spPr>
-      </p:pic>
-      <p:pic>
-        <p:nvPicPr>
-          <p:cNvPr id="7" name="Picture 6" descr="Table&#10;&#10;Description automatically generated">
-            <a:extLst>
-              <a:ext uri="{FF2B5EF4-FFF2-40B4-BE49-F238E27FC236}">
-                <a16:creationId xmlns:a16="http://schemas.microsoft.com/office/drawing/2014/main" id="{270EBDC6-30F7-4DB0-8466-6293AC41B2CC}"/>
-              </a:ext>
-            </a:extLst>
-          </p:cNvPr>
-          <p:cNvPicPr>
-            <a:picLocks noChangeAspect="1"/>
-          </p:cNvPicPr>
-          <p:nvPr/>
-        </p:nvPicPr>
-        <p:blipFill>
-          <a:blip r:embed="rId4">
-            <a:extLst>
-              <a:ext uri="{28A0092B-C50C-407E-A947-70E740481C1C}">
-                <a14:useLocalDpi xmlns:a14="http://schemas.microsoft.com/office/drawing/2010/main" val="0"/>
-              </a:ext>
-            </a:extLst>
-          </a:blip>
-          <a:stretch>
-            <a:fillRect/>
-          </a:stretch>
-        </p:blipFill>
-        <p:spPr>
-          <a:xfrm>
-            <a:off x="7535863" y="2898775"/>
-            <a:ext cx="3546475" cy="3130550"/>
-          </a:xfrm>
-          <a:prstGeom prst="rect">
-            <a:avLst/>
-          </a:prstGeom>
-        </p:spPr>
-      </p:pic>
-      <p:sp>
-        <p:nvSpPr>
-          <p:cNvPr id="2" name="Title 1">
-            <a:extLst>
-              <a:ext uri="{FF2B5EF4-FFF2-40B4-BE49-F238E27FC236}">
-                <a16:creationId xmlns:a16="http://schemas.microsoft.com/office/drawing/2014/main" id="{75BADD90-8769-4AB9-9D1E-AB95ED0F2AAD}"/>
-              </a:ext>
-            </a:extLst>
-          </p:cNvPr>
-          <p:cNvSpPr>
-            <a:spLocks noGrp="1"/>
-          </p:cNvSpPr>
-          <p:nvPr>
-            <p:ph type="title"/>
-          </p:nvPr>
-        </p:nvSpPr>
-        <p:spPr>
-          <a:xfrm>
-            <a:off x="1179226" y="826680"/>
-            <a:ext cx="9833548" cy="1325563"/>
-          </a:xfrm>
-        </p:spPr>
-        <p:txBody>
-          <a:bodyPr vert="horz" lIns="91440" tIns="45720" rIns="91440" bIns="45720" rtlCol="0">
-            <a:normAutofit/>
-          </a:bodyPr>
-          <a:lstStyle/>
-          <a:p>
-            <a:pPr algn="ctr"/>
-            <a:r>
-              <a:rPr lang="en-US" sz="4000">
-                <a:solidFill>
-                  <a:srgbClr val="FFFFFF"/>
-                </a:solidFill>
-              </a:rPr>
-              <a:t>Inner Join or Join</a:t>
-            </a:r>
-          </a:p>
-        </p:txBody>
-      </p:sp>
-    </p:spTree>
-    <p:extLst>
-      <p:ext uri="{BB962C8B-B14F-4D97-AF65-F5344CB8AC3E}">
-        <p14:creationId xmlns:p14="http://schemas.microsoft.com/office/powerpoint/2010/main" val="904731359"/>
-      </p:ext>
-    </p:extLst>
-  </p:cSld>
-  <p:clrMapOvr>
-    <a:masterClrMapping/>
-  </p:clrMapOvr>
-</p:sld>
-</file>
-
-<file path=ppt/slides/slide5.xml><?xml version="1.0" encoding="utf-8"?>
-<p:sld xmlns:a="http://schemas.openxmlformats.org/drawingml/2006/main" xmlns:r="http://schemas.openxmlformats.org/officeDocument/2006/relationships" xmlns:p="http://schemas.openxmlformats.org/presentationml/2006/main">
-  <p:cSld>
-    <p:bg>
-      <p:bgPr>
-        <a:solidFill>
-          <a:schemeClr val="bg1"/>
-        </a:solidFill>
-        <a:effectLst/>
-      </p:bgPr>
-    </p:bg>
-    <p:spTree>
-      <p:nvGrpSpPr>
-        <p:cNvPr id="1" name=""/>
-        <p:cNvGrpSpPr/>
-        <p:nvPr/>
-      </p:nvGrpSpPr>
-      <p:grpSpPr>
-        <a:xfrm>
-          <a:off x="0" y="0"/>
-          <a:ext cx="0" cy="0"/>
-          <a:chOff x="0" y="0"/>
-          <a:chExt cx="0" cy="0"/>
-        </a:xfrm>
-      </p:grpSpPr>
-      <p:cxnSp>
-        <p:nvCxnSpPr>
-          <p:cNvPr id="10" name="Straight Connector 9">
-            <a:extLst>
-              <a:ext uri="{FF2B5EF4-FFF2-40B4-BE49-F238E27FC236}">
-                <a16:creationId xmlns:a16="http://schemas.microsoft.com/office/drawing/2014/main" id="{D2E961F1-4A28-4A5F-BBD4-6E400E5E6C75}"/>
-              </a:ext>
-              <a:ext uri="{C183D7F6-B498-43B3-948B-1728B52AA6E4}">
-                <adec:decorative xmlns:adec="http://schemas.microsoft.com/office/drawing/2017/decorative" val="1"/>
-              </a:ext>
-            </a:extLst>
-          </p:cNvPr>
-          <p:cNvCxnSpPr>
-            <a:cxnSpLocks noGrp="1" noRot="1" noChangeAspect="1" noMove="1" noResize="1" noEditPoints="1" noAdjustHandles="1" noChangeArrowheads="1" noChangeShapeType="1"/>
-          </p:cNvCxnSpPr>
-          <p:nvPr>
-            <p:extLst>
-              <p:ext uri="{386F3935-93C4-4BCD-93E2-E3B085C9AB24}">
-                <p16:designElem xmlns:p16="http://schemas.microsoft.com/office/powerpoint/2015/main" val="1"/>
-              </p:ext>
-            </p:extLst>
-          </p:nvPr>
-        </p:nvCxnSpPr>
-        <p:spPr bwMode="white">
-          <a:xfrm>
-            <a:off x="0" y="272357"/>
-            <a:ext cx="12188824" cy="0"/>
-          </a:xfrm>
-          <a:prstGeom prst="line">
-            <a:avLst/>
-          </a:prstGeom>
-          <a:ln w="50800">
-            <a:solidFill>
-              <a:schemeClr val="tx1">
-                <a:lumMod val="75000"/>
-                <a:lumOff val="25000"/>
-              </a:schemeClr>
-            </a:solidFill>
-          </a:ln>
-        </p:spPr>
-        <p:style>
-          <a:lnRef idx="1">
-            <a:schemeClr val="accent1"/>
-          </a:lnRef>
-          <a:fillRef idx="0">
-            <a:schemeClr val="accent1"/>
-          </a:fillRef>
-          <a:effectRef idx="0">
-            <a:schemeClr val="accent1"/>
-          </a:effectRef>
-          <a:fontRef idx="minor">
-            <a:schemeClr val="tx1"/>
-          </a:fontRef>
-        </p:style>
-      </p:cxnSp>
-      <p:sp>
-        <p:nvSpPr>
-          <p:cNvPr id="12" name="Rectangle 11">
-            <a:extLst>
-              <a:ext uri="{FF2B5EF4-FFF2-40B4-BE49-F238E27FC236}">
-                <a16:creationId xmlns:a16="http://schemas.microsoft.com/office/drawing/2014/main" id="{7F57BEA8-497D-4AA8-8A18-BDCD696B25FE}"/>
-              </a:ext>
-              <a:ext uri="{C183D7F6-B498-43B3-948B-1728B52AA6E4}">
-                <adec:decorative xmlns:adec="http://schemas.microsoft.com/office/drawing/2017/decorative" val="1"/>
-              </a:ext>
-            </a:extLst>
-          </p:cNvPr>
-          <p:cNvSpPr>
-            <a:spLocks noGrp="1" noRot="1" noChangeAspect="1" noMove="1" noResize="1" noEditPoints="1" noAdjustHandles="1" noChangeArrowheads="1" noChangeShapeType="1" noTextEdit="1"/>
-          </p:cNvSpPr>
-          <p:nvPr>
-            <p:extLst>
-              <p:ext uri="{386F3935-93C4-4BCD-93E2-E3B085C9AB24}">
-                <p16:designElem xmlns:p16="http://schemas.microsoft.com/office/powerpoint/2015/main" val="1"/>
-              </p:ext>
-            </p:extLst>
-          </p:nvPr>
-        </p:nvSpPr>
-        <p:spPr>
-          <a:xfrm>
-            <a:off x="0" y="368596"/>
-            <a:ext cx="12192000" cy="1735555"/>
-          </a:xfrm>
-          <a:prstGeom prst="rect">
-            <a:avLst/>
-          </a:prstGeom>
-          <a:solidFill>
-            <a:schemeClr val="tx1">
-              <a:lumMod val="75000"/>
-              <a:lumOff val="25000"/>
-            </a:schemeClr>
-          </a:solidFill>
-          <a:ln>
-            <a:noFill/>
-          </a:ln>
-        </p:spPr>
-        <p:style>
-          <a:lnRef idx="2">
-            <a:schemeClr val="accent1">
-              <a:shade val="50000"/>
-            </a:schemeClr>
-          </a:lnRef>
-          <a:fillRef idx="1">
-            <a:schemeClr val="accent1"/>
-          </a:fillRef>
-          <a:effectRef idx="0">
-            <a:schemeClr val="accent1"/>
-          </a:effectRef>
-          <a:fontRef idx="minor">
-            <a:schemeClr val="lt1"/>
-          </a:fontRef>
-        </p:style>
-        <p:txBody>
-          <a:bodyPr rtlCol="0" anchor="ctr"/>
-          <a:lstStyle/>
-          <a:p>
-            <a:pPr algn="ctr"/>
-            <a:endParaRPr lang="en-US"/>
-          </a:p>
-        </p:txBody>
-      </p:sp>
-      <p:sp>
-        <p:nvSpPr>
-          <p:cNvPr id="2" name="Title 1">
-            <a:extLst>
-              <a:ext uri="{FF2B5EF4-FFF2-40B4-BE49-F238E27FC236}">
-                <a16:creationId xmlns:a16="http://schemas.microsoft.com/office/drawing/2014/main" id="{A4695ED7-1D62-4072-B051-D3F469C0376E}"/>
-              </a:ext>
-            </a:extLst>
-          </p:cNvPr>
-          <p:cNvSpPr>
-            <a:spLocks noGrp="1"/>
-          </p:cNvSpPr>
-          <p:nvPr>
-            <p:ph type="title"/>
-          </p:nvPr>
-        </p:nvSpPr>
-        <p:spPr>
-          <a:xfrm>
-            <a:off x="526073" y="489439"/>
-            <a:ext cx="11139854" cy="930447"/>
-          </a:xfrm>
-        </p:spPr>
-        <p:txBody>
-          <a:bodyPr vert="horz" lIns="91440" tIns="45720" rIns="91440" bIns="45720" rtlCol="0" anchor="b">
-            <a:normAutofit/>
-          </a:bodyPr>
-          <a:lstStyle/>
-          <a:p>
-            <a:pPr algn="ctr"/>
-            <a:r>
-              <a:rPr lang="en-US" sz="3000" kern="1200" dirty="0">
-                <a:solidFill>
-                  <a:schemeClr val="bg1"/>
-                </a:solidFill>
-                <a:latin typeface="+mj-lt"/>
-                <a:ea typeface="+mj-ea"/>
-                <a:cs typeface="+mj-cs"/>
-              </a:rPr>
-              <a:t>Full join or Outer join – Returns all rows, whether or not there is a match within tables</a:t>
-            </a:r>
-          </a:p>
-        </p:txBody>
-      </p:sp>
-      <p:cxnSp>
-        <p:nvCxnSpPr>
-          <p:cNvPr id="14" name="Straight Connector 13">
-            <a:extLst>
-              <a:ext uri="{FF2B5EF4-FFF2-40B4-BE49-F238E27FC236}">
-                <a16:creationId xmlns:a16="http://schemas.microsoft.com/office/drawing/2014/main" id="{A82415D3-DDE5-4D63-8CB3-23A5EC581B27}"/>
-              </a:ext>
-              <a:ext uri="{C183D7F6-B498-43B3-948B-1728B52AA6E4}">
-                <adec:decorative xmlns:adec="http://schemas.microsoft.com/office/drawing/2017/decorative" val="1"/>
-              </a:ext>
-            </a:extLst>
-          </p:cNvPr>
-          <p:cNvCxnSpPr>
-            <a:cxnSpLocks noGrp="1" noRot="1" noChangeAspect="1" noMove="1" noResize="1" noEditPoints="1" noAdjustHandles="1" noChangeArrowheads="1" noChangeShapeType="1"/>
-          </p:cNvCxnSpPr>
-          <p:nvPr>
-            <p:extLst>
-              <p:ext uri="{386F3935-93C4-4BCD-93E2-E3B085C9AB24}">
-                <p16:designElem xmlns:p16="http://schemas.microsoft.com/office/powerpoint/2015/main" val="1"/>
-              </p:ext>
-            </p:extLst>
-          </p:nvPr>
-        </p:nvCxnSpPr>
-        <p:spPr>
-          <a:xfrm>
-            <a:off x="4724400" y="1479733"/>
-            <a:ext cx="2743200" cy="0"/>
-          </a:xfrm>
-          <a:prstGeom prst="line">
-            <a:avLst/>
-          </a:prstGeom>
-          <a:ln w="19050">
-            <a:solidFill>
-              <a:schemeClr val="bg1">
-                <a:alpha val="75000"/>
-              </a:schemeClr>
-            </a:solidFill>
-          </a:ln>
-        </p:spPr>
-        <p:style>
-          <a:lnRef idx="1">
-            <a:schemeClr val="accent1"/>
-          </a:lnRef>
-          <a:fillRef idx="0">
-            <a:schemeClr val="accent1"/>
-          </a:fillRef>
-          <a:effectRef idx="0">
-            <a:schemeClr val="accent1"/>
-          </a:effectRef>
-          <a:fontRef idx="minor">
-            <a:schemeClr val="tx1"/>
-          </a:fontRef>
-        </p:style>
-      </p:cxnSp>
-      <p:cxnSp>
-        <p:nvCxnSpPr>
-          <p:cNvPr id="16" name="Straight Connector 15">
-            <a:extLst>
-              <a:ext uri="{FF2B5EF4-FFF2-40B4-BE49-F238E27FC236}">
-                <a16:creationId xmlns:a16="http://schemas.microsoft.com/office/drawing/2014/main" id="{AD7193FB-6AE6-4B3B-8F89-56B55DD63B4D}"/>
-              </a:ext>
-              <a:ext uri="{C183D7F6-B498-43B3-948B-1728B52AA6E4}">
-                <adec:decorative xmlns:adec="http://schemas.microsoft.com/office/drawing/2017/decorative" val="1"/>
-              </a:ext>
-            </a:extLst>
-          </p:cNvPr>
-          <p:cNvCxnSpPr>
-            <a:cxnSpLocks noGrp="1" noRot="1" noChangeAspect="1" noMove="1" noResize="1" noEditPoints="1" noAdjustHandles="1" noChangeArrowheads="1" noChangeShapeType="1"/>
-          </p:cNvCxnSpPr>
-          <p:nvPr>
-            <p:extLst>
-              <p:ext uri="{386F3935-93C4-4BCD-93E2-E3B085C9AB24}">
-                <p16:designElem xmlns:p16="http://schemas.microsoft.com/office/powerpoint/2015/main" val="1"/>
-              </p:ext>
-            </p:extLst>
-          </p:nvPr>
-        </p:nvCxnSpPr>
-        <p:spPr bwMode="white">
-          <a:xfrm>
-            <a:off x="0" y="2201402"/>
-            <a:ext cx="12188824" cy="0"/>
-          </a:xfrm>
-          <a:prstGeom prst="line">
-            <a:avLst/>
-          </a:prstGeom>
-          <a:ln w="50800">
-            <a:solidFill>
-              <a:schemeClr val="tx1">
-                <a:lumMod val="75000"/>
-                <a:lumOff val="25000"/>
-              </a:schemeClr>
-            </a:solidFill>
-          </a:ln>
-        </p:spPr>
-        <p:style>
-          <a:lnRef idx="1">
-            <a:schemeClr val="accent1"/>
-          </a:lnRef>
-          <a:fillRef idx="0">
-            <a:schemeClr val="accent1"/>
-          </a:fillRef>
-          <a:effectRef idx="0">
-            <a:schemeClr val="accent1"/>
-          </a:effectRef>
-          <a:fontRef idx="minor">
-            <a:schemeClr val="tx1"/>
-          </a:fontRef>
-        </p:style>
-      </p:cxnSp>
-      <p:pic>
-        <p:nvPicPr>
-          <p:cNvPr id="5" name="Content Placeholder 4" descr="Shape, arrow&#10;&#10;Description automatically generated">
-            <a:extLst>
-              <a:ext uri="{FF2B5EF4-FFF2-40B4-BE49-F238E27FC236}">
-                <a16:creationId xmlns:a16="http://schemas.microsoft.com/office/drawing/2014/main" id="{18A9040D-C71D-4DE0-949D-7AE228572A2F}"/>
-              </a:ext>
-            </a:extLst>
-          </p:cNvPr>
-          <p:cNvPicPr>
-            <a:picLocks noGrp="1" noChangeAspect="1"/>
-          </p:cNvPicPr>
-          <p:nvPr>
-            <p:ph idx="1"/>
-          </p:nvPr>
-        </p:nvPicPr>
-        <p:blipFill>
-          <a:blip r:embed="rId2">
-            <a:extLst>
-              <a:ext uri="{28A0092B-C50C-407E-A947-70E740481C1C}">
-                <a14:useLocalDpi xmlns:a14="http://schemas.microsoft.com/office/drawing/2010/main" val="0"/>
-              </a:ext>
-            </a:extLst>
-          </a:blip>
-          <a:stretch>
-            <a:fillRect/>
-          </a:stretch>
-        </p:blipFill>
-        <p:spPr>
-          <a:xfrm>
-            <a:off x="629488" y="2427541"/>
-            <a:ext cx="10877924" cy="3997637"/>
-          </a:xfrm>
-          <a:prstGeom prst="rect">
-            <a:avLst/>
-          </a:prstGeom>
-        </p:spPr>
-      </p:pic>
-    </p:spTree>
-    <p:extLst>
-      <p:ext uri="{BB962C8B-B14F-4D97-AF65-F5344CB8AC3E}">
-        <p14:creationId xmlns:p14="http://schemas.microsoft.com/office/powerpoint/2010/main" val="3111466489"/>
-      </p:ext>
-    </p:extLst>
-  </p:cSld>
-  <p:clrMapOvr>
-    <a:masterClrMapping/>
-  </p:clrMapOvr>
-</p:sld>
-</file>
-
-<file path=ppt/slides/slide6.xml><?xml version="1.0" encoding="utf-8"?>
-<p:sld xmlns:a="http://schemas.openxmlformats.org/drawingml/2006/main" xmlns:r="http://schemas.openxmlformats.org/officeDocument/2006/relationships" xmlns:p="http://schemas.openxmlformats.org/presentationml/2006/main">
-  <p:cSld>
-    <p:bg>
-      <p:bgPr>
-        <a:solidFill>
-          <a:schemeClr val="bg1"/>
-        </a:solidFill>
-        <a:effectLst/>
-      </p:bgPr>
-    </p:bg>
-    <p:spTree>
-      <p:nvGrpSpPr>
-        <p:cNvPr id="1" name=""/>
-        <p:cNvGrpSpPr/>
-        <p:nvPr/>
-      </p:nvGrpSpPr>
-      <p:grpSpPr>
-        <a:xfrm>
-          <a:off x="0" y="0"/>
-          <a:ext cx="0" cy="0"/>
-          <a:chOff x="0" y="0"/>
-          <a:chExt cx="0" cy="0"/>
-        </a:xfrm>
-      </p:grpSpPr>
-      <p:sp>
-        <p:nvSpPr>
-          <p:cNvPr id="17" name="Rectangle 16">
-            <a:extLst>
-              <a:ext uri="{FF2B5EF4-FFF2-40B4-BE49-F238E27FC236}">
-                <a16:creationId xmlns:a16="http://schemas.microsoft.com/office/drawing/2014/main" id="{1045B59B-615E-4718-A150-42DE5D03E1C8}"/>
-              </a:ext>
-              <a:ext uri="{C183D7F6-B498-43B3-948B-1728B52AA6E4}">
-                <adec:decorative xmlns:adec="http://schemas.microsoft.com/office/drawing/2017/decorative" val="1"/>
-              </a:ext>
-            </a:extLst>
-          </p:cNvPr>
-          <p:cNvSpPr>
-            <a:spLocks noGrp="1" noRot="1" noChangeAspect="1" noMove="1" noResize="1" noEditPoints="1" noAdjustHandles="1" noChangeArrowheads="1" noChangeShapeType="1" noTextEdit="1"/>
-          </p:cNvSpPr>
-          <p:nvPr>
-            <p:extLst>
-              <p:ext uri="{386F3935-93C4-4BCD-93E2-E3B085C9AB24}">
-                <p16:designElem xmlns:p16="http://schemas.microsoft.com/office/powerpoint/2015/main" val="1"/>
-              </p:ext>
-            </p:extLst>
-          </p:nvPr>
-        </p:nvSpPr>
-        <p:spPr>
-          <a:xfrm>
-            <a:off x="0" y="0"/>
-            <a:ext cx="12192000" cy="6858000"/>
-          </a:xfrm>
-          <a:prstGeom prst="rect">
-            <a:avLst/>
-          </a:prstGeom>
-          <a:solidFill>
-            <a:srgbClr val="FFFFFF"/>
-          </a:solidFill>
-          <a:ln>
-            <a:noFill/>
-          </a:ln>
-        </p:spPr>
-        <p:style>
-          <a:lnRef idx="2">
-            <a:schemeClr val="accent1">
-              <a:shade val="50000"/>
-            </a:schemeClr>
-          </a:lnRef>
-          <a:fillRef idx="1">
-            <a:schemeClr val="accent1"/>
-          </a:fillRef>
-          <a:effectRef idx="0">
-            <a:schemeClr val="accent1"/>
-          </a:effectRef>
-          <a:fontRef idx="minor">
-            <a:schemeClr val="lt1"/>
-          </a:fontRef>
-        </p:style>
-        <p:txBody>
-          <a:bodyPr rtlCol="0" anchor="ctr"/>
-          <a:lstStyle/>
-          <a:p>
-            <a:pPr algn="ctr"/>
-            <a:endParaRPr lang="en-US"/>
-          </a:p>
-        </p:txBody>
-      </p:sp>
-      <p:sp>
-        <p:nvSpPr>
-          <p:cNvPr id="19" name="Rectangle 18">
-            <a:extLst>
-              <a:ext uri="{FF2B5EF4-FFF2-40B4-BE49-F238E27FC236}">
-                <a16:creationId xmlns:a16="http://schemas.microsoft.com/office/drawing/2014/main" id="{D6CF29CD-38B8-4924-BA11-6D60517487EF}"/>
-              </a:ext>
-              <a:ext uri="{C183D7F6-B498-43B3-948B-1728B52AA6E4}">
-                <adec:decorative xmlns:adec="http://schemas.microsoft.com/office/drawing/2017/decorative" val="1"/>
-              </a:ext>
-            </a:extLst>
-          </p:cNvPr>
-          <p:cNvSpPr>
-            <a:spLocks noGrp="1" noRot="1" noChangeAspect="1" noMove="1" noResize="1" noEditPoints="1" noAdjustHandles="1" noChangeArrowheads="1" noChangeShapeType="1" noTextEdit="1"/>
-          </p:cNvSpPr>
-          <p:nvPr>
-            <p:extLst>
-              <p:ext uri="{386F3935-93C4-4BCD-93E2-E3B085C9AB24}">
-                <p16:designElem xmlns:p16="http://schemas.microsoft.com/office/powerpoint/2015/main" val="1"/>
-              </p:ext>
-            </p:extLst>
-          </p:nvPr>
-        </p:nvSpPr>
-        <p:spPr>
-          <a:xfrm>
-            <a:off x="0" y="0"/>
-            <a:ext cx="12192000" cy="2615184"/>
-          </a:xfrm>
-          <a:prstGeom prst="rect">
-            <a:avLst/>
-          </a:prstGeom>
-          <a:solidFill>
-            <a:srgbClr val="404040"/>
-          </a:solidFill>
-          <a:ln>
-            <a:noFill/>
-          </a:ln>
-        </p:spPr>
-        <p:style>
-          <a:lnRef idx="2">
-            <a:schemeClr val="accent1">
-              <a:shade val="50000"/>
-            </a:schemeClr>
-          </a:lnRef>
-          <a:fillRef idx="1">
-            <a:schemeClr val="accent1"/>
-          </a:fillRef>
-          <a:effectRef idx="0">
-            <a:schemeClr val="accent1"/>
-          </a:effectRef>
-          <a:fontRef idx="minor">
-            <a:schemeClr val="lt1"/>
-          </a:fontRef>
-        </p:style>
-        <p:txBody>
-          <a:bodyPr rtlCol="0" anchor="ctr"/>
-          <a:lstStyle/>
-          <a:p>
-            <a:pPr algn="ctr"/>
-            <a:endParaRPr lang="en-US"/>
-          </a:p>
-        </p:txBody>
-      </p:sp>
-      <p:sp>
-        <p:nvSpPr>
-          <p:cNvPr id="2" name="Title 1">
-            <a:extLst>
-              <a:ext uri="{FF2B5EF4-FFF2-40B4-BE49-F238E27FC236}">
-                <a16:creationId xmlns:a16="http://schemas.microsoft.com/office/drawing/2014/main" id="{7D8D685F-D47B-46F6-BF4D-6AE7B2A65DD5}"/>
-              </a:ext>
-            </a:extLst>
-          </p:cNvPr>
-          <p:cNvSpPr>
-            <a:spLocks noGrp="1"/>
-          </p:cNvSpPr>
-          <p:nvPr>
-            <p:ph type="title"/>
-          </p:nvPr>
-        </p:nvSpPr>
-        <p:spPr>
-          <a:xfrm>
-            <a:off x="707011" y="365760"/>
-            <a:ext cx="10765410" cy="1207269"/>
-          </a:xfrm>
-        </p:spPr>
-        <p:txBody>
-          <a:bodyPr vert="horz" lIns="91440" tIns="45720" rIns="91440" bIns="45720" rtlCol="0" anchor="b">
-            <a:normAutofit/>
-          </a:bodyPr>
-          <a:lstStyle/>
-          <a:p>
-            <a:pPr algn="ctr"/>
-            <a:r>
-              <a:rPr lang="en-US" sz="3800" kern="1200">
-                <a:solidFill>
-                  <a:srgbClr val="FFFFFF"/>
-                </a:solidFill>
-                <a:latin typeface="+mj-lt"/>
-                <a:ea typeface="+mj-ea"/>
-                <a:cs typeface="+mj-cs"/>
-              </a:rPr>
-              <a:t>Left join or left outer join : Returns all records from the table to the left of the keyword “JOIN”.</a:t>
-            </a:r>
-          </a:p>
-        </p:txBody>
-      </p:sp>
-      <p:pic>
-        <p:nvPicPr>
-          <p:cNvPr id="5" name="Content Placeholder 4" descr="Diagram, venn diagram&#10;&#10;Description automatically generated">
-            <a:extLst>
-              <a:ext uri="{FF2B5EF4-FFF2-40B4-BE49-F238E27FC236}">
-                <a16:creationId xmlns:a16="http://schemas.microsoft.com/office/drawing/2014/main" id="{21CFBB20-E1C3-4D08-B33A-95E7D001D27A}"/>
-              </a:ext>
-            </a:extLst>
-          </p:cNvPr>
-          <p:cNvPicPr>
-            <a:picLocks noChangeAspect="1"/>
-          </p:cNvPicPr>
-          <p:nvPr/>
-        </p:nvPicPr>
-        <p:blipFill rotWithShape="1">
-          <a:blip r:embed="rId2">
-            <a:extLst>
-              <a:ext uri="{28A0092B-C50C-407E-A947-70E740481C1C}">
-                <a14:useLocalDpi xmlns:a14="http://schemas.microsoft.com/office/drawing/2010/main" val="0"/>
-              </a:ext>
-            </a:extLst>
-          </a:blip>
-          <a:srcRect r="3738" b="3"/>
-          <a:stretch/>
-        </p:blipFill>
-        <p:spPr>
-          <a:xfrm>
-            <a:off x="3310373" y="2943847"/>
-            <a:ext cx="5581622" cy="3275978"/>
-          </a:xfrm>
-          <a:prstGeom prst="rect">
-            <a:avLst/>
-          </a:prstGeom>
-        </p:spPr>
-      </p:pic>
-    </p:spTree>
-    <p:extLst>
-      <p:ext uri="{BB962C8B-B14F-4D97-AF65-F5344CB8AC3E}">
-        <p14:creationId xmlns:p14="http://schemas.microsoft.com/office/powerpoint/2010/main" val="1483686233"/>
-      </p:ext>
-    </p:extLst>
-  </p:cSld>
-  <p:clrMapOvr>
-    <a:masterClrMapping/>
-  </p:clrMapOvr>
-</p:sld>
-</file>
-
-<file path=ppt/slides/slide7.xml><?xml version="1.0" encoding="utf-8"?>
-<p:sld xmlns:a="http://schemas.openxmlformats.org/drawingml/2006/main" xmlns:r="http://schemas.openxmlformats.org/officeDocument/2006/relationships" xmlns:p="http://schemas.openxmlformats.org/presentationml/2006/main">
-  <p:cSld>
-    <p:bg>
-      <p:bgPr>
-        <a:solidFill>
-          <a:schemeClr val="bg1"/>
-        </a:solidFill>
-        <a:effectLst/>
-      </p:bgPr>
-    </p:bg>
-    <p:spTree>
-      <p:nvGrpSpPr>
-        <p:cNvPr id="1" name=""/>
-        <p:cNvGrpSpPr/>
-        <p:nvPr/>
-      </p:nvGrpSpPr>
-      <p:grpSpPr>
-        <a:xfrm>
-          <a:off x="0" y="0"/>
-          <a:ext cx="0" cy="0"/>
-          <a:chOff x="0" y="0"/>
-          <a:chExt cx="0" cy="0"/>
-        </a:xfrm>
-      </p:grpSpPr>
-      <p:cxnSp>
-        <p:nvCxnSpPr>
-          <p:cNvPr id="10" name="Straight Connector 9">
-            <a:extLst>
-              <a:ext uri="{FF2B5EF4-FFF2-40B4-BE49-F238E27FC236}">
-                <a16:creationId xmlns:a16="http://schemas.microsoft.com/office/drawing/2014/main" id="{D2E961F1-4A28-4A5F-BBD4-6E400E5E6C75}"/>
-              </a:ext>
-              <a:ext uri="{C183D7F6-B498-43B3-948B-1728B52AA6E4}">
-                <adec:decorative xmlns:adec="http://schemas.microsoft.com/office/drawing/2017/decorative" val="1"/>
-              </a:ext>
-            </a:extLst>
-          </p:cNvPr>
-          <p:cNvCxnSpPr>
-            <a:cxnSpLocks noGrp="1" noRot="1" noChangeAspect="1" noMove="1" noResize="1" noEditPoints="1" noAdjustHandles="1" noChangeArrowheads="1" noChangeShapeType="1"/>
-          </p:cNvCxnSpPr>
-          <p:nvPr>
-            <p:extLst>
-              <p:ext uri="{386F3935-93C4-4BCD-93E2-E3B085C9AB24}">
-                <p16:designElem xmlns:p16="http://schemas.microsoft.com/office/powerpoint/2015/main" val="1"/>
-              </p:ext>
-            </p:extLst>
-          </p:nvPr>
-        </p:nvCxnSpPr>
-        <p:spPr bwMode="white">
-          <a:xfrm>
-            <a:off x="0" y="272357"/>
-            <a:ext cx="12188824" cy="0"/>
-          </a:xfrm>
-          <a:prstGeom prst="line">
-            <a:avLst/>
-          </a:prstGeom>
-          <a:ln w="50800">
-            <a:solidFill>
-              <a:schemeClr val="tx1">
-                <a:lumMod val="75000"/>
-                <a:lumOff val="25000"/>
-              </a:schemeClr>
-            </a:solidFill>
-          </a:ln>
-        </p:spPr>
-        <p:style>
-          <a:lnRef idx="1">
-            <a:schemeClr val="accent1"/>
-          </a:lnRef>
-          <a:fillRef idx="0">
-            <a:schemeClr val="accent1"/>
-          </a:fillRef>
-          <a:effectRef idx="0">
-            <a:schemeClr val="accent1"/>
-          </a:effectRef>
-          <a:fontRef idx="minor">
-            <a:schemeClr val="tx1"/>
-          </a:fontRef>
-        </p:style>
-      </p:cxnSp>
-      <p:sp>
-        <p:nvSpPr>
-          <p:cNvPr id="12" name="Rectangle 11">
-            <a:extLst>
-              <a:ext uri="{FF2B5EF4-FFF2-40B4-BE49-F238E27FC236}">
-                <a16:creationId xmlns:a16="http://schemas.microsoft.com/office/drawing/2014/main" id="{7F57BEA8-497D-4AA8-8A18-BDCD696B25FE}"/>
-              </a:ext>
-              <a:ext uri="{C183D7F6-B498-43B3-948B-1728B52AA6E4}">
-                <adec:decorative xmlns:adec="http://schemas.microsoft.com/office/drawing/2017/decorative" val="1"/>
-              </a:ext>
-            </a:extLst>
-          </p:cNvPr>
-          <p:cNvSpPr>
-            <a:spLocks noGrp="1" noRot="1" noChangeAspect="1" noMove="1" noResize="1" noEditPoints="1" noAdjustHandles="1" noChangeArrowheads="1" noChangeShapeType="1" noTextEdit="1"/>
-          </p:cNvSpPr>
-          <p:nvPr>
-            <p:extLst>
-              <p:ext uri="{386F3935-93C4-4BCD-93E2-E3B085C9AB24}">
-                <p16:designElem xmlns:p16="http://schemas.microsoft.com/office/powerpoint/2015/main" val="1"/>
-              </p:ext>
-            </p:extLst>
-          </p:nvPr>
-        </p:nvSpPr>
-        <p:spPr>
-          <a:xfrm>
-            <a:off x="0" y="368596"/>
-            <a:ext cx="12192000" cy="1735555"/>
-          </a:xfrm>
-          <a:prstGeom prst="rect">
-            <a:avLst/>
-          </a:prstGeom>
-          <a:solidFill>
-            <a:schemeClr val="tx1">
-              <a:lumMod val="75000"/>
-              <a:lumOff val="25000"/>
-            </a:schemeClr>
-          </a:solidFill>
-          <a:ln>
-            <a:noFill/>
-          </a:ln>
-        </p:spPr>
-        <p:style>
-          <a:lnRef idx="2">
-            <a:schemeClr val="accent1">
-              <a:shade val="50000"/>
-            </a:schemeClr>
-          </a:lnRef>
-          <a:fillRef idx="1">
-            <a:schemeClr val="accent1"/>
-          </a:fillRef>
-          <a:effectRef idx="0">
-            <a:schemeClr val="accent1"/>
-          </a:effectRef>
-          <a:fontRef idx="minor">
-            <a:schemeClr val="lt1"/>
-          </a:fontRef>
-        </p:style>
-        <p:txBody>
-          <a:bodyPr rtlCol="0" anchor="ctr"/>
-          <a:lstStyle/>
-          <a:p>
-            <a:pPr algn="ctr"/>
-            <a:endParaRPr lang="en-US"/>
-          </a:p>
-        </p:txBody>
-      </p:sp>
-      <p:sp>
-        <p:nvSpPr>
-          <p:cNvPr id="2" name="Title 1">
-            <a:extLst>
-              <a:ext uri="{FF2B5EF4-FFF2-40B4-BE49-F238E27FC236}">
-                <a16:creationId xmlns:a16="http://schemas.microsoft.com/office/drawing/2014/main" id="{204CE74F-27A4-4D4D-B052-BA2E16391308}"/>
-              </a:ext>
-            </a:extLst>
-          </p:cNvPr>
-          <p:cNvSpPr>
-            <a:spLocks noGrp="1"/>
-          </p:cNvSpPr>
-          <p:nvPr>
-            <p:ph type="title"/>
-          </p:nvPr>
-        </p:nvSpPr>
-        <p:spPr>
-          <a:xfrm>
-            <a:off x="526073" y="489439"/>
-            <a:ext cx="11139854" cy="930447"/>
-          </a:xfrm>
-        </p:spPr>
-        <p:txBody>
-          <a:bodyPr vert="horz" lIns="91440" tIns="45720" rIns="91440" bIns="45720" rtlCol="0" anchor="b">
-            <a:normAutofit/>
-          </a:bodyPr>
-          <a:lstStyle/>
-          <a:p>
-            <a:pPr algn="ctr"/>
-            <a:r>
-              <a:rPr lang="en-US" sz="5400" kern="1200">
-                <a:solidFill>
-                  <a:schemeClr val="bg1"/>
-                </a:solidFill>
-                <a:latin typeface="+mj-lt"/>
-                <a:ea typeface="+mj-ea"/>
-                <a:cs typeface="+mj-cs"/>
-              </a:rPr>
-              <a:t>Left join or Left outer join</a:t>
-            </a:r>
-          </a:p>
-        </p:txBody>
-      </p:sp>
-      <p:cxnSp>
-        <p:nvCxnSpPr>
-          <p:cNvPr id="14" name="Straight Connector 13">
-            <a:extLst>
-              <a:ext uri="{FF2B5EF4-FFF2-40B4-BE49-F238E27FC236}">
-                <a16:creationId xmlns:a16="http://schemas.microsoft.com/office/drawing/2014/main" id="{A82415D3-DDE5-4D63-8CB3-23A5EC581B27}"/>
-              </a:ext>
-              <a:ext uri="{C183D7F6-B498-43B3-948B-1728B52AA6E4}">
-                <adec:decorative xmlns:adec="http://schemas.microsoft.com/office/drawing/2017/decorative" val="1"/>
-              </a:ext>
-            </a:extLst>
-          </p:cNvPr>
-          <p:cNvCxnSpPr>
-            <a:cxnSpLocks noGrp="1" noRot="1" noChangeAspect="1" noMove="1" noResize="1" noEditPoints="1" noAdjustHandles="1" noChangeArrowheads="1" noChangeShapeType="1"/>
-          </p:cNvCxnSpPr>
-          <p:nvPr>
-            <p:extLst>
-              <p:ext uri="{386F3935-93C4-4BCD-93E2-E3B085C9AB24}">
-                <p16:designElem xmlns:p16="http://schemas.microsoft.com/office/powerpoint/2015/main" val="1"/>
-              </p:ext>
-            </p:extLst>
-          </p:nvPr>
-        </p:nvCxnSpPr>
-        <p:spPr>
-          <a:xfrm>
-            <a:off x="4724400" y="1479733"/>
-            <a:ext cx="2743200" cy="0"/>
-          </a:xfrm>
-          <a:prstGeom prst="line">
-            <a:avLst/>
-          </a:prstGeom>
-          <a:ln w="19050">
-            <a:solidFill>
-              <a:schemeClr val="bg1">
-                <a:alpha val="75000"/>
-              </a:schemeClr>
-            </a:solidFill>
-          </a:ln>
-        </p:spPr>
-        <p:style>
-          <a:lnRef idx="1">
-            <a:schemeClr val="accent1"/>
-          </a:lnRef>
-          <a:fillRef idx="0">
-            <a:schemeClr val="accent1"/>
-          </a:fillRef>
-          <a:effectRef idx="0">
-            <a:schemeClr val="accent1"/>
-          </a:effectRef>
-          <a:fontRef idx="minor">
-            <a:schemeClr val="tx1"/>
-          </a:fontRef>
-        </p:style>
-      </p:cxnSp>
-      <p:cxnSp>
-        <p:nvCxnSpPr>
-          <p:cNvPr id="16" name="Straight Connector 15">
-            <a:extLst>
-              <a:ext uri="{FF2B5EF4-FFF2-40B4-BE49-F238E27FC236}">
-                <a16:creationId xmlns:a16="http://schemas.microsoft.com/office/drawing/2014/main" id="{AD7193FB-6AE6-4B3B-8F89-56B55DD63B4D}"/>
-              </a:ext>
-              <a:ext uri="{C183D7F6-B498-43B3-948B-1728B52AA6E4}">
-                <adec:decorative xmlns:adec="http://schemas.microsoft.com/office/drawing/2017/decorative" val="1"/>
-              </a:ext>
-            </a:extLst>
-          </p:cNvPr>
-          <p:cNvCxnSpPr>
-            <a:cxnSpLocks noGrp="1" noRot="1" noChangeAspect="1" noMove="1" noResize="1" noEditPoints="1" noAdjustHandles="1" noChangeArrowheads="1" noChangeShapeType="1"/>
-          </p:cNvCxnSpPr>
-          <p:nvPr>
-            <p:extLst>
-              <p:ext uri="{386F3935-93C4-4BCD-93E2-E3B085C9AB24}">
-                <p16:designElem xmlns:p16="http://schemas.microsoft.com/office/powerpoint/2015/main" val="1"/>
-              </p:ext>
-            </p:extLst>
-          </p:nvPr>
-        </p:nvCxnSpPr>
-        <p:spPr bwMode="white">
-          <a:xfrm>
-            <a:off x="0" y="2201402"/>
-            <a:ext cx="12188824" cy="0"/>
-          </a:xfrm>
-          <a:prstGeom prst="line">
-            <a:avLst/>
-          </a:prstGeom>
-          <a:ln w="50800">
-            <a:solidFill>
-              <a:schemeClr val="tx1">
-                <a:lumMod val="75000"/>
-                <a:lumOff val="25000"/>
-              </a:schemeClr>
-            </a:solidFill>
-          </a:ln>
-        </p:spPr>
-        <p:style>
-          <a:lnRef idx="1">
-            <a:schemeClr val="accent1"/>
-          </a:lnRef>
-          <a:fillRef idx="0">
-            <a:schemeClr val="accent1"/>
-          </a:fillRef>
-          <a:effectRef idx="0">
-            <a:schemeClr val="accent1"/>
-          </a:effectRef>
-          <a:fontRef idx="minor">
-            <a:schemeClr val="tx1"/>
-          </a:fontRef>
-        </p:style>
-      </p:cxnSp>
-      <p:pic>
-        <p:nvPicPr>
-          <p:cNvPr id="5" name="Content Placeholder 4" descr="Shape, arrow&#10;&#10;Description automatically generated">
-            <a:extLst>
-              <a:ext uri="{FF2B5EF4-FFF2-40B4-BE49-F238E27FC236}">
-                <a16:creationId xmlns:a16="http://schemas.microsoft.com/office/drawing/2014/main" id="{B9081E96-E452-4A76-9759-82388F1DF2EA}"/>
-              </a:ext>
-            </a:extLst>
-          </p:cNvPr>
-          <p:cNvPicPr>
-            <a:picLocks noGrp="1" noChangeAspect="1"/>
-          </p:cNvPicPr>
-          <p:nvPr>
-            <p:ph idx="1"/>
-          </p:nvPr>
-        </p:nvPicPr>
-        <p:blipFill>
-          <a:blip r:embed="rId2">
-            <a:extLst>
-              <a:ext uri="{28A0092B-C50C-407E-A947-70E740481C1C}">
-                <a14:useLocalDpi xmlns:a14="http://schemas.microsoft.com/office/drawing/2010/main" val="0"/>
-              </a:ext>
-            </a:extLst>
-          </a:blip>
-          <a:stretch>
-            <a:fillRect/>
-          </a:stretch>
-        </p:blipFill>
-        <p:spPr>
-          <a:xfrm>
-            <a:off x="702493" y="2427541"/>
-            <a:ext cx="10731914" cy="3997637"/>
-          </a:xfrm>
-          <a:prstGeom prst="rect">
-            <a:avLst/>
-          </a:prstGeom>
-        </p:spPr>
-      </p:pic>
-    </p:spTree>
-    <p:extLst>
-      <p:ext uri="{BB962C8B-B14F-4D97-AF65-F5344CB8AC3E}">
-        <p14:creationId xmlns:p14="http://schemas.microsoft.com/office/powerpoint/2010/main" val="3934657056"/>
-      </p:ext>
-    </p:extLst>
-  </p:cSld>
-  <p:clrMapOvr>
-    <a:masterClrMapping/>
-  </p:clrMapOvr>
-</p:sld>
-</file>
-
-<file path=ppt/slides/slide8.xml><?xml version="1.0" encoding="utf-8"?>
-<p:sld xmlns:a="http://schemas.openxmlformats.org/drawingml/2006/main" xmlns:r="http://schemas.openxmlformats.org/officeDocument/2006/relationships" xmlns:p="http://schemas.openxmlformats.org/presentationml/2006/main">
-  <p:cSld>
-    <p:bg>
-      <p:bgPr>
-        <a:solidFill>
-          <a:schemeClr val="bg1"/>
-        </a:solidFill>
-        <a:effectLst/>
-      </p:bgPr>
-    </p:bg>
-    <p:spTree>
-      <p:nvGrpSpPr>
-        <p:cNvPr id="1" name=""/>
-        <p:cNvGrpSpPr/>
-        <p:nvPr/>
-      </p:nvGrpSpPr>
-      <p:grpSpPr>
-        <a:xfrm>
-          <a:off x="0" y="0"/>
-          <a:ext cx="0" cy="0"/>
-          <a:chOff x="0" y="0"/>
-          <a:chExt cx="0" cy="0"/>
-        </a:xfrm>
-      </p:grpSpPr>
-      <p:sp>
-        <p:nvSpPr>
-          <p:cNvPr id="10" name="Rectangle 9">
+          <p:cNvPr id="21" name="Rectangle 20">
             <a:extLst>
               <a:ext uri="{FF2B5EF4-FFF2-40B4-BE49-F238E27FC236}">
                 <a16:creationId xmlns:a16="http://schemas.microsoft.com/office/drawing/2014/main" id="{823AC064-BC96-4F32-8AE1-B2FD38754823}"/>
@@ -9155,7 +11922,7 @@
           <p:cNvPr id="2" name="Title 1">
             <a:extLst>
               <a:ext uri="{FF2B5EF4-FFF2-40B4-BE49-F238E27FC236}">
-                <a16:creationId xmlns:a16="http://schemas.microsoft.com/office/drawing/2014/main" id="{63267061-8F60-424F-A29A-A87814CAB030}"/>
+                <a16:creationId xmlns:a16="http://schemas.microsoft.com/office/drawing/2014/main" id="{C641BD45-C692-4298-8B39-33D06F12C886}"/>
               </a:ext>
             </a:extLst>
           </p:cNvPr>
@@ -9180,7 +11947,7 @@
           <a:p>
             <a:pPr algn="ctr"/>
             <a:r>
-              <a:rPr lang="en-US" sz="5400" kern="1200">
+              <a:rPr lang="en-US" sz="4200" kern="1200" dirty="0">
                 <a:solidFill>
                   <a:srgbClr val="FFFFFF"/>
                 </a:solidFill>
@@ -9188,14 +11955,14 @@
                 <a:ea typeface="+mj-ea"/>
                 <a:cs typeface="+mj-cs"/>
               </a:rPr>
-              <a:t>Right Join or Right Outer join </a:t>
+              <a:t>Inner Join: Returns matched row between tables</a:t>
             </a:r>
           </a:p>
         </p:txBody>
       </p:sp>
       <p:cxnSp>
         <p:nvCxnSpPr>
-          <p:cNvPr id="12" name="Straight Connector 11">
+          <p:cNvPr id="23" name="Straight Connector 22">
             <a:extLst>
               <a:ext uri="{FF2B5EF4-FFF2-40B4-BE49-F238E27FC236}">
                 <a16:creationId xmlns:a16="http://schemas.microsoft.com/office/drawing/2014/main" id="{7E7C77BC-7138-40B1-A15B-20F57A494629}"/>
@@ -9247,10 +12014,10 @@
       </p:cxnSp>
       <p:pic>
         <p:nvPicPr>
-          <p:cNvPr id="5" name="Content Placeholder 4" descr="Diagram, venn diagram&#10;&#10;Description automatically generated">
+          <p:cNvPr id="5" name="Content Placeholder 4" descr="Table&#10;&#10;Description automatically generated">
             <a:extLst>
               <a:ext uri="{FF2B5EF4-FFF2-40B4-BE49-F238E27FC236}">
-                <a16:creationId xmlns:a16="http://schemas.microsoft.com/office/drawing/2014/main" id="{20109712-50EC-4688-BA97-E3C20CC7B4D3}"/>
+                <a16:creationId xmlns:a16="http://schemas.microsoft.com/office/drawing/2014/main" id="{660C3585-B146-4A36-9FA7-F57D21DA0A13}"/>
               </a:ext>
             </a:extLst>
           </p:cNvPr>
@@ -9275,8 +12042,8 @@
         </p:blipFill>
         <p:spPr>
           <a:xfrm>
-            <a:off x="2187250" y="2509911"/>
-            <a:ext cx="7762401" cy="3997637"/>
+            <a:off x="1193282" y="2509911"/>
+            <a:ext cx="9750336" cy="3997637"/>
           </a:xfrm>
           <a:prstGeom prst="rect">
             <a:avLst/>
@@ -9286,7 +12053,7 @@
     </p:spTree>
     <p:extLst>
       <p:ext uri="{BB962C8B-B14F-4D97-AF65-F5344CB8AC3E}">
-        <p14:creationId xmlns:p14="http://schemas.microsoft.com/office/powerpoint/2010/main" val="3776295397"/>
+        <p14:creationId xmlns:p14="http://schemas.microsoft.com/office/powerpoint/2010/main" val="1578190178"/>
       </p:ext>
     </p:extLst>
   </p:cSld>
@@ -9296,7 +12063,523 @@
 </p:sld>
 </file>
 
-<file path=ppt/slides/slide9.xml><?xml version="1.0" encoding="utf-8"?>
+<file path=ppt/slides/slide4.xml><?xml version="1.0" encoding="utf-8"?>
+<p:sld xmlns:a="http://schemas.openxmlformats.org/drawingml/2006/main" xmlns:r="http://schemas.openxmlformats.org/officeDocument/2006/relationships" xmlns:p="http://schemas.openxmlformats.org/presentationml/2006/main">
+  <p:cSld>
+    <p:bg>
+      <p:bgPr>
+        <a:solidFill>
+          <a:schemeClr val="bg1"/>
+        </a:solidFill>
+        <a:effectLst/>
+      </p:bgPr>
+    </p:bg>
+    <p:spTree>
+      <p:nvGrpSpPr>
+        <p:cNvPr id="1" name=""/>
+        <p:cNvGrpSpPr/>
+        <p:nvPr/>
+      </p:nvGrpSpPr>
+      <p:grpSpPr>
+        <a:xfrm>
+          <a:off x="0" y="0"/>
+          <a:ext cx="0" cy="0"/>
+          <a:chOff x="0" y="0"/>
+          <a:chExt cx="0" cy="0"/>
+        </a:xfrm>
+      </p:grpSpPr>
+      <p:sp>
+        <p:nvSpPr>
+          <p:cNvPr id="10" name="Rectangle 9">
+            <a:extLst>
+              <a:ext uri="{FF2B5EF4-FFF2-40B4-BE49-F238E27FC236}">
+                <a16:creationId xmlns:a16="http://schemas.microsoft.com/office/drawing/2014/main" id="{AB45A142-4255-493C-8284-5D566C121B10}"/>
+              </a:ext>
+              <a:ext uri="{C183D7F6-B498-43B3-948B-1728B52AA6E4}">
+                <adec:decorative xmlns:adec="http://schemas.microsoft.com/office/drawing/2017/decorative" val="1"/>
+              </a:ext>
+            </a:extLst>
+          </p:cNvPr>
+          <p:cNvSpPr>
+            <a:spLocks noGrp="1" noRot="1" noChangeAspect="1" noMove="1" noResize="1" noEditPoints="1" noAdjustHandles="1" noChangeArrowheads="1" noChangeShapeType="1" noTextEdit="1"/>
+          </p:cNvSpPr>
+          <p:nvPr>
+            <p:extLst>
+              <p:ext uri="{386F3935-93C4-4BCD-93E2-E3B085C9AB24}">
+                <p16:designElem xmlns:p16="http://schemas.microsoft.com/office/powerpoint/2015/main" val="1"/>
+              </p:ext>
+            </p:extLst>
+          </p:nvPr>
+        </p:nvSpPr>
+        <p:spPr bwMode="ltGray">
+          <a:xfrm>
+            <a:off x="336884" y="321177"/>
+            <a:ext cx="4332307" cy="6179552"/>
+          </a:xfrm>
+          <a:prstGeom prst="rect">
+            <a:avLst/>
+          </a:prstGeom>
+          <a:solidFill>
+            <a:srgbClr val="404040">
+              <a:alpha val="89804"/>
+            </a:srgbClr>
+          </a:solidFill>
+          <a:ln w="127000" cap="sq" cmpd="thinThick">
+            <a:solidFill>
+              <a:srgbClr val="595959">
+                <a:alpha val="80000"/>
+              </a:srgbClr>
+            </a:solidFill>
+          </a:ln>
+        </p:spPr>
+        <p:style>
+          <a:lnRef idx="2">
+            <a:schemeClr val="accent1">
+              <a:shade val="50000"/>
+            </a:schemeClr>
+          </a:lnRef>
+          <a:fillRef idx="1">
+            <a:schemeClr val="accent1"/>
+          </a:fillRef>
+          <a:effectRef idx="0">
+            <a:schemeClr val="accent1"/>
+          </a:effectRef>
+          <a:fontRef idx="minor">
+            <a:schemeClr val="lt1"/>
+          </a:fontRef>
+        </p:style>
+        <p:txBody>
+          <a:bodyPr rtlCol="0" anchor="ctr"/>
+          <a:lstStyle/>
+          <a:p>
+            <a:pPr algn="ctr"/>
+            <a:endParaRPr lang="en-US"/>
+          </a:p>
+        </p:txBody>
+      </p:sp>
+      <p:sp>
+        <p:nvSpPr>
+          <p:cNvPr id="2" name="Title 1">
+            <a:extLst>
+              <a:ext uri="{FF2B5EF4-FFF2-40B4-BE49-F238E27FC236}">
+                <a16:creationId xmlns:a16="http://schemas.microsoft.com/office/drawing/2014/main" id="{97CB4096-83DE-4407-8DA5-0C8BAF23CD0C}"/>
+              </a:ext>
+            </a:extLst>
+          </p:cNvPr>
+          <p:cNvSpPr>
+            <a:spLocks noGrp="1"/>
+          </p:cNvSpPr>
+          <p:nvPr>
+            <p:ph type="title"/>
+          </p:nvPr>
+        </p:nvSpPr>
+        <p:spPr>
+          <a:xfrm>
+            <a:off x="674237" y="914400"/>
+            <a:ext cx="3657600" cy="2887579"/>
+          </a:xfrm>
+        </p:spPr>
+        <p:txBody>
+          <a:bodyPr vert="horz" lIns="91440" tIns="45720" rIns="91440" bIns="45720" rtlCol="0" anchor="b">
+            <a:normAutofit/>
+          </a:bodyPr>
+          <a:lstStyle/>
+          <a:p>
+            <a:pPr algn="ctr"/>
+            <a:r>
+              <a:rPr lang="en-US" sz="4800" kern="1200" dirty="0">
+                <a:solidFill>
+                  <a:srgbClr val="FFFFFF"/>
+                </a:solidFill>
+                <a:latin typeface="+mj-lt"/>
+                <a:ea typeface="+mj-ea"/>
+                <a:cs typeface="+mj-cs"/>
+              </a:rPr>
+              <a:t>Inner Join or Join using Venn diagram</a:t>
+            </a:r>
+          </a:p>
+        </p:txBody>
+      </p:sp>
+      <p:cxnSp>
+        <p:nvCxnSpPr>
+          <p:cNvPr id="12" name="Straight Connector 11">
+            <a:extLst>
+              <a:ext uri="{FF2B5EF4-FFF2-40B4-BE49-F238E27FC236}">
+                <a16:creationId xmlns:a16="http://schemas.microsoft.com/office/drawing/2014/main" id="{38FB9660-F42F-4313-BBC4-47C007FE484C}"/>
+              </a:ext>
+              <a:ext uri="{C183D7F6-B498-43B3-948B-1728B52AA6E4}">
+                <adec:decorative xmlns:adec="http://schemas.microsoft.com/office/drawing/2017/decorative" val="1"/>
+              </a:ext>
+            </a:extLst>
+          </p:cNvPr>
+          <p:cNvCxnSpPr>
+            <a:cxnSpLocks noGrp="1" noRot="1" noChangeAspect="1" noMove="1" noResize="1" noEditPoints="1" noAdjustHandles="1" noChangeArrowheads="1" noChangeShapeType="1"/>
+          </p:cNvCxnSpPr>
+          <p:nvPr>
+            <p:extLst>
+              <p:ext uri="{386F3935-93C4-4BCD-93E2-E3B085C9AB24}">
+                <p16:designElem xmlns:p16="http://schemas.microsoft.com/office/powerpoint/2015/main" val="1"/>
+              </p:ext>
+            </p:extLst>
+          </p:nvPr>
+        </p:nvCxnSpPr>
+        <p:spPr>
+          <a:xfrm>
+            <a:off x="1191126" y="3910267"/>
+            <a:ext cx="2586790" cy="0"/>
+          </a:xfrm>
+          <a:prstGeom prst="line">
+            <a:avLst/>
+          </a:prstGeom>
+          <a:ln w="22225">
+            <a:solidFill>
+              <a:srgbClr val="D9D9D9"/>
+            </a:solidFill>
+          </a:ln>
+        </p:spPr>
+        <p:style>
+          <a:lnRef idx="1">
+            <a:schemeClr val="accent1"/>
+          </a:lnRef>
+          <a:fillRef idx="0">
+            <a:schemeClr val="accent1"/>
+          </a:fillRef>
+          <a:effectRef idx="0">
+            <a:schemeClr val="accent1"/>
+          </a:effectRef>
+          <a:fontRef idx="minor">
+            <a:schemeClr val="tx1"/>
+          </a:fontRef>
+        </p:style>
+      </p:cxnSp>
+      <p:pic>
+        <p:nvPicPr>
+          <p:cNvPr id="5" name="Content Placeholder 4" descr="Diagram, venn diagram&#10;&#10;Description automatically generated">
+            <a:extLst>
+              <a:ext uri="{FF2B5EF4-FFF2-40B4-BE49-F238E27FC236}">
+                <a16:creationId xmlns:a16="http://schemas.microsoft.com/office/drawing/2014/main" id="{22A11F8B-85E5-4CF1-8E19-A4C28194E09D}"/>
+              </a:ext>
+            </a:extLst>
+          </p:cNvPr>
+          <p:cNvPicPr>
+            <a:picLocks noGrp="1" noChangeAspect="1"/>
+          </p:cNvPicPr>
+          <p:nvPr>
+            <p:ph idx="1"/>
+          </p:nvPr>
+        </p:nvPicPr>
+        <p:blipFill>
+          <a:blip r:embed="rId2">
+            <a:extLst>
+              <a:ext uri="{28A0092B-C50C-407E-A947-70E740481C1C}">
+                <a14:useLocalDpi xmlns:a14="http://schemas.microsoft.com/office/drawing/2010/main" val="0"/>
+              </a:ext>
+            </a:extLst>
+          </a:blip>
+          <a:stretch>
+            <a:fillRect/>
+          </a:stretch>
+        </p:blipFill>
+        <p:spPr>
+          <a:xfrm>
+            <a:off x="5153822" y="1507867"/>
+            <a:ext cx="6553545" cy="3850207"/>
+          </a:xfrm>
+          <a:prstGeom prst="rect">
+            <a:avLst/>
+          </a:prstGeom>
+        </p:spPr>
+      </p:pic>
+    </p:spTree>
+    <p:extLst>
+      <p:ext uri="{BB962C8B-B14F-4D97-AF65-F5344CB8AC3E}">
+        <p14:creationId xmlns:p14="http://schemas.microsoft.com/office/powerpoint/2010/main" val="3503387542"/>
+      </p:ext>
+    </p:extLst>
+  </p:cSld>
+  <p:clrMapOvr>
+    <a:masterClrMapping/>
+  </p:clrMapOvr>
+</p:sld>
+</file>
+
+<file path=ppt/slides/slide5.xml><?xml version="1.0" encoding="utf-8"?>
+<p:sld xmlns:a="http://schemas.openxmlformats.org/drawingml/2006/main" xmlns:r="http://schemas.openxmlformats.org/officeDocument/2006/relationships" xmlns:p="http://schemas.openxmlformats.org/presentationml/2006/main">
+  <p:cSld>
+    <p:bg>
+      <p:bgPr>
+        <a:solidFill>
+          <a:srgbClr val="FFFFFF"/>
+        </a:solidFill>
+        <a:effectLst/>
+      </p:bgPr>
+    </p:bg>
+    <p:spTree>
+      <p:nvGrpSpPr>
+        <p:cNvPr id="1" name=""/>
+        <p:cNvGrpSpPr/>
+        <p:nvPr/>
+      </p:nvGrpSpPr>
+      <p:grpSpPr>
+        <a:xfrm>
+          <a:off x="0" y="0"/>
+          <a:ext cx="0" cy="0"/>
+          <a:chOff x="0" y="0"/>
+          <a:chExt cx="0" cy="0"/>
+        </a:xfrm>
+      </p:grpSpPr>
+      <p:sp>
+        <p:nvSpPr>
+          <p:cNvPr id="40" name="Rectangle 36">
+            <a:extLst>
+              <a:ext uri="{FF2B5EF4-FFF2-40B4-BE49-F238E27FC236}">
+                <a16:creationId xmlns:a16="http://schemas.microsoft.com/office/drawing/2014/main" id="{4351DFE5-F63D-4BE0-BDA9-E3EB88F01AA5}"/>
+              </a:ext>
+              <a:ext uri="{C183D7F6-B498-43B3-948B-1728B52AA6E4}">
+                <adec:decorative xmlns:adec="http://schemas.microsoft.com/office/drawing/2017/decorative" val="1"/>
+              </a:ext>
+            </a:extLst>
+          </p:cNvPr>
+          <p:cNvSpPr>
+            <a:spLocks noGrp="1" noRot="1" noChangeAspect="1" noMove="1" noResize="1" noEditPoints="1" noAdjustHandles="1" noChangeArrowheads="1" noChangeShapeType="1" noTextEdit="1"/>
+          </p:cNvSpPr>
+          <p:nvPr>
+            <p:extLst>
+              <p:ext uri="{386F3935-93C4-4BCD-93E2-E3B085C9AB24}">
+                <p16:designElem xmlns:p16="http://schemas.microsoft.com/office/powerpoint/2015/main" val="1"/>
+              </p:ext>
+            </p:extLst>
+          </p:nvPr>
+        </p:nvSpPr>
+        <p:spPr>
+          <a:xfrm>
+            <a:off x="355601" y="0"/>
+            <a:ext cx="11480494" cy="2753936"/>
+          </a:xfrm>
+          <a:prstGeom prst="rect">
+            <a:avLst/>
+          </a:prstGeom>
+          <a:gradFill>
+            <a:gsLst>
+              <a:gs pos="0">
+                <a:schemeClr val="accent5"/>
+              </a:gs>
+              <a:gs pos="25000">
+                <a:schemeClr val="accent5"/>
+              </a:gs>
+              <a:gs pos="94000">
+                <a:schemeClr val="bg2">
+                  <a:lumMod val="25000"/>
+                </a:schemeClr>
+              </a:gs>
+              <a:gs pos="100000">
+                <a:schemeClr val="bg2">
+                  <a:lumMod val="25000"/>
+                </a:schemeClr>
+              </a:gs>
+            </a:gsLst>
+            <a:lin ang="4200000" scaled="0"/>
+          </a:gradFill>
+          <a:ln>
+            <a:noFill/>
+          </a:ln>
+        </p:spPr>
+        <p:style>
+          <a:lnRef idx="2">
+            <a:schemeClr val="accent1">
+              <a:shade val="50000"/>
+            </a:schemeClr>
+          </a:lnRef>
+          <a:fillRef idx="1">
+            <a:schemeClr val="accent1"/>
+          </a:fillRef>
+          <a:effectRef idx="0">
+            <a:schemeClr val="accent1"/>
+          </a:effectRef>
+          <a:fontRef idx="minor">
+            <a:schemeClr val="lt1"/>
+          </a:fontRef>
+        </p:style>
+        <p:txBody>
+          <a:bodyPr rtlCol="0" anchor="ctr"/>
+          <a:lstStyle/>
+          <a:p>
+            <a:pPr algn="ctr"/>
+            <a:endParaRPr lang="en-US"/>
+          </a:p>
+        </p:txBody>
+      </p:sp>
+      <p:pic>
+        <p:nvPicPr>
+          <p:cNvPr id="39" name="Picture 38">
+            <a:extLst>
+              <a:ext uri="{FF2B5EF4-FFF2-40B4-BE49-F238E27FC236}">
+                <a16:creationId xmlns:a16="http://schemas.microsoft.com/office/drawing/2014/main" id="{02DD2BC0-6F29-4B4F-8D61-2DCF6D2E8E73}"/>
+              </a:ext>
+              <a:ext uri="{C183D7F6-B498-43B3-948B-1728B52AA6E4}">
+                <adec:decorative xmlns:adec="http://schemas.microsoft.com/office/drawing/2017/decorative" val="1"/>
+              </a:ext>
+            </a:extLst>
+          </p:cNvPr>
+          <p:cNvPicPr>
+            <a:picLocks noGrp="1" noRot="1" noChangeAspect="1" noMove="1" noResize="1" noEditPoints="1" noAdjustHandles="1" noChangeArrowheads="1" noChangeShapeType="1" noCrop="1"/>
+          </p:cNvPicPr>
+          <p:nvPr>
+            <p:extLst>
+              <p:ext uri="{386F3935-93C4-4BCD-93E2-E3B085C9AB24}">
+                <p16:designElem xmlns:p16="http://schemas.microsoft.com/office/powerpoint/2015/main" val="1"/>
+              </p:ext>
+            </p:extLst>
+          </p:nvPr>
+        </p:nvPicPr>
+        <p:blipFill>
+          <a:blip r:embed="rId2">
+            <a:extLst>
+              <a:ext uri="{28A0092B-C50C-407E-A947-70E740481C1C}">
+                <a14:useLocalDpi xmlns:a14="http://schemas.microsoft.com/office/drawing/2010/main" val="0"/>
+              </a:ext>
+            </a:extLst>
+          </a:blip>
+          <a:stretch>
+            <a:fillRect/>
+          </a:stretch>
+        </p:blipFill>
+        <p:spPr>
+          <a:xfrm>
+            <a:off x="0" y="0"/>
+            <a:ext cx="12192000" cy="6858000"/>
+          </a:xfrm>
+          <a:prstGeom prst="rect">
+            <a:avLst/>
+          </a:prstGeom>
+        </p:spPr>
+      </p:pic>
+      <p:pic>
+        <p:nvPicPr>
+          <p:cNvPr id="5" name="Content Placeholder 4" descr="Table&#10;&#10;Description automatically generated">
+            <a:extLst>
+              <a:ext uri="{FF2B5EF4-FFF2-40B4-BE49-F238E27FC236}">
+                <a16:creationId xmlns:a16="http://schemas.microsoft.com/office/drawing/2014/main" id="{5114B11C-0823-403D-8619-A75AEDB0732E}"/>
+              </a:ext>
+            </a:extLst>
+          </p:cNvPr>
+          <p:cNvPicPr>
+            <a:picLocks noChangeAspect="1"/>
+          </p:cNvPicPr>
+          <p:nvPr/>
+        </p:nvPicPr>
+        <p:blipFill>
+          <a:blip r:embed="rId3">
+            <a:extLst>
+              <a:ext uri="{28A0092B-C50C-407E-A947-70E740481C1C}">
+                <a14:useLocalDpi xmlns:a14="http://schemas.microsoft.com/office/drawing/2010/main" val="0"/>
+              </a:ext>
+            </a:extLst>
+          </a:blip>
+          <a:stretch>
+            <a:fillRect/>
+          </a:stretch>
+        </p:blipFill>
+        <p:spPr>
+          <a:xfrm>
+            <a:off x="1106488" y="2898775"/>
+            <a:ext cx="6361113" cy="3130550"/>
+          </a:xfrm>
+          <a:prstGeom prst="rect">
+            <a:avLst/>
+          </a:prstGeom>
+        </p:spPr>
+      </p:pic>
+      <p:pic>
+        <p:nvPicPr>
+          <p:cNvPr id="7" name="Picture 6" descr="Table&#10;&#10;Description automatically generated">
+            <a:extLst>
+              <a:ext uri="{FF2B5EF4-FFF2-40B4-BE49-F238E27FC236}">
+                <a16:creationId xmlns:a16="http://schemas.microsoft.com/office/drawing/2014/main" id="{270EBDC6-30F7-4DB0-8466-6293AC41B2CC}"/>
+              </a:ext>
+            </a:extLst>
+          </p:cNvPr>
+          <p:cNvPicPr>
+            <a:picLocks noChangeAspect="1"/>
+          </p:cNvPicPr>
+          <p:nvPr/>
+        </p:nvPicPr>
+        <p:blipFill>
+          <a:blip r:embed="rId4">
+            <a:extLst>
+              <a:ext uri="{28A0092B-C50C-407E-A947-70E740481C1C}">
+                <a14:useLocalDpi xmlns:a14="http://schemas.microsoft.com/office/drawing/2010/main" val="0"/>
+              </a:ext>
+            </a:extLst>
+          </a:blip>
+          <a:stretch>
+            <a:fillRect/>
+          </a:stretch>
+        </p:blipFill>
+        <p:spPr>
+          <a:xfrm>
+            <a:off x="7535863" y="2898775"/>
+            <a:ext cx="3546475" cy="3130550"/>
+          </a:xfrm>
+          <a:prstGeom prst="rect">
+            <a:avLst/>
+          </a:prstGeom>
+        </p:spPr>
+      </p:pic>
+      <p:sp>
+        <p:nvSpPr>
+          <p:cNvPr id="2" name="Title 1">
+            <a:extLst>
+              <a:ext uri="{FF2B5EF4-FFF2-40B4-BE49-F238E27FC236}">
+                <a16:creationId xmlns:a16="http://schemas.microsoft.com/office/drawing/2014/main" id="{75BADD90-8769-4AB9-9D1E-AB95ED0F2AAD}"/>
+              </a:ext>
+            </a:extLst>
+          </p:cNvPr>
+          <p:cNvSpPr>
+            <a:spLocks noGrp="1"/>
+          </p:cNvSpPr>
+          <p:nvPr>
+            <p:ph type="title"/>
+          </p:nvPr>
+        </p:nvSpPr>
+        <p:spPr>
+          <a:xfrm>
+            <a:off x="1179226" y="826680"/>
+            <a:ext cx="9833548" cy="1325563"/>
+          </a:xfrm>
+        </p:spPr>
+        <p:txBody>
+          <a:bodyPr vert="horz" lIns="91440" tIns="45720" rIns="91440" bIns="45720" rtlCol="0">
+            <a:normAutofit/>
+          </a:bodyPr>
+          <a:lstStyle/>
+          <a:p>
+            <a:pPr algn="ctr"/>
+            <a:r>
+              <a:rPr lang="en-US" sz="4000">
+                <a:solidFill>
+                  <a:srgbClr val="FFFFFF"/>
+                </a:solidFill>
+              </a:rPr>
+              <a:t>Inner Join or Join</a:t>
+            </a:r>
+          </a:p>
+        </p:txBody>
+      </p:sp>
+    </p:spTree>
+    <p:extLst>
+      <p:ext uri="{BB962C8B-B14F-4D97-AF65-F5344CB8AC3E}">
+        <p14:creationId xmlns:p14="http://schemas.microsoft.com/office/powerpoint/2010/main" val="904731359"/>
+      </p:ext>
+    </p:extLst>
+  </p:cSld>
+  <p:clrMapOvr>
+    <a:masterClrMapping/>
+  </p:clrMapOvr>
+</p:sld>
+</file>
+
+<file path=ppt/slides/slide6.xml><?xml version="1.0" encoding="utf-8"?>
 <p:sld xmlns:a="http://schemas.openxmlformats.org/drawingml/2006/main" xmlns:r="http://schemas.openxmlformats.org/officeDocument/2006/relationships" xmlns:p="http://schemas.openxmlformats.org/presentationml/2006/main">
   <p:cSld>
     <p:bg>
@@ -9447,7 +12730,7 @@
           <p:cNvPr id="2" name="Title 1">
             <a:extLst>
               <a:ext uri="{FF2B5EF4-FFF2-40B4-BE49-F238E27FC236}">
-                <a16:creationId xmlns:a16="http://schemas.microsoft.com/office/drawing/2014/main" id="{F55C06D7-865F-4604-85B4-71BE0126FF61}"/>
+                <a16:creationId xmlns:a16="http://schemas.microsoft.com/office/drawing/2014/main" id="{A4695ED7-1D62-4072-B051-D3F469C0376E}"/>
               </a:ext>
             </a:extLst>
           </p:cNvPr>
@@ -9472,7 +12755,7 @@
           <a:p>
             <a:pPr algn="ctr"/>
             <a:r>
-              <a:rPr lang="en-US" sz="3000" kern="1200">
+              <a:rPr lang="en-US" sz="3000" kern="1200" dirty="0">
                 <a:solidFill>
                   <a:schemeClr val="bg1"/>
                 </a:solidFill>
@@ -9480,7 +12763,7 @@
                 <a:ea typeface="+mj-ea"/>
                 <a:cs typeface="+mj-cs"/>
               </a:rPr>
-              <a:t>Right join or Right outer join : Returns all records from the table to the right of the keyword “JOIN”</a:t>
+              <a:t>Full join or Outer join – Returns all rows, whether or not there is a match within tables</a:t>
             </a:r>
           </a:p>
         </p:txBody>
@@ -9596,10 +12879,10 @@
       </p:cxnSp>
       <p:pic>
         <p:nvPicPr>
-          <p:cNvPr id="5" name="Content Placeholder 4" descr="Shape, arrow, funnel chart&#10;&#10;Description automatically generated">
+          <p:cNvPr id="5" name="Content Placeholder 4" descr="Shape, arrow&#10;&#10;Description automatically generated">
             <a:extLst>
               <a:ext uri="{FF2B5EF4-FFF2-40B4-BE49-F238E27FC236}">
-                <a16:creationId xmlns:a16="http://schemas.microsoft.com/office/drawing/2014/main" id="{B13C746C-79FE-4BB0-942E-023B52A00844}"/>
+                <a16:creationId xmlns:a16="http://schemas.microsoft.com/office/drawing/2014/main" id="{18A9040D-C71D-4DE0-949D-7AE228572A2F}"/>
               </a:ext>
             </a:extLst>
           </p:cNvPr>
@@ -9624,8 +12907,8 @@
         </p:blipFill>
         <p:spPr>
           <a:xfrm>
-            <a:off x="357538" y="2427541"/>
-            <a:ext cx="11421824" cy="3997637"/>
+            <a:off x="629488" y="2427541"/>
+            <a:ext cx="10877924" cy="3997637"/>
           </a:xfrm>
           <a:prstGeom prst="rect">
             <a:avLst/>
@@ -9635,7 +12918,863 @@
     </p:spTree>
     <p:extLst>
       <p:ext uri="{BB962C8B-B14F-4D97-AF65-F5344CB8AC3E}">
-        <p14:creationId xmlns:p14="http://schemas.microsoft.com/office/powerpoint/2010/main" val="4063834642"/>
+        <p14:creationId xmlns:p14="http://schemas.microsoft.com/office/powerpoint/2010/main" val="3111466489"/>
+      </p:ext>
+    </p:extLst>
+  </p:cSld>
+  <p:clrMapOvr>
+    <a:masterClrMapping/>
+  </p:clrMapOvr>
+</p:sld>
+</file>
+
+<file path=ppt/slides/slide7.xml><?xml version="1.0" encoding="utf-8"?>
+<p:sld xmlns:a="http://schemas.openxmlformats.org/drawingml/2006/main" xmlns:r="http://schemas.openxmlformats.org/officeDocument/2006/relationships" xmlns:p="http://schemas.openxmlformats.org/presentationml/2006/main">
+  <p:cSld>
+    <p:bg>
+      <p:bgPr>
+        <a:solidFill>
+          <a:schemeClr val="bg1"/>
+        </a:solidFill>
+        <a:effectLst/>
+      </p:bgPr>
+    </p:bg>
+    <p:spTree>
+      <p:nvGrpSpPr>
+        <p:cNvPr id="1" name=""/>
+        <p:cNvGrpSpPr/>
+        <p:nvPr/>
+      </p:nvGrpSpPr>
+      <p:grpSpPr>
+        <a:xfrm>
+          <a:off x="0" y="0"/>
+          <a:ext cx="0" cy="0"/>
+          <a:chOff x="0" y="0"/>
+          <a:chExt cx="0" cy="0"/>
+        </a:xfrm>
+      </p:grpSpPr>
+      <p:sp>
+        <p:nvSpPr>
+          <p:cNvPr id="17" name="Rectangle 16">
+            <a:extLst>
+              <a:ext uri="{FF2B5EF4-FFF2-40B4-BE49-F238E27FC236}">
+                <a16:creationId xmlns:a16="http://schemas.microsoft.com/office/drawing/2014/main" id="{1045B59B-615E-4718-A150-42DE5D03E1C8}"/>
+              </a:ext>
+              <a:ext uri="{C183D7F6-B498-43B3-948B-1728B52AA6E4}">
+                <adec:decorative xmlns:adec="http://schemas.microsoft.com/office/drawing/2017/decorative" val="1"/>
+              </a:ext>
+            </a:extLst>
+          </p:cNvPr>
+          <p:cNvSpPr>
+            <a:spLocks noGrp="1" noRot="1" noChangeAspect="1" noMove="1" noResize="1" noEditPoints="1" noAdjustHandles="1" noChangeArrowheads="1" noChangeShapeType="1" noTextEdit="1"/>
+          </p:cNvSpPr>
+          <p:nvPr>
+            <p:extLst>
+              <p:ext uri="{386F3935-93C4-4BCD-93E2-E3B085C9AB24}">
+                <p16:designElem xmlns:p16="http://schemas.microsoft.com/office/powerpoint/2015/main" val="1"/>
+              </p:ext>
+            </p:extLst>
+          </p:nvPr>
+        </p:nvSpPr>
+        <p:spPr>
+          <a:xfrm>
+            <a:off x="0" y="0"/>
+            <a:ext cx="12192000" cy="6858000"/>
+          </a:xfrm>
+          <a:prstGeom prst="rect">
+            <a:avLst/>
+          </a:prstGeom>
+          <a:solidFill>
+            <a:srgbClr val="FFFFFF"/>
+          </a:solidFill>
+          <a:ln>
+            <a:noFill/>
+          </a:ln>
+        </p:spPr>
+        <p:style>
+          <a:lnRef idx="2">
+            <a:schemeClr val="accent1">
+              <a:shade val="50000"/>
+            </a:schemeClr>
+          </a:lnRef>
+          <a:fillRef idx="1">
+            <a:schemeClr val="accent1"/>
+          </a:fillRef>
+          <a:effectRef idx="0">
+            <a:schemeClr val="accent1"/>
+          </a:effectRef>
+          <a:fontRef idx="minor">
+            <a:schemeClr val="lt1"/>
+          </a:fontRef>
+        </p:style>
+        <p:txBody>
+          <a:bodyPr rtlCol="0" anchor="ctr"/>
+          <a:lstStyle/>
+          <a:p>
+            <a:pPr algn="ctr"/>
+            <a:endParaRPr lang="en-US"/>
+          </a:p>
+        </p:txBody>
+      </p:sp>
+      <p:sp>
+        <p:nvSpPr>
+          <p:cNvPr id="19" name="Rectangle 18">
+            <a:extLst>
+              <a:ext uri="{FF2B5EF4-FFF2-40B4-BE49-F238E27FC236}">
+                <a16:creationId xmlns:a16="http://schemas.microsoft.com/office/drawing/2014/main" id="{D6CF29CD-38B8-4924-BA11-6D60517487EF}"/>
+              </a:ext>
+              <a:ext uri="{C183D7F6-B498-43B3-948B-1728B52AA6E4}">
+                <adec:decorative xmlns:adec="http://schemas.microsoft.com/office/drawing/2017/decorative" val="1"/>
+              </a:ext>
+            </a:extLst>
+          </p:cNvPr>
+          <p:cNvSpPr>
+            <a:spLocks noGrp="1" noRot="1" noChangeAspect="1" noMove="1" noResize="1" noEditPoints="1" noAdjustHandles="1" noChangeArrowheads="1" noChangeShapeType="1" noTextEdit="1"/>
+          </p:cNvSpPr>
+          <p:nvPr>
+            <p:extLst>
+              <p:ext uri="{386F3935-93C4-4BCD-93E2-E3B085C9AB24}">
+                <p16:designElem xmlns:p16="http://schemas.microsoft.com/office/powerpoint/2015/main" val="1"/>
+              </p:ext>
+            </p:extLst>
+          </p:nvPr>
+        </p:nvSpPr>
+        <p:spPr>
+          <a:xfrm>
+            <a:off x="0" y="0"/>
+            <a:ext cx="12192000" cy="2615184"/>
+          </a:xfrm>
+          <a:prstGeom prst="rect">
+            <a:avLst/>
+          </a:prstGeom>
+          <a:solidFill>
+            <a:srgbClr val="404040"/>
+          </a:solidFill>
+          <a:ln>
+            <a:noFill/>
+          </a:ln>
+        </p:spPr>
+        <p:style>
+          <a:lnRef idx="2">
+            <a:schemeClr val="accent1">
+              <a:shade val="50000"/>
+            </a:schemeClr>
+          </a:lnRef>
+          <a:fillRef idx="1">
+            <a:schemeClr val="accent1"/>
+          </a:fillRef>
+          <a:effectRef idx="0">
+            <a:schemeClr val="accent1"/>
+          </a:effectRef>
+          <a:fontRef idx="minor">
+            <a:schemeClr val="lt1"/>
+          </a:fontRef>
+        </p:style>
+        <p:txBody>
+          <a:bodyPr rtlCol="0" anchor="ctr"/>
+          <a:lstStyle/>
+          <a:p>
+            <a:pPr algn="ctr"/>
+            <a:endParaRPr lang="en-US"/>
+          </a:p>
+        </p:txBody>
+      </p:sp>
+      <p:sp>
+        <p:nvSpPr>
+          <p:cNvPr id="2" name="Title 1">
+            <a:extLst>
+              <a:ext uri="{FF2B5EF4-FFF2-40B4-BE49-F238E27FC236}">
+                <a16:creationId xmlns:a16="http://schemas.microsoft.com/office/drawing/2014/main" id="{7D8D685F-D47B-46F6-BF4D-6AE7B2A65DD5}"/>
+              </a:ext>
+            </a:extLst>
+          </p:cNvPr>
+          <p:cNvSpPr>
+            <a:spLocks noGrp="1"/>
+          </p:cNvSpPr>
+          <p:nvPr>
+            <p:ph type="title"/>
+          </p:nvPr>
+        </p:nvSpPr>
+        <p:spPr>
+          <a:xfrm>
+            <a:off x="707011" y="365760"/>
+            <a:ext cx="10765410" cy="1207269"/>
+          </a:xfrm>
+        </p:spPr>
+        <p:txBody>
+          <a:bodyPr vert="horz" lIns="91440" tIns="45720" rIns="91440" bIns="45720" rtlCol="0" anchor="b">
+            <a:normAutofit/>
+          </a:bodyPr>
+          <a:lstStyle/>
+          <a:p>
+            <a:pPr algn="ctr"/>
+            <a:r>
+              <a:rPr lang="en-US" sz="3800" kern="1200">
+                <a:solidFill>
+                  <a:srgbClr val="FFFFFF"/>
+                </a:solidFill>
+                <a:latin typeface="+mj-lt"/>
+                <a:ea typeface="+mj-ea"/>
+                <a:cs typeface="+mj-cs"/>
+              </a:rPr>
+              <a:t>Left join or left outer join : Returns all records from the table to the left of the keyword “JOIN”.</a:t>
+            </a:r>
+          </a:p>
+        </p:txBody>
+      </p:sp>
+      <p:pic>
+        <p:nvPicPr>
+          <p:cNvPr id="5" name="Content Placeholder 4" descr="Diagram, venn diagram&#10;&#10;Description automatically generated">
+            <a:extLst>
+              <a:ext uri="{FF2B5EF4-FFF2-40B4-BE49-F238E27FC236}">
+                <a16:creationId xmlns:a16="http://schemas.microsoft.com/office/drawing/2014/main" id="{21CFBB20-E1C3-4D08-B33A-95E7D001D27A}"/>
+              </a:ext>
+            </a:extLst>
+          </p:cNvPr>
+          <p:cNvPicPr>
+            <a:picLocks noChangeAspect="1"/>
+          </p:cNvPicPr>
+          <p:nvPr/>
+        </p:nvPicPr>
+        <p:blipFill rotWithShape="1">
+          <a:blip r:embed="rId2">
+            <a:extLst>
+              <a:ext uri="{28A0092B-C50C-407E-A947-70E740481C1C}">
+                <a14:useLocalDpi xmlns:a14="http://schemas.microsoft.com/office/drawing/2010/main" val="0"/>
+              </a:ext>
+            </a:extLst>
+          </a:blip>
+          <a:srcRect r="3738" b="3"/>
+          <a:stretch/>
+        </p:blipFill>
+        <p:spPr>
+          <a:xfrm>
+            <a:off x="3310373" y="2943847"/>
+            <a:ext cx="5581622" cy="3275978"/>
+          </a:xfrm>
+          <a:prstGeom prst="rect">
+            <a:avLst/>
+          </a:prstGeom>
+        </p:spPr>
+      </p:pic>
+    </p:spTree>
+    <p:extLst>
+      <p:ext uri="{BB962C8B-B14F-4D97-AF65-F5344CB8AC3E}">
+        <p14:creationId xmlns:p14="http://schemas.microsoft.com/office/powerpoint/2010/main" val="1483686233"/>
+      </p:ext>
+    </p:extLst>
+  </p:cSld>
+  <p:clrMapOvr>
+    <a:masterClrMapping/>
+  </p:clrMapOvr>
+</p:sld>
+</file>
+
+<file path=ppt/slides/slide8.xml><?xml version="1.0" encoding="utf-8"?>
+<p:sld xmlns:a="http://schemas.openxmlformats.org/drawingml/2006/main" xmlns:r="http://schemas.openxmlformats.org/officeDocument/2006/relationships" xmlns:p="http://schemas.openxmlformats.org/presentationml/2006/main">
+  <p:cSld>
+    <p:bg>
+      <p:bgPr>
+        <a:solidFill>
+          <a:schemeClr val="bg1"/>
+        </a:solidFill>
+        <a:effectLst/>
+      </p:bgPr>
+    </p:bg>
+    <p:spTree>
+      <p:nvGrpSpPr>
+        <p:cNvPr id="1" name=""/>
+        <p:cNvGrpSpPr/>
+        <p:nvPr/>
+      </p:nvGrpSpPr>
+      <p:grpSpPr>
+        <a:xfrm>
+          <a:off x="0" y="0"/>
+          <a:ext cx="0" cy="0"/>
+          <a:chOff x="0" y="0"/>
+          <a:chExt cx="0" cy="0"/>
+        </a:xfrm>
+      </p:grpSpPr>
+      <p:cxnSp>
+        <p:nvCxnSpPr>
+          <p:cNvPr id="10" name="Straight Connector 9">
+            <a:extLst>
+              <a:ext uri="{FF2B5EF4-FFF2-40B4-BE49-F238E27FC236}">
+                <a16:creationId xmlns:a16="http://schemas.microsoft.com/office/drawing/2014/main" id="{D2E961F1-4A28-4A5F-BBD4-6E400E5E6C75}"/>
+              </a:ext>
+              <a:ext uri="{C183D7F6-B498-43B3-948B-1728B52AA6E4}">
+                <adec:decorative xmlns:adec="http://schemas.microsoft.com/office/drawing/2017/decorative" val="1"/>
+              </a:ext>
+            </a:extLst>
+          </p:cNvPr>
+          <p:cNvCxnSpPr>
+            <a:cxnSpLocks noGrp="1" noRot="1" noChangeAspect="1" noMove="1" noResize="1" noEditPoints="1" noAdjustHandles="1" noChangeArrowheads="1" noChangeShapeType="1"/>
+          </p:cNvCxnSpPr>
+          <p:nvPr>
+            <p:extLst>
+              <p:ext uri="{386F3935-93C4-4BCD-93E2-E3B085C9AB24}">
+                <p16:designElem xmlns:p16="http://schemas.microsoft.com/office/powerpoint/2015/main" val="1"/>
+              </p:ext>
+            </p:extLst>
+          </p:nvPr>
+        </p:nvCxnSpPr>
+        <p:spPr bwMode="white">
+          <a:xfrm>
+            <a:off x="0" y="272357"/>
+            <a:ext cx="12188824" cy="0"/>
+          </a:xfrm>
+          <a:prstGeom prst="line">
+            <a:avLst/>
+          </a:prstGeom>
+          <a:ln w="50800">
+            <a:solidFill>
+              <a:schemeClr val="tx1">
+                <a:lumMod val="75000"/>
+                <a:lumOff val="25000"/>
+              </a:schemeClr>
+            </a:solidFill>
+          </a:ln>
+        </p:spPr>
+        <p:style>
+          <a:lnRef idx="1">
+            <a:schemeClr val="accent1"/>
+          </a:lnRef>
+          <a:fillRef idx="0">
+            <a:schemeClr val="accent1"/>
+          </a:fillRef>
+          <a:effectRef idx="0">
+            <a:schemeClr val="accent1"/>
+          </a:effectRef>
+          <a:fontRef idx="minor">
+            <a:schemeClr val="tx1"/>
+          </a:fontRef>
+        </p:style>
+      </p:cxnSp>
+      <p:sp>
+        <p:nvSpPr>
+          <p:cNvPr id="12" name="Rectangle 11">
+            <a:extLst>
+              <a:ext uri="{FF2B5EF4-FFF2-40B4-BE49-F238E27FC236}">
+                <a16:creationId xmlns:a16="http://schemas.microsoft.com/office/drawing/2014/main" id="{7F57BEA8-497D-4AA8-8A18-BDCD696B25FE}"/>
+              </a:ext>
+              <a:ext uri="{C183D7F6-B498-43B3-948B-1728B52AA6E4}">
+                <adec:decorative xmlns:adec="http://schemas.microsoft.com/office/drawing/2017/decorative" val="1"/>
+              </a:ext>
+            </a:extLst>
+          </p:cNvPr>
+          <p:cNvSpPr>
+            <a:spLocks noGrp="1" noRot="1" noChangeAspect="1" noMove="1" noResize="1" noEditPoints="1" noAdjustHandles="1" noChangeArrowheads="1" noChangeShapeType="1" noTextEdit="1"/>
+          </p:cNvSpPr>
+          <p:nvPr>
+            <p:extLst>
+              <p:ext uri="{386F3935-93C4-4BCD-93E2-E3B085C9AB24}">
+                <p16:designElem xmlns:p16="http://schemas.microsoft.com/office/powerpoint/2015/main" val="1"/>
+              </p:ext>
+            </p:extLst>
+          </p:nvPr>
+        </p:nvSpPr>
+        <p:spPr>
+          <a:xfrm>
+            <a:off x="0" y="368596"/>
+            <a:ext cx="12192000" cy="1735555"/>
+          </a:xfrm>
+          <a:prstGeom prst="rect">
+            <a:avLst/>
+          </a:prstGeom>
+          <a:solidFill>
+            <a:schemeClr val="tx1">
+              <a:lumMod val="75000"/>
+              <a:lumOff val="25000"/>
+            </a:schemeClr>
+          </a:solidFill>
+          <a:ln>
+            <a:noFill/>
+          </a:ln>
+        </p:spPr>
+        <p:style>
+          <a:lnRef idx="2">
+            <a:schemeClr val="accent1">
+              <a:shade val="50000"/>
+            </a:schemeClr>
+          </a:lnRef>
+          <a:fillRef idx="1">
+            <a:schemeClr val="accent1"/>
+          </a:fillRef>
+          <a:effectRef idx="0">
+            <a:schemeClr val="accent1"/>
+          </a:effectRef>
+          <a:fontRef idx="minor">
+            <a:schemeClr val="lt1"/>
+          </a:fontRef>
+        </p:style>
+        <p:txBody>
+          <a:bodyPr rtlCol="0" anchor="ctr"/>
+          <a:lstStyle/>
+          <a:p>
+            <a:pPr algn="ctr"/>
+            <a:endParaRPr lang="en-US"/>
+          </a:p>
+        </p:txBody>
+      </p:sp>
+      <p:sp>
+        <p:nvSpPr>
+          <p:cNvPr id="2" name="Title 1">
+            <a:extLst>
+              <a:ext uri="{FF2B5EF4-FFF2-40B4-BE49-F238E27FC236}">
+                <a16:creationId xmlns:a16="http://schemas.microsoft.com/office/drawing/2014/main" id="{204CE74F-27A4-4D4D-B052-BA2E16391308}"/>
+              </a:ext>
+            </a:extLst>
+          </p:cNvPr>
+          <p:cNvSpPr>
+            <a:spLocks noGrp="1"/>
+          </p:cNvSpPr>
+          <p:nvPr>
+            <p:ph type="title"/>
+          </p:nvPr>
+        </p:nvSpPr>
+        <p:spPr>
+          <a:xfrm>
+            <a:off x="526073" y="489439"/>
+            <a:ext cx="11139854" cy="930447"/>
+          </a:xfrm>
+        </p:spPr>
+        <p:txBody>
+          <a:bodyPr vert="horz" lIns="91440" tIns="45720" rIns="91440" bIns="45720" rtlCol="0" anchor="b">
+            <a:normAutofit/>
+          </a:bodyPr>
+          <a:lstStyle/>
+          <a:p>
+            <a:pPr algn="ctr"/>
+            <a:r>
+              <a:rPr lang="en-US" sz="5400" kern="1200">
+                <a:solidFill>
+                  <a:schemeClr val="bg1"/>
+                </a:solidFill>
+                <a:latin typeface="+mj-lt"/>
+                <a:ea typeface="+mj-ea"/>
+                <a:cs typeface="+mj-cs"/>
+              </a:rPr>
+              <a:t>Left join or Left outer join</a:t>
+            </a:r>
+          </a:p>
+        </p:txBody>
+      </p:sp>
+      <p:cxnSp>
+        <p:nvCxnSpPr>
+          <p:cNvPr id="14" name="Straight Connector 13">
+            <a:extLst>
+              <a:ext uri="{FF2B5EF4-FFF2-40B4-BE49-F238E27FC236}">
+                <a16:creationId xmlns:a16="http://schemas.microsoft.com/office/drawing/2014/main" id="{A82415D3-DDE5-4D63-8CB3-23A5EC581B27}"/>
+              </a:ext>
+              <a:ext uri="{C183D7F6-B498-43B3-948B-1728B52AA6E4}">
+                <adec:decorative xmlns:adec="http://schemas.microsoft.com/office/drawing/2017/decorative" val="1"/>
+              </a:ext>
+            </a:extLst>
+          </p:cNvPr>
+          <p:cNvCxnSpPr>
+            <a:cxnSpLocks noGrp="1" noRot="1" noChangeAspect="1" noMove="1" noResize="1" noEditPoints="1" noAdjustHandles="1" noChangeArrowheads="1" noChangeShapeType="1"/>
+          </p:cNvCxnSpPr>
+          <p:nvPr>
+            <p:extLst>
+              <p:ext uri="{386F3935-93C4-4BCD-93E2-E3B085C9AB24}">
+                <p16:designElem xmlns:p16="http://schemas.microsoft.com/office/powerpoint/2015/main" val="1"/>
+              </p:ext>
+            </p:extLst>
+          </p:nvPr>
+        </p:nvCxnSpPr>
+        <p:spPr>
+          <a:xfrm>
+            <a:off x="4724400" y="1479733"/>
+            <a:ext cx="2743200" cy="0"/>
+          </a:xfrm>
+          <a:prstGeom prst="line">
+            <a:avLst/>
+          </a:prstGeom>
+          <a:ln w="19050">
+            <a:solidFill>
+              <a:schemeClr val="bg1">
+                <a:alpha val="75000"/>
+              </a:schemeClr>
+            </a:solidFill>
+          </a:ln>
+        </p:spPr>
+        <p:style>
+          <a:lnRef idx="1">
+            <a:schemeClr val="accent1"/>
+          </a:lnRef>
+          <a:fillRef idx="0">
+            <a:schemeClr val="accent1"/>
+          </a:fillRef>
+          <a:effectRef idx="0">
+            <a:schemeClr val="accent1"/>
+          </a:effectRef>
+          <a:fontRef idx="minor">
+            <a:schemeClr val="tx1"/>
+          </a:fontRef>
+        </p:style>
+      </p:cxnSp>
+      <p:cxnSp>
+        <p:nvCxnSpPr>
+          <p:cNvPr id="16" name="Straight Connector 15">
+            <a:extLst>
+              <a:ext uri="{FF2B5EF4-FFF2-40B4-BE49-F238E27FC236}">
+                <a16:creationId xmlns:a16="http://schemas.microsoft.com/office/drawing/2014/main" id="{AD7193FB-6AE6-4B3B-8F89-56B55DD63B4D}"/>
+              </a:ext>
+              <a:ext uri="{C183D7F6-B498-43B3-948B-1728B52AA6E4}">
+                <adec:decorative xmlns:adec="http://schemas.microsoft.com/office/drawing/2017/decorative" val="1"/>
+              </a:ext>
+            </a:extLst>
+          </p:cNvPr>
+          <p:cNvCxnSpPr>
+            <a:cxnSpLocks noGrp="1" noRot="1" noChangeAspect="1" noMove="1" noResize="1" noEditPoints="1" noAdjustHandles="1" noChangeArrowheads="1" noChangeShapeType="1"/>
+          </p:cNvCxnSpPr>
+          <p:nvPr>
+            <p:extLst>
+              <p:ext uri="{386F3935-93C4-4BCD-93E2-E3B085C9AB24}">
+                <p16:designElem xmlns:p16="http://schemas.microsoft.com/office/powerpoint/2015/main" val="1"/>
+              </p:ext>
+            </p:extLst>
+          </p:nvPr>
+        </p:nvCxnSpPr>
+        <p:spPr bwMode="white">
+          <a:xfrm>
+            <a:off x="0" y="2201402"/>
+            <a:ext cx="12188824" cy="0"/>
+          </a:xfrm>
+          <a:prstGeom prst="line">
+            <a:avLst/>
+          </a:prstGeom>
+          <a:ln w="50800">
+            <a:solidFill>
+              <a:schemeClr val="tx1">
+                <a:lumMod val="75000"/>
+                <a:lumOff val="25000"/>
+              </a:schemeClr>
+            </a:solidFill>
+          </a:ln>
+        </p:spPr>
+        <p:style>
+          <a:lnRef idx="1">
+            <a:schemeClr val="accent1"/>
+          </a:lnRef>
+          <a:fillRef idx="0">
+            <a:schemeClr val="accent1"/>
+          </a:fillRef>
+          <a:effectRef idx="0">
+            <a:schemeClr val="accent1"/>
+          </a:effectRef>
+          <a:fontRef idx="minor">
+            <a:schemeClr val="tx1"/>
+          </a:fontRef>
+        </p:style>
+      </p:cxnSp>
+      <p:pic>
+        <p:nvPicPr>
+          <p:cNvPr id="5" name="Content Placeholder 4" descr="Shape, arrow&#10;&#10;Description automatically generated">
+            <a:extLst>
+              <a:ext uri="{FF2B5EF4-FFF2-40B4-BE49-F238E27FC236}">
+                <a16:creationId xmlns:a16="http://schemas.microsoft.com/office/drawing/2014/main" id="{B9081E96-E452-4A76-9759-82388F1DF2EA}"/>
+              </a:ext>
+            </a:extLst>
+          </p:cNvPr>
+          <p:cNvPicPr>
+            <a:picLocks noGrp="1" noChangeAspect="1"/>
+          </p:cNvPicPr>
+          <p:nvPr>
+            <p:ph idx="1"/>
+          </p:nvPr>
+        </p:nvPicPr>
+        <p:blipFill>
+          <a:blip r:embed="rId2">
+            <a:extLst>
+              <a:ext uri="{28A0092B-C50C-407E-A947-70E740481C1C}">
+                <a14:useLocalDpi xmlns:a14="http://schemas.microsoft.com/office/drawing/2010/main" val="0"/>
+              </a:ext>
+            </a:extLst>
+          </a:blip>
+          <a:stretch>
+            <a:fillRect/>
+          </a:stretch>
+        </p:blipFill>
+        <p:spPr>
+          <a:xfrm>
+            <a:off x="702493" y="2427541"/>
+            <a:ext cx="10731914" cy="3997637"/>
+          </a:xfrm>
+          <a:prstGeom prst="rect">
+            <a:avLst/>
+          </a:prstGeom>
+        </p:spPr>
+      </p:pic>
+    </p:spTree>
+    <p:extLst>
+      <p:ext uri="{BB962C8B-B14F-4D97-AF65-F5344CB8AC3E}">
+        <p14:creationId xmlns:p14="http://schemas.microsoft.com/office/powerpoint/2010/main" val="3934657056"/>
+      </p:ext>
+    </p:extLst>
+  </p:cSld>
+  <p:clrMapOvr>
+    <a:masterClrMapping/>
+  </p:clrMapOvr>
+</p:sld>
+</file>
+
+<file path=ppt/slides/slide9.xml><?xml version="1.0" encoding="utf-8"?>
+<p:sld xmlns:a="http://schemas.openxmlformats.org/drawingml/2006/main" xmlns:r="http://schemas.openxmlformats.org/officeDocument/2006/relationships" xmlns:p="http://schemas.openxmlformats.org/presentationml/2006/main">
+  <p:cSld>
+    <p:bg>
+      <p:bgPr>
+        <a:solidFill>
+          <a:schemeClr val="bg1"/>
+        </a:solidFill>
+        <a:effectLst/>
+      </p:bgPr>
+    </p:bg>
+    <p:spTree>
+      <p:nvGrpSpPr>
+        <p:cNvPr id="1" name=""/>
+        <p:cNvGrpSpPr/>
+        <p:nvPr/>
+      </p:nvGrpSpPr>
+      <p:grpSpPr>
+        <a:xfrm>
+          <a:off x="0" y="0"/>
+          <a:ext cx="0" cy="0"/>
+          <a:chOff x="0" y="0"/>
+          <a:chExt cx="0" cy="0"/>
+        </a:xfrm>
+      </p:grpSpPr>
+      <p:sp>
+        <p:nvSpPr>
+          <p:cNvPr id="10" name="Rectangle 9">
+            <a:extLst>
+              <a:ext uri="{FF2B5EF4-FFF2-40B4-BE49-F238E27FC236}">
+                <a16:creationId xmlns:a16="http://schemas.microsoft.com/office/drawing/2014/main" id="{823AC064-BC96-4F32-8AE1-B2FD38754823}"/>
+              </a:ext>
+              <a:ext uri="{C183D7F6-B498-43B3-948B-1728B52AA6E4}">
+                <adec:decorative xmlns:adec="http://schemas.microsoft.com/office/drawing/2017/decorative" val="1"/>
+              </a:ext>
+            </a:extLst>
+          </p:cNvPr>
+          <p:cNvSpPr>
+            <a:spLocks noGrp="1" noRot="1" noChangeAspect="1" noMove="1" noResize="1" noEditPoints="1" noAdjustHandles="1" noChangeArrowheads="1" noChangeShapeType="1" noTextEdit="1"/>
+          </p:cNvSpPr>
+          <p:nvPr>
+            <p:extLst>
+              <p:ext uri="{386F3935-93C4-4BCD-93E2-E3B085C9AB24}">
+                <p16:designElem xmlns:p16="http://schemas.microsoft.com/office/powerpoint/2015/main" val="1"/>
+              </p:ext>
+            </p:extLst>
+          </p:nvPr>
+        </p:nvSpPr>
+        <p:spPr bwMode="ltGray">
+          <a:xfrm>
+            <a:off x="378068" y="343486"/>
+            <a:ext cx="11438793" cy="1844256"/>
+          </a:xfrm>
+          <a:prstGeom prst="rect">
+            <a:avLst/>
+          </a:prstGeom>
+          <a:solidFill>
+            <a:srgbClr val="404040"/>
+          </a:solidFill>
+          <a:ln w="127000" cap="sq" cmpd="thinThick">
+            <a:solidFill>
+              <a:srgbClr val="404040"/>
+            </a:solidFill>
+          </a:ln>
+        </p:spPr>
+        <p:style>
+          <a:lnRef idx="2">
+            <a:schemeClr val="accent1">
+              <a:shade val="50000"/>
+            </a:schemeClr>
+          </a:lnRef>
+          <a:fillRef idx="1">
+            <a:schemeClr val="accent1"/>
+          </a:fillRef>
+          <a:effectRef idx="0">
+            <a:schemeClr val="accent1"/>
+          </a:effectRef>
+          <a:fontRef idx="minor">
+            <a:schemeClr val="lt1"/>
+          </a:fontRef>
+        </p:style>
+        <p:txBody>
+          <a:bodyPr rtlCol="0" anchor="ctr"/>
+          <a:lstStyle/>
+          <a:p>
+            <a:pPr marL="0" marR="0" lvl="0" indent="0" algn="ctr" defTabSz="914400" rtl="0" eaLnBrk="1" fontAlgn="auto" latinLnBrk="0" hangingPunct="1">
+              <a:lnSpc>
+                <a:spcPct val="100000"/>
+              </a:lnSpc>
+              <a:spcBef>
+                <a:spcPts val="0"/>
+              </a:spcBef>
+              <a:spcAft>
+                <a:spcPts val="0"/>
+              </a:spcAft>
+              <a:buClrTx/>
+              <a:buSzTx/>
+              <a:buFontTx/>
+              <a:buNone/>
+              <a:tabLst/>
+              <a:defRPr/>
+            </a:pPr>
+            <a:endParaRPr kumimoji="0" lang="en-US" sz="1800" b="0" i="0" u="none" strike="noStrike" kern="1200" cap="none" spc="0" normalizeH="0" baseline="0" noProof="0">
+              <a:ln>
+                <a:noFill/>
+              </a:ln>
+              <a:solidFill>
+                <a:prstClr val="white"/>
+              </a:solidFill>
+              <a:effectLst/>
+              <a:uLnTx/>
+              <a:uFillTx/>
+              <a:latin typeface="Calibri" panose="020F0502020204030204"/>
+              <a:ea typeface="+mn-ea"/>
+              <a:cs typeface="+mn-cs"/>
+            </a:endParaRPr>
+          </a:p>
+        </p:txBody>
+      </p:sp>
+      <p:sp>
+        <p:nvSpPr>
+          <p:cNvPr id="2" name="Title 1">
+            <a:extLst>
+              <a:ext uri="{FF2B5EF4-FFF2-40B4-BE49-F238E27FC236}">
+                <a16:creationId xmlns:a16="http://schemas.microsoft.com/office/drawing/2014/main" id="{63267061-8F60-424F-A29A-A87814CAB030}"/>
+              </a:ext>
+            </a:extLst>
+          </p:cNvPr>
+          <p:cNvSpPr>
+            <a:spLocks noGrp="1"/>
+          </p:cNvSpPr>
+          <p:nvPr>
+            <p:ph type="title"/>
+          </p:nvPr>
+        </p:nvSpPr>
+        <p:spPr>
+          <a:xfrm>
+            <a:off x="526073" y="466578"/>
+            <a:ext cx="11139854" cy="930447"/>
+          </a:xfrm>
+        </p:spPr>
+        <p:txBody>
+          <a:bodyPr vert="horz" lIns="91440" tIns="45720" rIns="91440" bIns="45720" rtlCol="0" anchor="b">
+            <a:normAutofit/>
+          </a:bodyPr>
+          <a:lstStyle/>
+          <a:p>
+            <a:pPr algn="ctr"/>
+            <a:r>
+              <a:rPr lang="en-US" sz="5400" kern="1200">
+                <a:solidFill>
+                  <a:srgbClr val="FFFFFF"/>
+                </a:solidFill>
+                <a:latin typeface="+mj-lt"/>
+                <a:ea typeface="+mj-ea"/>
+                <a:cs typeface="+mj-cs"/>
+              </a:rPr>
+              <a:t>Right Join or Right Outer join </a:t>
+            </a:r>
+          </a:p>
+        </p:txBody>
+      </p:sp>
+      <p:cxnSp>
+        <p:nvCxnSpPr>
+          <p:cNvPr id="12" name="Straight Connector 11">
+            <a:extLst>
+              <a:ext uri="{FF2B5EF4-FFF2-40B4-BE49-F238E27FC236}">
+                <a16:creationId xmlns:a16="http://schemas.microsoft.com/office/drawing/2014/main" id="{7E7C77BC-7138-40B1-A15B-20F57A494629}"/>
+              </a:ext>
+              <a:ext uri="{C183D7F6-B498-43B3-948B-1728B52AA6E4}">
+                <adec:decorative xmlns:adec="http://schemas.microsoft.com/office/drawing/2017/decorative" val="1"/>
+              </a:ext>
+            </a:extLst>
+          </p:cNvPr>
+          <p:cNvCxnSpPr>
+            <a:cxnSpLocks noGrp="1" noRot="1" noChangeAspect="1" noMove="1" noResize="1" noEditPoints="1" noAdjustHandles="1" noChangeArrowheads="1" noChangeShapeType="1"/>
+          </p:cNvCxnSpPr>
+          <p:nvPr>
+            <p:extLst>
+              <p:ext uri="{386F3935-93C4-4BCD-93E2-E3B085C9AB24}">
+                <p16:designElem xmlns:p16="http://schemas.microsoft.com/office/powerpoint/2015/main" val="1"/>
+              </p:ext>
+            </p:extLst>
+          </p:nvPr>
+        </p:nvCxnSpPr>
+        <p:spPr>
+          <a:xfrm>
+            <a:off x="2209800" y="1448631"/>
+            <a:ext cx="7772400" cy="0"/>
+          </a:xfrm>
+          <a:prstGeom prst="line">
+            <a:avLst/>
+          </a:prstGeom>
+          <a:ln w="22225">
+            <a:solidFill>
+              <a:srgbClr val="D9D9D9"/>
+            </a:solidFill>
+          </a:ln>
+        </p:spPr>
+        <p:style>
+          <a:lnRef idx="1">
+            <a:schemeClr val="accent1"/>
+          </a:lnRef>
+          <a:fillRef idx="0">
+            <a:schemeClr val="accent1"/>
+          </a:fillRef>
+          <a:effectRef idx="0">
+            <a:schemeClr val="accent1"/>
+          </a:effectRef>
+          <a:fontRef idx="minor">
+            <a:schemeClr val="tx1"/>
+          </a:fontRef>
+        </p:style>
+      </p:cxnSp>
+      <p:pic>
+        <p:nvPicPr>
+          <p:cNvPr id="5" name="Content Placeholder 4" descr="Diagram, venn diagram&#10;&#10;Description automatically generated">
+            <a:extLst>
+              <a:ext uri="{FF2B5EF4-FFF2-40B4-BE49-F238E27FC236}">
+                <a16:creationId xmlns:a16="http://schemas.microsoft.com/office/drawing/2014/main" id="{20109712-50EC-4688-BA97-E3C20CC7B4D3}"/>
+              </a:ext>
+            </a:extLst>
+          </p:cNvPr>
+          <p:cNvPicPr>
+            <a:picLocks noGrp="1" noChangeAspect="1"/>
+          </p:cNvPicPr>
+          <p:nvPr>
+            <p:ph idx="1"/>
+          </p:nvPr>
+        </p:nvPicPr>
+        <p:blipFill>
+          <a:blip r:embed="rId2">
+            <a:extLst>
+              <a:ext uri="{28A0092B-C50C-407E-A947-70E740481C1C}">
+                <a14:useLocalDpi xmlns:a14="http://schemas.microsoft.com/office/drawing/2010/main" val="0"/>
+              </a:ext>
+            </a:extLst>
+          </a:blip>
+          <a:stretch>
+            <a:fillRect/>
+          </a:stretch>
+        </p:blipFill>
+        <p:spPr>
+          <a:xfrm>
+            <a:off x="2187250" y="2509911"/>
+            <a:ext cx="7762401" cy="3997637"/>
+          </a:xfrm>
+          <a:prstGeom prst="rect">
+            <a:avLst/>
+          </a:prstGeom>
+        </p:spPr>
+      </p:pic>
+    </p:spTree>
+    <p:extLst>
+      <p:ext uri="{BB962C8B-B14F-4D97-AF65-F5344CB8AC3E}">
+        <p14:creationId xmlns:p14="http://schemas.microsoft.com/office/powerpoint/2010/main" val="3776295397"/>
       </p:ext>
     </p:extLst>
   </p:cSld>
